--- a/발표자료.pptx
+++ b/발표자료.pptx
@@ -3322,6 +3322,36 @@
           <a:chExt cx="0" cy="0"/>
         </a:xfrm>
       </p:grpSpPr>
+      <p:pic>
+        <p:nvPicPr>
+          <p:cNvPr id="11" name="그림 10">
+            <a:extLst>
+              <a:ext uri="{FF2B5EF4-FFF2-40B4-BE49-F238E27FC236}">
+                <a16:creationId xmlns:a16="http://schemas.microsoft.com/office/drawing/2014/main" id="{151A3778-E56B-C31E-A70B-D952E0B0CC91}"/>
+              </a:ext>
+            </a:extLst>
+          </p:cNvPr>
+          <p:cNvPicPr>
+            <a:picLocks noChangeAspect="1"/>
+          </p:cNvPicPr>
+          <p:nvPr/>
+        </p:nvPicPr>
+        <p:blipFill>
+          <a:blip r:embed="rId2"/>
+          <a:stretch>
+            <a:fillRect/>
+          </a:stretch>
+        </p:blipFill>
+        <p:spPr>
+          <a:xfrm>
+            <a:off x="10413678" y="98543"/>
+            <a:ext cx="1790700" cy="1828800"/>
+          </a:xfrm>
+          <a:prstGeom prst="rect">
+            <a:avLst/>
+          </a:prstGeom>
+        </p:spPr>
+      </p:pic>
       <p:cxnSp>
         <p:nvCxnSpPr>
           <p:cNvPr id="3" name="직선 연결선 2"/>

--- a/발표자료.pptx
+++ b/발표자료.pptx
@@ -4,9 +4,23 @@
   <p:sldMasterIdLst>
     <p:sldMasterId id="2147483648" r:id="rId1"/>
   </p:sldMasterIdLst>
+  <p:notesMasterIdLst>
+    <p:notesMasterId r:id="rId15"/>
+  </p:notesMasterIdLst>
   <p:sldIdLst>
     <p:sldId id="298" r:id="rId2"/>
-    <p:sldId id="309" r:id="rId3"/>
+    <p:sldId id="322" r:id="rId3"/>
+    <p:sldId id="309" r:id="rId4"/>
+    <p:sldId id="323" r:id="rId5"/>
+    <p:sldId id="324" r:id="rId6"/>
+    <p:sldId id="332" r:id="rId7"/>
+    <p:sldId id="325" r:id="rId8"/>
+    <p:sldId id="330" r:id="rId9"/>
+    <p:sldId id="331" r:id="rId10"/>
+    <p:sldId id="326" r:id="rId11"/>
+    <p:sldId id="327" r:id="rId12"/>
+    <p:sldId id="328" r:id="rId13"/>
+    <p:sldId id="329" r:id="rId14"/>
   </p:sldIdLst>
   <p:sldSz cx="12192000" cy="6858000"/>
   <p:notesSz cx="6858000" cy="9144000"/>
@@ -105,7 +119,1285 @@
       </a:defRPr>
     </a:lvl9pPr>
   </p:defaultTextStyle>
+  <p:extLst>
+    <p:ext uri="{EFAFB233-063F-42B5-8137-9DF3F51BA10A}">
+      <p15:sldGuideLst xmlns:p15="http://schemas.microsoft.com/office/powerpoint/2012/main"/>
+    </p:ext>
+  </p:extLst>
 </p:presentation>
+</file>
+
+<file path=ppt/notesMasters/notesMaster1.xml><?xml version="1.0" encoding="utf-8"?>
+<p:notesMaster xmlns:a="http://schemas.openxmlformats.org/drawingml/2006/main" xmlns:r="http://schemas.openxmlformats.org/officeDocument/2006/relationships" xmlns:p="http://schemas.openxmlformats.org/presentationml/2006/main">
+  <p:cSld>
+    <p:bg>
+      <p:bgRef idx="1001">
+        <a:schemeClr val="bg1"/>
+      </p:bgRef>
+    </p:bg>
+    <p:spTree>
+      <p:nvGrpSpPr>
+        <p:cNvPr id="1" name=""/>
+        <p:cNvGrpSpPr/>
+        <p:nvPr/>
+      </p:nvGrpSpPr>
+      <p:grpSpPr>
+        <a:xfrm>
+          <a:off x="0" y="0"/>
+          <a:ext cx="0" cy="0"/>
+          <a:chOff x="0" y="0"/>
+          <a:chExt cx="0" cy="0"/>
+        </a:xfrm>
+      </p:grpSpPr>
+      <p:sp>
+        <p:nvSpPr>
+          <p:cNvPr id="2" name="머리글 개체 틀 1"/>
+          <p:cNvSpPr>
+            <a:spLocks noGrp="1"/>
+          </p:cNvSpPr>
+          <p:nvPr>
+            <p:ph type="hdr" sz="quarter"/>
+          </p:nvPr>
+        </p:nvSpPr>
+        <p:spPr>
+          <a:xfrm>
+            <a:off x="0" y="0"/>
+            <a:ext cx="2971800" cy="458788"/>
+          </a:xfrm>
+          <a:prstGeom prst="rect">
+            <a:avLst/>
+          </a:prstGeom>
+        </p:spPr>
+        <p:txBody>
+          <a:bodyPr vert="horz" lIns="91440" tIns="45720" rIns="91440" bIns="45720" rtlCol="0"/>
+          <a:lstStyle>
+            <a:lvl1pPr algn="l">
+              <a:defRPr sz="1200"/>
+            </a:lvl1pPr>
+          </a:lstStyle>
+          <a:p>
+            <a:endParaRPr kumimoji="1" lang="ko-KR" altLang="en-US"/>
+          </a:p>
+        </p:txBody>
+      </p:sp>
+      <p:sp>
+        <p:nvSpPr>
+          <p:cNvPr id="3" name="날짜 개체 틀 2"/>
+          <p:cNvSpPr>
+            <a:spLocks noGrp="1"/>
+          </p:cNvSpPr>
+          <p:nvPr>
+            <p:ph type="dt" idx="1"/>
+          </p:nvPr>
+        </p:nvSpPr>
+        <p:spPr>
+          <a:xfrm>
+            <a:off x="3884613" y="0"/>
+            <a:ext cx="2971800" cy="458788"/>
+          </a:xfrm>
+          <a:prstGeom prst="rect">
+            <a:avLst/>
+          </a:prstGeom>
+        </p:spPr>
+        <p:txBody>
+          <a:bodyPr vert="horz" lIns="91440" tIns="45720" rIns="91440" bIns="45720" rtlCol="0"/>
+          <a:lstStyle>
+            <a:lvl1pPr algn="r">
+              <a:defRPr sz="1200"/>
+            </a:lvl1pPr>
+          </a:lstStyle>
+          <a:p>
+            <a:fld id="{0E2712CF-ED42-4043-9E7E-4FF86D8E6FEA}" type="datetimeFigureOut">
+              <a:rPr kumimoji="1" lang="ko-KR" altLang="en-US" smtClean="0"/>
+              <a:t>2023. 11. 13.</a:t>
+            </a:fld>
+            <a:endParaRPr kumimoji="1" lang="ko-KR" altLang="en-US"/>
+          </a:p>
+        </p:txBody>
+      </p:sp>
+      <p:sp>
+        <p:nvSpPr>
+          <p:cNvPr id="4" name="슬라이드 이미지 개체 틀 3"/>
+          <p:cNvSpPr>
+            <a:spLocks noGrp="1" noRot="1" noChangeAspect="1"/>
+          </p:cNvSpPr>
+          <p:nvPr>
+            <p:ph type="sldImg" idx="2"/>
+          </p:nvPr>
+        </p:nvSpPr>
+        <p:spPr>
+          <a:xfrm>
+            <a:off x="685800" y="1143000"/>
+            <a:ext cx="5486400" cy="3086100"/>
+          </a:xfrm>
+          <a:prstGeom prst="rect">
+            <a:avLst/>
+          </a:prstGeom>
+          <a:noFill/>
+          <a:ln w="12700">
+            <a:solidFill>
+              <a:prstClr val="black"/>
+            </a:solidFill>
+          </a:ln>
+        </p:spPr>
+        <p:txBody>
+          <a:bodyPr vert="horz" lIns="91440" tIns="45720" rIns="91440" bIns="45720" rtlCol="0" anchor="ctr"/>
+          <a:lstStyle/>
+          <a:p>
+            <a:endParaRPr lang="ko-KR" altLang="en-US"/>
+          </a:p>
+        </p:txBody>
+      </p:sp>
+      <p:sp>
+        <p:nvSpPr>
+          <p:cNvPr id="5" name="슬라이드 노트 개체 틀 4"/>
+          <p:cNvSpPr>
+            <a:spLocks noGrp="1"/>
+          </p:cNvSpPr>
+          <p:nvPr>
+            <p:ph type="body" sz="quarter" idx="3"/>
+          </p:nvPr>
+        </p:nvSpPr>
+        <p:spPr>
+          <a:xfrm>
+            <a:off x="685800" y="4400550"/>
+            <a:ext cx="5486400" cy="3600450"/>
+          </a:xfrm>
+          <a:prstGeom prst="rect">
+            <a:avLst/>
+          </a:prstGeom>
+        </p:spPr>
+        <p:txBody>
+          <a:bodyPr vert="horz" lIns="91440" tIns="45720" rIns="91440" bIns="45720" rtlCol="0"/>
+          <a:lstStyle/>
+          <a:p>
+            <a:pPr lvl="0"/>
+            <a:r>
+              <a:rPr kumimoji="1" lang="ko-KR" altLang="en-US"/>
+              <a:t>마스터 텍스트 스타일을 편집하려면 클릭</a:t>
+            </a:r>
+          </a:p>
+          <a:p>
+            <a:pPr lvl="1"/>
+            <a:r>
+              <a:rPr kumimoji="1" lang="ko-KR" altLang="en-US"/>
+              <a:t>두 번째 수준</a:t>
+            </a:r>
+          </a:p>
+          <a:p>
+            <a:pPr lvl="2"/>
+            <a:r>
+              <a:rPr kumimoji="1" lang="ko-KR" altLang="en-US"/>
+              <a:t>세 번째 수준</a:t>
+            </a:r>
+          </a:p>
+          <a:p>
+            <a:pPr lvl="3"/>
+            <a:r>
+              <a:rPr kumimoji="1" lang="ko-KR" altLang="en-US"/>
+              <a:t>네 번째 수준</a:t>
+            </a:r>
+          </a:p>
+          <a:p>
+            <a:pPr lvl="4"/>
+            <a:r>
+              <a:rPr kumimoji="1" lang="ko-KR" altLang="en-US"/>
+              <a:t>다섯 번째 수준</a:t>
+            </a:r>
+          </a:p>
+        </p:txBody>
+      </p:sp>
+      <p:sp>
+        <p:nvSpPr>
+          <p:cNvPr id="6" name="바닥글 개체 틀 5"/>
+          <p:cNvSpPr>
+            <a:spLocks noGrp="1"/>
+          </p:cNvSpPr>
+          <p:nvPr>
+            <p:ph type="ftr" sz="quarter" idx="4"/>
+          </p:nvPr>
+        </p:nvSpPr>
+        <p:spPr>
+          <a:xfrm>
+            <a:off x="0" y="8685213"/>
+            <a:ext cx="2971800" cy="458787"/>
+          </a:xfrm>
+          <a:prstGeom prst="rect">
+            <a:avLst/>
+          </a:prstGeom>
+        </p:spPr>
+        <p:txBody>
+          <a:bodyPr vert="horz" lIns="91440" tIns="45720" rIns="91440" bIns="45720" rtlCol="0" anchor="b"/>
+          <a:lstStyle>
+            <a:lvl1pPr algn="l">
+              <a:defRPr sz="1200"/>
+            </a:lvl1pPr>
+          </a:lstStyle>
+          <a:p>
+            <a:endParaRPr kumimoji="1" lang="ko-KR" altLang="en-US"/>
+          </a:p>
+        </p:txBody>
+      </p:sp>
+      <p:sp>
+        <p:nvSpPr>
+          <p:cNvPr id="7" name="슬라이드 번호 개체 틀 6"/>
+          <p:cNvSpPr>
+            <a:spLocks noGrp="1"/>
+          </p:cNvSpPr>
+          <p:nvPr>
+            <p:ph type="sldNum" sz="quarter" idx="5"/>
+          </p:nvPr>
+        </p:nvSpPr>
+        <p:spPr>
+          <a:xfrm>
+            <a:off x="3884613" y="8685213"/>
+            <a:ext cx="2971800" cy="458787"/>
+          </a:xfrm>
+          <a:prstGeom prst="rect">
+            <a:avLst/>
+          </a:prstGeom>
+        </p:spPr>
+        <p:txBody>
+          <a:bodyPr vert="horz" lIns="91440" tIns="45720" rIns="91440" bIns="45720" rtlCol="0" anchor="b"/>
+          <a:lstStyle>
+            <a:lvl1pPr algn="r">
+              <a:defRPr sz="1200"/>
+            </a:lvl1pPr>
+          </a:lstStyle>
+          <a:p>
+            <a:fld id="{15E1BD82-37ED-8F4A-B376-63E45FCE1093}" type="slidenum">
+              <a:rPr kumimoji="1" lang="ko-KR" altLang="en-US" smtClean="0"/>
+              <a:t>‹#›</a:t>
+            </a:fld>
+            <a:endParaRPr kumimoji="1" lang="ko-KR" altLang="en-US"/>
+          </a:p>
+        </p:txBody>
+      </p:sp>
+    </p:spTree>
+    <p:extLst>
+      <p:ext uri="{BB962C8B-B14F-4D97-AF65-F5344CB8AC3E}">
+        <p14:creationId xmlns:p14="http://schemas.microsoft.com/office/powerpoint/2010/main" val="27148584"/>
+      </p:ext>
+    </p:extLst>
+  </p:cSld>
+  <p:clrMap bg1="lt1" tx1="dk1" bg2="lt2" tx2="dk2" accent1="accent1" accent2="accent2" accent3="accent3" accent4="accent4" accent5="accent5" accent6="accent6" hlink="hlink" folHlink="folHlink"/>
+  <p:notesStyle>
+    <a:lvl1pPr marL="0" algn="l" defTabSz="914400" rtl="0" eaLnBrk="1" latinLnBrk="1" hangingPunct="1">
+      <a:defRPr sz="1200" kern="1200">
+        <a:solidFill>
+          <a:schemeClr val="tx1"/>
+        </a:solidFill>
+        <a:latin typeface="+mn-lt"/>
+        <a:ea typeface="+mn-ea"/>
+        <a:cs typeface="+mn-cs"/>
+      </a:defRPr>
+    </a:lvl1pPr>
+    <a:lvl2pPr marL="457200" algn="l" defTabSz="914400" rtl="0" eaLnBrk="1" latinLnBrk="1" hangingPunct="1">
+      <a:defRPr sz="1200" kern="1200">
+        <a:solidFill>
+          <a:schemeClr val="tx1"/>
+        </a:solidFill>
+        <a:latin typeface="+mn-lt"/>
+        <a:ea typeface="+mn-ea"/>
+        <a:cs typeface="+mn-cs"/>
+      </a:defRPr>
+    </a:lvl2pPr>
+    <a:lvl3pPr marL="914400" algn="l" defTabSz="914400" rtl="0" eaLnBrk="1" latinLnBrk="1" hangingPunct="1">
+      <a:defRPr sz="1200" kern="1200">
+        <a:solidFill>
+          <a:schemeClr val="tx1"/>
+        </a:solidFill>
+        <a:latin typeface="+mn-lt"/>
+        <a:ea typeface="+mn-ea"/>
+        <a:cs typeface="+mn-cs"/>
+      </a:defRPr>
+    </a:lvl3pPr>
+    <a:lvl4pPr marL="1371600" algn="l" defTabSz="914400" rtl="0" eaLnBrk="1" latinLnBrk="1" hangingPunct="1">
+      <a:defRPr sz="1200" kern="1200">
+        <a:solidFill>
+          <a:schemeClr val="tx1"/>
+        </a:solidFill>
+        <a:latin typeface="+mn-lt"/>
+        <a:ea typeface="+mn-ea"/>
+        <a:cs typeface="+mn-cs"/>
+      </a:defRPr>
+    </a:lvl4pPr>
+    <a:lvl5pPr marL="1828800" algn="l" defTabSz="914400" rtl="0" eaLnBrk="1" latinLnBrk="1" hangingPunct="1">
+      <a:defRPr sz="1200" kern="1200">
+        <a:solidFill>
+          <a:schemeClr val="tx1"/>
+        </a:solidFill>
+        <a:latin typeface="+mn-lt"/>
+        <a:ea typeface="+mn-ea"/>
+        <a:cs typeface="+mn-cs"/>
+      </a:defRPr>
+    </a:lvl5pPr>
+    <a:lvl6pPr marL="2286000" algn="l" defTabSz="914400" rtl="0" eaLnBrk="1" latinLnBrk="1" hangingPunct="1">
+      <a:defRPr sz="1200" kern="1200">
+        <a:solidFill>
+          <a:schemeClr val="tx1"/>
+        </a:solidFill>
+        <a:latin typeface="+mn-lt"/>
+        <a:ea typeface="+mn-ea"/>
+        <a:cs typeface="+mn-cs"/>
+      </a:defRPr>
+    </a:lvl6pPr>
+    <a:lvl7pPr marL="2743200" algn="l" defTabSz="914400" rtl="0" eaLnBrk="1" latinLnBrk="1" hangingPunct="1">
+      <a:defRPr sz="1200" kern="1200">
+        <a:solidFill>
+          <a:schemeClr val="tx1"/>
+        </a:solidFill>
+        <a:latin typeface="+mn-lt"/>
+        <a:ea typeface="+mn-ea"/>
+        <a:cs typeface="+mn-cs"/>
+      </a:defRPr>
+    </a:lvl7pPr>
+    <a:lvl8pPr marL="3200400" algn="l" defTabSz="914400" rtl="0" eaLnBrk="1" latinLnBrk="1" hangingPunct="1">
+      <a:defRPr sz="1200" kern="1200">
+        <a:solidFill>
+          <a:schemeClr val="tx1"/>
+        </a:solidFill>
+        <a:latin typeface="+mn-lt"/>
+        <a:ea typeface="+mn-ea"/>
+        <a:cs typeface="+mn-cs"/>
+      </a:defRPr>
+    </a:lvl8pPr>
+    <a:lvl9pPr marL="3657600" algn="l" defTabSz="914400" rtl="0" eaLnBrk="1" latinLnBrk="1" hangingPunct="1">
+      <a:defRPr sz="1200" kern="1200">
+        <a:solidFill>
+          <a:schemeClr val="tx1"/>
+        </a:solidFill>
+        <a:latin typeface="+mn-lt"/>
+        <a:ea typeface="+mn-ea"/>
+        <a:cs typeface="+mn-cs"/>
+      </a:defRPr>
+    </a:lvl9pPr>
+  </p:notesStyle>
+</p:notesMaster>
+</file>
+
+<file path=ppt/notesSlides/notesSlide1.xml><?xml version="1.0" encoding="utf-8"?>
+<p:notes xmlns:a="http://schemas.openxmlformats.org/drawingml/2006/main" xmlns:r="http://schemas.openxmlformats.org/officeDocument/2006/relationships" xmlns:p="http://schemas.openxmlformats.org/presentationml/2006/main">
+  <p:cSld>
+    <p:spTree>
+      <p:nvGrpSpPr>
+        <p:cNvPr id="1" name=""/>
+        <p:cNvGrpSpPr/>
+        <p:nvPr/>
+      </p:nvGrpSpPr>
+      <p:grpSpPr>
+        <a:xfrm>
+          <a:off x="0" y="0"/>
+          <a:ext cx="0" cy="0"/>
+          <a:chOff x="0" y="0"/>
+          <a:chExt cx="0" cy="0"/>
+        </a:xfrm>
+      </p:grpSpPr>
+      <p:sp>
+        <p:nvSpPr>
+          <p:cNvPr id="2" name="슬라이드 이미지 개체 틀 1"/>
+          <p:cNvSpPr>
+            <a:spLocks noGrp="1" noRot="1" noChangeAspect="1"/>
+          </p:cNvSpPr>
+          <p:nvPr>
+            <p:ph type="sldImg"/>
+          </p:nvPr>
+        </p:nvSpPr>
+        <p:spPr/>
+      </p:sp>
+      <p:sp>
+        <p:nvSpPr>
+          <p:cNvPr id="3" name="슬라이드 노트 개체 틀 2"/>
+          <p:cNvSpPr>
+            <a:spLocks noGrp="1"/>
+          </p:cNvSpPr>
+          <p:nvPr>
+            <p:ph type="body" idx="1"/>
+          </p:nvPr>
+        </p:nvSpPr>
+        <p:spPr/>
+        <p:txBody>
+          <a:bodyPr/>
+          <a:lstStyle/>
+          <a:p>
+            <a:endParaRPr kumimoji="1" lang="ko-KR" altLang="en-US" dirty="0"/>
+          </a:p>
+        </p:txBody>
+      </p:sp>
+      <p:sp>
+        <p:nvSpPr>
+          <p:cNvPr id="4" name="슬라이드 번호 개체 틀 3"/>
+          <p:cNvSpPr>
+            <a:spLocks noGrp="1"/>
+          </p:cNvSpPr>
+          <p:nvPr>
+            <p:ph type="sldNum" sz="quarter" idx="5"/>
+          </p:nvPr>
+        </p:nvSpPr>
+        <p:spPr/>
+        <p:txBody>
+          <a:bodyPr/>
+          <a:lstStyle/>
+          <a:p>
+            <a:fld id="{15E1BD82-37ED-8F4A-B376-63E45FCE1093}" type="slidenum">
+              <a:rPr kumimoji="1" lang="ko-KR" altLang="en-US" smtClean="0"/>
+              <a:t>3</a:t>
+            </a:fld>
+            <a:endParaRPr kumimoji="1" lang="ko-KR" altLang="en-US"/>
+          </a:p>
+        </p:txBody>
+      </p:sp>
+    </p:spTree>
+    <p:extLst>
+      <p:ext uri="{BB962C8B-B14F-4D97-AF65-F5344CB8AC3E}">
+        <p14:creationId xmlns:p14="http://schemas.microsoft.com/office/powerpoint/2010/main" val="3324223799"/>
+      </p:ext>
+    </p:extLst>
+  </p:cSld>
+  <p:clrMapOvr>
+    <a:masterClrMapping/>
+  </p:clrMapOvr>
+</p:notes>
+</file>
+
+<file path=ppt/notesSlides/notesSlide10.xml><?xml version="1.0" encoding="utf-8"?>
+<p:notes xmlns:a="http://schemas.openxmlformats.org/drawingml/2006/main" xmlns:r="http://schemas.openxmlformats.org/officeDocument/2006/relationships" xmlns:p="http://schemas.openxmlformats.org/presentationml/2006/main">
+  <p:cSld>
+    <p:spTree>
+      <p:nvGrpSpPr>
+        <p:cNvPr id="1" name=""/>
+        <p:cNvGrpSpPr/>
+        <p:nvPr/>
+      </p:nvGrpSpPr>
+      <p:grpSpPr>
+        <a:xfrm>
+          <a:off x="0" y="0"/>
+          <a:ext cx="0" cy="0"/>
+          <a:chOff x="0" y="0"/>
+          <a:chExt cx="0" cy="0"/>
+        </a:xfrm>
+      </p:grpSpPr>
+      <p:sp>
+        <p:nvSpPr>
+          <p:cNvPr id="2" name="슬라이드 이미지 개체 틀 1"/>
+          <p:cNvSpPr>
+            <a:spLocks noGrp="1" noRot="1" noChangeAspect="1"/>
+          </p:cNvSpPr>
+          <p:nvPr>
+            <p:ph type="sldImg"/>
+          </p:nvPr>
+        </p:nvSpPr>
+        <p:spPr/>
+      </p:sp>
+      <p:sp>
+        <p:nvSpPr>
+          <p:cNvPr id="3" name="슬라이드 노트 개체 틀 2"/>
+          <p:cNvSpPr>
+            <a:spLocks noGrp="1"/>
+          </p:cNvSpPr>
+          <p:nvPr>
+            <p:ph type="body" idx="1"/>
+          </p:nvPr>
+        </p:nvSpPr>
+        <p:spPr/>
+        <p:txBody>
+          <a:bodyPr/>
+          <a:lstStyle/>
+          <a:p>
+            <a:endParaRPr kumimoji="1" lang="ko-KR" altLang="en-US" dirty="0"/>
+          </a:p>
+        </p:txBody>
+      </p:sp>
+      <p:sp>
+        <p:nvSpPr>
+          <p:cNvPr id="4" name="슬라이드 번호 개체 틀 3"/>
+          <p:cNvSpPr>
+            <a:spLocks noGrp="1"/>
+          </p:cNvSpPr>
+          <p:nvPr>
+            <p:ph type="sldNum" sz="quarter" idx="5"/>
+          </p:nvPr>
+        </p:nvSpPr>
+        <p:spPr/>
+        <p:txBody>
+          <a:bodyPr/>
+          <a:lstStyle/>
+          <a:p>
+            <a:fld id="{15E1BD82-37ED-8F4A-B376-63E45FCE1093}" type="slidenum">
+              <a:rPr kumimoji="1" lang="ko-KR" altLang="en-US" smtClean="0"/>
+              <a:t>12</a:t>
+            </a:fld>
+            <a:endParaRPr kumimoji="1" lang="ko-KR" altLang="en-US"/>
+          </a:p>
+        </p:txBody>
+      </p:sp>
+    </p:spTree>
+    <p:extLst>
+      <p:ext uri="{BB962C8B-B14F-4D97-AF65-F5344CB8AC3E}">
+        <p14:creationId xmlns:p14="http://schemas.microsoft.com/office/powerpoint/2010/main" val="621649507"/>
+      </p:ext>
+    </p:extLst>
+  </p:cSld>
+  <p:clrMapOvr>
+    <a:masterClrMapping/>
+  </p:clrMapOvr>
+</p:notes>
+</file>
+
+<file path=ppt/notesSlides/notesSlide11.xml><?xml version="1.0" encoding="utf-8"?>
+<p:notes xmlns:a="http://schemas.openxmlformats.org/drawingml/2006/main" xmlns:r="http://schemas.openxmlformats.org/officeDocument/2006/relationships" xmlns:p="http://schemas.openxmlformats.org/presentationml/2006/main">
+  <p:cSld>
+    <p:spTree>
+      <p:nvGrpSpPr>
+        <p:cNvPr id="1" name=""/>
+        <p:cNvGrpSpPr/>
+        <p:nvPr/>
+      </p:nvGrpSpPr>
+      <p:grpSpPr>
+        <a:xfrm>
+          <a:off x="0" y="0"/>
+          <a:ext cx="0" cy="0"/>
+          <a:chOff x="0" y="0"/>
+          <a:chExt cx="0" cy="0"/>
+        </a:xfrm>
+      </p:grpSpPr>
+      <p:sp>
+        <p:nvSpPr>
+          <p:cNvPr id="2" name="슬라이드 이미지 개체 틀 1"/>
+          <p:cNvSpPr>
+            <a:spLocks noGrp="1" noRot="1" noChangeAspect="1"/>
+          </p:cNvSpPr>
+          <p:nvPr>
+            <p:ph type="sldImg"/>
+          </p:nvPr>
+        </p:nvSpPr>
+        <p:spPr/>
+      </p:sp>
+      <p:sp>
+        <p:nvSpPr>
+          <p:cNvPr id="3" name="슬라이드 노트 개체 틀 2"/>
+          <p:cNvSpPr>
+            <a:spLocks noGrp="1"/>
+          </p:cNvSpPr>
+          <p:nvPr>
+            <p:ph type="body" idx="1"/>
+          </p:nvPr>
+        </p:nvSpPr>
+        <p:spPr/>
+        <p:txBody>
+          <a:bodyPr/>
+          <a:lstStyle/>
+          <a:p>
+            <a:endParaRPr kumimoji="1" lang="ko-KR" altLang="en-US" dirty="0"/>
+          </a:p>
+        </p:txBody>
+      </p:sp>
+      <p:sp>
+        <p:nvSpPr>
+          <p:cNvPr id="4" name="슬라이드 번호 개체 틀 3"/>
+          <p:cNvSpPr>
+            <a:spLocks noGrp="1"/>
+          </p:cNvSpPr>
+          <p:nvPr>
+            <p:ph type="sldNum" sz="quarter" idx="5"/>
+          </p:nvPr>
+        </p:nvSpPr>
+        <p:spPr/>
+        <p:txBody>
+          <a:bodyPr/>
+          <a:lstStyle/>
+          <a:p>
+            <a:fld id="{15E1BD82-37ED-8F4A-B376-63E45FCE1093}" type="slidenum">
+              <a:rPr kumimoji="1" lang="ko-KR" altLang="en-US" smtClean="0"/>
+              <a:t>13</a:t>
+            </a:fld>
+            <a:endParaRPr kumimoji="1" lang="ko-KR" altLang="en-US"/>
+          </a:p>
+        </p:txBody>
+      </p:sp>
+    </p:spTree>
+    <p:extLst>
+      <p:ext uri="{BB962C8B-B14F-4D97-AF65-F5344CB8AC3E}">
+        <p14:creationId xmlns:p14="http://schemas.microsoft.com/office/powerpoint/2010/main" val="3070936485"/>
+      </p:ext>
+    </p:extLst>
+  </p:cSld>
+  <p:clrMapOvr>
+    <a:masterClrMapping/>
+  </p:clrMapOvr>
+</p:notes>
+</file>
+
+<file path=ppt/notesSlides/notesSlide2.xml><?xml version="1.0" encoding="utf-8"?>
+<p:notes xmlns:a="http://schemas.openxmlformats.org/drawingml/2006/main" xmlns:r="http://schemas.openxmlformats.org/officeDocument/2006/relationships" xmlns:p="http://schemas.openxmlformats.org/presentationml/2006/main">
+  <p:cSld>
+    <p:spTree>
+      <p:nvGrpSpPr>
+        <p:cNvPr id="1" name=""/>
+        <p:cNvGrpSpPr/>
+        <p:nvPr/>
+      </p:nvGrpSpPr>
+      <p:grpSpPr>
+        <a:xfrm>
+          <a:off x="0" y="0"/>
+          <a:ext cx="0" cy="0"/>
+          <a:chOff x="0" y="0"/>
+          <a:chExt cx="0" cy="0"/>
+        </a:xfrm>
+      </p:grpSpPr>
+      <p:sp>
+        <p:nvSpPr>
+          <p:cNvPr id="2" name="슬라이드 이미지 개체 틀 1"/>
+          <p:cNvSpPr>
+            <a:spLocks noGrp="1" noRot="1" noChangeAspect="1"/>
+          </p:cNvSpPr>
+          <p:nvPr>
+            <p:ph type="sldImg"/>
+          </p:nvPr>
+        </p:nvSpPr>
+        <p:spPr/>
+      </p:sp>
+      <p:sp>
+        <p:nvSpPr>
+          <p:cNvPr id="3" name="슬라이드 노트 개체 틀 2"/>
+          <p:cNvSpPr>
+            <a:spLocks noGrp="1"/>
+          </p:cNvSpPr>
+          <p:nvPr>
+            <p:ph type="body" idx="1"/>
+          </p:nvPr>
+        </p:nvSpPr>
+        <p:spPr/>
+        <p:txBody>
+          <a:bodyPr/>
+          <a:lstStyle/>
+          <a:p>
+            <a:endParaRPr kumimoji="1" lang="ko-KR" altLang="en-US" dirty="0"/>
+          </a:p>
+        </p:txBody>
+      </p:sp>
+      <p:sp>
+        <p:nvSpPr>
+          <p:cNvPr id="4" name="슬라이드 번호 개체 틀 3"/>
+          <p:cNvSpPr>
+            <a:spLocks noGrp="1"/>
+          </p:cNvSpPr>
+          <p:nvPr>
+            <p:ph type="sldNum" sz="quarter" idx="5"/>
+          </p:nvPr>
+        </p:nvSpPr>
+        <p:spPr/>
+        <p:txBody>
+          <a:bodyPr/>
+          <a:lstStyle/>
+          <a:p>
+            <a:fld id="{15E1BD82-37ED-8F4A-B376-63E45FCE1093}" type="slidenum">
+              <a:rPr kumimoji="1" lang="ko-KR" altLang="en-US" smtClean="0"/>
+              <a:t>4</a:t>
+            </a:fld>
+            <a:endParaRPr kumimoji="1" lang="ko-KR" altLang="en-US"/>
+          </a:p>
+        </p:txBody>
+      </p:sp>
+    </p:spTree>
+    <p:extLst>
+      <p:ext uri="{BB962C8B-B14F-4D97-AF65-F5344CB8AC3E}">
+        <p14:creationId xmlns:p14="http://schemas.microsoft.com/office/powerpoint/2010/main" val="210810009"/>
+      </p:ext>
+    </p:extLst>
+  </p:cSld>
+  <p:clrMapOvr>
+    <a:masterClrMapping/>
+  </p:clrMapOvr>
+</p:notes>
+</file>
+
+<file path=ppt/notesSlides/notesSlide3.xml><?xml version="1.0" encoding="utf-8"?>
+<p:notes xmlns:a="http://schemas.openxmlformats.org/drawingml/2006/main" xmlns:r="http://schemas.openxmlformats.org/officeDocument/2006/relationships" xmlns:p="http://schemas.openxmlformats.org/presentationml/2006/main">
+  <p:cSld>
+    <p:spTree>
+      <p:nvGrpSpPr>
+        <p:cNvPr id="1" name=""/>
+        <p:cNvGrpSpPr/>
+        <p:nvPr/>
+      </p:nvGrpSpPr>
+      <p:grpSpPr>
+        <a:xfrm>
+          <a:off x="0" y="0"/>
+          <a:ext cx="0" cy="0"/>
+          <a:chOff x="0" y="0"/>
+          <a:chExt cx="0" cy="0"/>
+        </a:xfrm>
+      </p:grpSpPr>
+      <p:sp>
+        <p:nvSpPr>
+          <p:cNvPr id="2" name="슬라이드 이미지 개체 틀 1"/>
+          <p:cNvSpPr>
+            <a:spLocks noGrp="1" noRot="1" noChangeAspect="1"/>
+          </p:cNvSpPr>
+          <p:nvPr>
+            <p:ph type="sldImg"/>
+          </p:nvPr>
+        </p:nvSpPr>
+        <p:spPr/>
+      </p:sp>
+      <p:sp>
+        <p:nvSpPr>
+          <p:cNvPr id="3" name="슬라이드 노트 개체 틀 2"/>
+          <p:cNvSpPr>
+            <a:spLocks noGrp="1"/>
+          </p:cNvSpPr>
+          <p:nvPr>
+            <p:ph type="body" idx="1"/>
+          </p:nvPr>
+        </p:nvSpPr>
+        <p:spPr/>
+        <p:txBody>
+          <a:bodyPr/>
+          <a:lstStyle/>
+          <a:p>
+            <a:endParaRPr kumimoji="1" lang="ko-KR" altLang="en-US" dirty="0"/>
+          </a:p>
+        </p:txBody>
+      </p:sp>
+      <p:sp>
+        <p:nvSpPr>
+          <p:cNvPr id="4" name="슬라이드 번호 개체 틀 3"/>
+          <p:cNvSpPr>
+            <a:spLocks noGrp="1"/>
+          </p:cNvSpPr>
+          <p:nvPr>
+            <p:ph type="sldNum" sz="quarter" idx="5"/>
+          </p:nvPr>
+        </p:nvSpPr>
+        <p:spPr/>
+        <p:txBody>
+          <a:bodyPr/>
+          <a:lstStyle/>
+          <a:p>
+            <a:fld id="{15E1BD82-37ED-8F4A-B376-63E45FCE1093}" type="slidenum">
+              <a:rPr kumimoji="1" lang="ko-KR" altLang="en-US" smtClean="0"/>
+              <a:t>5</a:t>
+            </a:fld>
+            <a:endParaRPr kumimoji="1" lang="ko-KR" altLang="en-US"/>
+          </a:p>
+        </p:txBody>
+      </p:sp>
+    </p:spTree>
+    <p:extLst>
+      <p:ext uri="{BB962C8B-B14F-4D97-AF65-F5344CB8AC3E}">
+        <p14:creationId xmlns:p14="http://schemas.microsoft.com/office/powerpoint/2010/main" val="2860205179"/>
+      </p:ext>
+    </p:extLst>
+  </p:cSld>
+  <p:clrMapOvr>
+    <a:masterClrMapping/>
+  </p:clrMapOvr>
+</p:notes>
+</file>
+
+<file path=ppt/notesSlides/notesSlide4.xml><?xml version="1.0" encoding="utf-8"?>
+<p:notes xmlns:a="http://schemas.openxmlformats.org/drawingml/2006/main" xmlns:r="http://schemas.openxmlformats.org/officeDocument/2006/relationships" xmlns:p="http://schemas.openxmlformats.org/presentationml/2006/main">
+  <p:cSld>
+    <p:spTree>
+      <p:nvGrpSpPr>
+        <p:cNvPr id="1" name=""/>
+        <p:cNvGrpSpPr/>
+        <p:nvPr/>
+      </p:nvGrpSpPr>
+      <p:grpSpPr>
+        <a:xfrm>
+          <a:off x="0" y="0"/>
+          <a:ext cx="0" cy="0"/>
+          <a:chOff x="0" y="0"/>
+          <a:chExt cx="0" cy="0"/>
+        </a:xfrm>
+      </p:grpSpPr>
+      <p:sp>
+        <p:nvSpPr>
+          <p:cNvPr id="2" name="슬라이드 이미지 개체 틀 1"/>
+          <p:cNvSpPr>
+            <a:spLocks noGrp="1" noRot="1" noChangeAspect="1"/>
+          </p:cNvSpPr>
+          <p:nvPr>
+            <p:ph type="sldImg"/>
+          </p:nvPr>
+        </p:nvSpPr>
+        <p:spPr/>
+      </p:sp>
+      <p:sp>
+        <p:nvSpPr>
+          <p:cNvPr id="3" name="슬라이드 노트 개체 틀 2"/>
+          <p:cNvSpPr>
+            <a:spLocks noGrp="1"/>
+          </p:cNvSpPr>
+          <p:nvPr>
+            <p:ph type="body" idx="1"/>
+          </p:nvPr>
+        </p:nvSpPr>
+        <p:spPr/>
+        <p:txBody>
+          <a:bodyPr/>
+          <a:lstStyle/>
+          <a:p>
+            <a:endParaRPr kumimoji="1" lang="ko-KR" altLang="en-US" dirty="0"/>
+          </a:p>
+        </p:txBody>
+      </p:sp>
+      <p:sp>
+        <p:nvSpPr>
+          <p:cNvPr id="4" name="슬라이드 번호 개체 틀 3"/>
+          <p:cNvSpPr>
+            <a:spLocks noGrp="1"/>
+          </p:cNvSpPr>
+          <p:nvPr>
+            <p:ph type="sldNum" sz="quarter" idx="5"/>
+          </p:nvPr>
+        </p:nvSpPr>
+        <p:spPr/>
+        <p:txBody>
+          <a:bodyPr/>
+          <a:lstStyle/>
+          <a:p>
+            <a:fld id="{15E1BD82-37ED-8F4A-B376-63E45FCE1093}" type="slidenum">
+              <a:rPr kumimoji="1" lang="ko-KR" altLang="en-US" smtClean="0"/>
+              <a:t>6</a:t>
+            </a:fld>
+            <a:endParaRPr kumimoji="1" lang="ko-KR" altLang="en-US"/>
+          </a:p>
+        </p:txBody>
+      </p:sp>
+    </p:spTree>
+    <p:extLst>
+      <p:ext uri="{BB962C8B-B14F-4D97-AF65-F5344CB8AC3E}">
+        <p14:creationId xmlns:p14="http://schemas.microsoft.com/office/powerpoint/2010/main" val="3432570169"/>
+      </p:ext>
+    </p:extLst>
+  </p:cSld>
+  <p:clrMapOvr>
+    <a:masterClrMapping/>
+  </p:clrMapOvr>
+</p:notes>
+</file>
+
+<file path=ppt/notesSlides/notesSlide5.xml><?xml version="1.0" encoding="utf-8"?>
+<p:notes xmlns:a="http://schemas.openxmlformats.org/drawingml/2006/main" xmlns:r="http://schemas.openxmlformats.org/officeDocument/2006/relationships" xmlns:p="http://schemas.openxmlformats.org/presentationml/2006/main">
+  <p:cSld>
+    <p:spTree>
+      <p:nvGrpSpPr>
+        <p:cNvPr id="1" name=""/>
+        <p:cNvGrpSpPr/>
+        <p:nvPr/>
+      </p:nvGrpSpPr>
+      <p:grpSpPr>
+        <a:xfrm>
+          <a:off x="0" y="0"/>
+          <a:ext cx="0" cy="0"/>
+          <a:chOff x="0" y="0"/>
+          <a:chExt cx="0" cy="0"/>
+        </a:xfrm>
+      </p:grpSpPr>
+      <p:sp>
+        <p:nvSpPr>
+          <p:cNvPr id="2" name="슬라이드 이미지 개체 틀 1"/>
+          <p:cNvSpPr>
+            <a:spLocks noGrp="1" noRot="1" noChangeAspect="1"/>
+          </p:cNvSpPr>
+          <p:nvPr>
+            <p:ph type="sldImg"/>
+          </p:nvPr>
+        </p:nvSpPr>
+        <p:spPr/>
+      </p:sp>
+      <p:sp>
+        <p:nvSpPr>
+          <p:cNvPr id="3" name="슬라이드 노트 개체 틀 2"/>
+          <p:cNvSpPr>
+            <a:spLocks noGrp="1"/>
+          </p:cNvSpPr>
+          <p:nvPr>
+            <p:ph type="body" idx="1"/>
+          </p:nvPr>
+        </p:nvSpPr>
+        <p:spPr/>
+        <p:txBody>
+          <a:bodyPr/>
+          <a:lstStyle/>
+          <a:p>
+            <a:endParaRPr kumimoji="1" lang="ko-KR" altLang="en-US" dirty="0"/>
+          </a:p>
+        </p:txBody>
+      </p:sp>
+      <p:sp>
+        <p:nvSpPr>
+          <p:cNvPr id="4" name="슬라이드 번호 개체 틀 3"/>
+          <p:cNvSpPr>
+            <a:spLocks noGrp="1"/>
+          </p:cNvSpPr>
+          <p:nvPr>
+            <p:ph type="sldNum" sz="quarter" idx="5"/>
+          </p:nvPr>
+        </p:nvSpPr>
+        <p:spPr/>
+        <p:txBody>
+          <a:bodyPr/>
+          <a:lstStyle/>
+          <a:p>
+            <a:fld id="{15E1BD82-37ED-8F4A-B376-63E45FCE1093}" type="slidenum">
+              <a:rPr kumimoji="1" lang="ko-KR" altLang="en-US" smtClean="0"/>
+              <a:t>7</a:t>
+            </a:fld>
+            <a:endParaRPr kumimoji="1" lang="ko-KR" altLang="en-US"/>
+          </a:p>
+        </p:txBody>
+      </p:sp>
+    </p:spTree>
+    <p:extLst>
+      <p:ext uri="{BB962C8B-B14F-4D97-AF65-F5344CB8AC3E}">
+        <p14:creationId xmlns:p14="http://schemas.microsoft.com/office/powerpoint/2010/main" val="172532138"/>
+      </p:ext>
+    </p:extLst>
+  </p:cSld>
+  <p:clrMapOvr>
+    <a:masterClrMapping/>
+  </p:clrMapOvr>
+</p:notes>
+</file>
+
+<file path=ppt/notesSlides/notesSlide6.xml><?xml version="1.0" encoding="utf-8"?>
+<p:notes xmlns:a="http://schemas.openxmlformats.org/drawingml/2006/main" xmlns:r="http://schemas.openxmlformats.org/officeDocument/2006/relationships" xmlns:p="http://schemas.openxmlformats.org/presentationml/2006/main">
+  <p:cSld>
+    <p:spTree>
+      <p:nvGrpSpPr>
+        <p:cNvPr id="1" name=""/>
+        <p:cNvGrpSpPr/>
+        <p:nvPr/>
+      </p:nvGrpSpPr>
+      <p:grpSpPr>
+        <a:xfrm>
+          <a:off x="0" y="0"/>
+          <a:ext cx="0" cy="0"/>
+          <a:chOff x="0" y="0"/>
+          <a:chExt cx="0" cy="0"/>
+        </a:xfrm>
+      </p:grpSpPr>
+      <p:sp>
+        <p:nvSpPr>
+          <p:cNvPr id="2" name="슬라이드 이미지 개체 틀 1"/>
+          <p:cNvSpPr>
+            <a:spLocks noGrp="1" noRot="1" noChangeAspect="1"/>
+          </p:cNvSpPr>
+          <p:nvPr>
+            <p:ph type="sldImg"/>
+          </p:nvPr>
+        </p:nvSpPr>
+        <p:spPr/>
+      </p:sp>
+      <p:sp>
+        <p:nvSpPr>
+          <p:cNvPr id="3" name="슬라이드 노트 개체 틀 2"/>
+          <p:cNvSpPr>
+            <a:spLocks noGrp="1"/>
+          </p:cNvSpPr>
+          <p:nvPr>
+            <p:ph type="body" idx="1"/>
+          </p:nvPr>
+        </p:nvSpPr>
+        <p:spPr/>
+        <p:txBody>
+          <a:bodyPr/>
+          <a:lstStyle/>
+          <a:p>
+            <a:endParaRPr kumimoji="1" lang="ko-KR" altLang="en-US" dirty="0"/>
+          </a:p>
+        </p:txBody>
+      </p:sp>
+      <p:sp>
+        <p:nvSpPr>
+          <p:cNvPr id="4" name="슬라이드 번호 개체 틀 3"/>
+          <p:cNvSpPr>
+            <a:spLocks noGrp="1"/>
+          </p:cNvSpPr>
+          <p:nvPr>
+            <p:ph type="sldNum" sz="quarter" idx="5"/>
+          </p:nvPr>
+        </p:nvSpPr>
+        <p:spPr/>
+        <p:txBody>
+          <a:bodyPr/>
+          <a:lstStyle/>
+          <a:p>
+            <a:fld id="{15E1BD82-37ED-8F4A-B376-63E45FCE1093}" type="slidenum">
+              <a:rPr kumimoji="1" lang="ko-KR" altLang="en-US" smtClean="0"/>
+              <a:t>8</a:t>
+            </a:fld>
+            <a:endParaRPr kumimoji="1" lang="ko-KR" altLang="en-US"/>
+          </a:p>
+        </p:txBody>
+      </p:sp>
+    </p:spTree>
+    <p:extLst>
+      <p:ext uri="{BB962C8B-B14F-4D97-AF65-F5344CB8AC3E}">
+        <p14:creationId xmlns:p14="http://schemas.microsoft.com/office/powerpoint/2010/main" val="3591528787"/>
+      </p:ext>
+    </p:extLst>
+  </p:cSld>
+  <p:clrMapOvr>
+    <a:masterClrMapping/>
+  </p:clrMapOvr>
+</p:notes>
+</file>
+
+<file path=ppt/notesSlides/notesSlide7.xml><?xml version="1.0" encoding="utf-8"?>
+<p:notes xmlns:a="http://schemas.openxmlformats.org/drawingml/2006/main" xmlns:r="http://schemas.openxmlformats.org/officeDocument/2006/relationships" xmlns:p="http://schemas.openxmlformats.org/presentationml/2006/main">
+  <p:cSld>
+    <p:spTree>
+      <p:nvGrpSpPr>
+        <p:cNvPr id="1" name=""/>
+        <p:cNvGrpSpPr/>
+        <p:nvPr/>
+      </p:nvGrpSpPr>
+      <p:grpSpPr>
+        <a:xfrm>
+          <a:off x="0" y="0"/>
+          <a:ext cx="0" cy="0"/>
+          <a:chOff x="0" y="0"/>
+          <a:chExt cx="0" cy="0"/>
+        </a:xfrm>
+      </p:grpSpPr>
+      <p:sp>
+        <p:nvSpPr>
+          <p:cNvPr id="2" name="슬라이드 이미지 개체 틀 1"/>
+          <p:cNvSpPr>
+            <a:spLocks noGrp="1" noRot="1" noChangeAspect="1"/>
+          </p:cNvSpPr>
+          <p:nvPr>
+            <p:ph type="sldImg"/>
+          </p:nvPr>
+        </p:nvSpPr>
+        <p:spPr/>
+      </p:sp>
+      <p:sp>
+        <p:nvSpPr>
+          <p:cNvPr id="3" name="슬라이드 노트 개체 틀 2"/>
+          <p:cNvSpPr>
+            <a:spLocks noGrp="1"/>
+          </p:cNvSpPr>
+          <p:nvPr>
+            <p:ph type="body" idx="1"/>
+          </p:nvPr>
+        </p:nvSpPr>
+        <p:spPr/>
+        <p:txBody>
+          <a:bodyPr/>
+          <a:lstStyle/>
+          <a:p>
+            <a:endParaRPr kumimoji="1" lang="ko-KR" altLang="en-US" dirty="0"/>
+          </a:p>
+        </p:txBody>
+      </p:sp>
+      <p:sp>
+        <p:nvSpPr>
+          <p:cNvPr id="4" name="슬라이드 번호 개체 틀 3"/>
+          <p:cNvSpPr>
+            <a:spLocks noGrp="1"/>
+          </p:cNvSpPr>
+          <p:nvPr>
+            <p:ph type="sldNum" sz="quarter" idx="5"/>
+          </p:nvPr>
+        </p:nvSpPr>
+        <p:spPr/>
+        <p:txBody>
+          <a:bodyPr/>
+          <a:lstStyle/>
+          <a:p>
+            <a:fld id="{15E1BD82-37ED-8F4A-B376-63E45FCE1093}" type="slidenum">
+              <a:rPr kumimoji="1" lang="ko-KR" altLang="en-US" smtClean="0"/>
+              <a:t>9</a:t>
+            </a:fld>
+            <a:endParaRPr kumimoji="1" lang="ko-KR" altLang="en-US"/>
+          </a:p>
+        </p:txBody>
+      </p:sp>
+    </p:spTree>
+    <p:extLst>
+      <p:ext uri="{BB962C8B-B14F-4D97-AF65-F5344CB8AC3E}">
+        <p14:creationId xmlns:p14="http://schemas.microsoft.com/office/powerpoint/2010/main" val="316519737"/>
+      </p:ext>
+    </p:extLst>
+  </p:cSld>
+  <p:clrMapOvr>
+    <a:masterClrMapping/>
+  </p:clrMapOvr>
+</p:notes>
+</file>
+
+<file path=ppt/notesSlides/notesSlide8.xml><?xml version="1.0" encoding="utf-8"?>
+<p:notes xmlns:a="http://schemas.openxmlformats.org/drawingml/2006/main" xmlns:r="http://schemas.openxmlformats.org/officeDocument/2006/relationships" xmlns:p="http://schemas.openxmlformats.org/presentationml/2006/main">
+  <p:cSld>
+    <p:spTree>
+      <p:nvGrpSpPr>
+        <p:cNvPr id="1" name=""/>
+        <p:cNvGrpSpPr/>
+        <p:nvPr/>
+      </p:nvGrpSpPr>
+      <p:grpSpPr>
+        <a:xfrm>
+          <a:off x="0" y="0"/>
+          <a:ext cx="0" cy="0"/>
+          <a:chOff x="0" y="0"/>
+          <a:chExt cx="0" cy="0"/>
+        </a:xfrm>
+      </p:grpSpPr>
+      <p:sp>
+        <p:nvSpPr>
+          <p:cNvPr id="2" name="슬라이드 이미지 개체 틀 1"/>
+          <p:cNvSpPr>
+            <a:spLocks noGrp="1" noRot="1" noChangeAspect="1"/>
+          </p:cNvSpPr>
+          <p:nvPr>
+            <p:ph type="sldImg"/>
+          </p:nvPr>
+        </p:nvSpPr>
+        <p:spPr/>
+      </p:sp>
+      <p:sp>
+        <p:nvSpPr>
+          <p:cNvPr id="3" name="슬라이드 노트 개체 틀 2"/>
+          <p:cNvSpPr>
+            <a:spLocks noGrp="1"/>
+          </p:cNvSpPr>
+          <p:nvPr>
+            <p:ph type="body" idx="1"/>
+          </p:nvPr>
+        </p:nvSpPr>
+        <p:spPr/>
+        <p:txBody>
+          <a:bodyPr/>
+          <a:lstStyle/>
+          <a:p>
+            <a:endParaRPr kumimoji="1" lang="ko-KR" altLang="en-US" dirty="0"/>
+          </a:p>
+        </p:txBody>
+      </p:sp>
+      <p:sp>
+        <p:nvSpPr>
+          <p:cNvPr id="4" name="슬라이드 번호 개체 틀 3"/>
+          <p:cNvSpPr>
+            <a:spLocks noGrp="1"/>
+          </p:cNvSpPr>
+          <p:nvPr>
+            <p:ph type="sldNum" sz="quarter" idx="5"/>
+          </p:nvPr>
+        </p:nvSpPr>
+        <p:spPr/>
+        <p:txBody>
+          <a:bodyPr/>
+          <a:lstStyle/>
+          <a:p>
+            <a:fld id="{15E1BD82-37ED-8F4A-B376-63E45FCE1093}" type="slidenum">
+              <a:rPr kumimoji="1" lang="ko-KR" altLang="en-US" smtClean="0"/>
+              <a:t>10</a:t>
+            </a:fld>
+            <a:endParaRPr kumimoji="1" lang="ko-KR" altLang="en-US"/>
+          </a:p>
+        </p:txBody>
+      </p:sp>
+    </p:spTree>
+    <p:extLst>
+      <p:ext uri="{BB962C8B-B14F-4D97-AF65-F5344CB8AC3E}">
+        <p14:creationId xmlns:p14="http://schemas.microsoft.com/office/powerpoint/2010/main" val="2816999883"/>
+      </p:ext>
+    </p:extLst>
+  </p:cSld>
+  <p:clrMapOvr>
+    <a:masterClrMapping/>
+  </p:clrMapOvr>
+</p:notes>
+</file>
+
+<file path=ppt/notesSlides/notesSlide9.xml><?xml version="1.0" encoding="utf-8"?>
+<p:notes xmlns:a="http://schemas.openxmlformats.org/drawingml/2006/main" xmlns:r="http://schemas.openxmlformats.org/officeDocument/2006/relationships" xmlns:p="http://schemas.openxmlformats.org/presentationml/2006/main">
+  <p:cSld>
+    <p:spTree>
+      <p:nvGrpSpPr>
+        <p:cNvPr id="1" name=""/>
+        <p:cNvGrpSpPr/>
+        <p:nvPr/>
+      </p:nvGrpSpPr>
+      <p:grpSpPr>
+        <a:xfrm>
+          <a:off x="0" y="0"/>
+          <a:ext cx="0" cy="0"/>
+          <a:chOff x="0" y="0"/>
+          <a:chExt cx="0" cy="0"/>
+        </a:xfrm>
+      </p:grpSpPr>
+      <p:sp>
+        <p:nvSpPr>
+          <p:cNvPr id="2" name="슬라이드 이미지 개체 틀 1"/>
+          <p:cNvSpPr>
+            <a:spLocks noGrp="1" noRot="1" noChangeAspect="1"/>
+          </p:cNvSpPr>
+          <p:nvPr>
+            <p:ph type="sldImg"/>
+          </p:nvPr>
+        </p:nvSpPr>
+        <p:spPr/>
+      </p:sp>
+      <p:sp>
+        <p:nvSpPr>
+          <p:cNvPr id="3" name="슬라이드 노트 개체 틀 2"/>
+          <p:cNvSpPr>
+            <a:spLocks noGrp="1"/>
+          </p:cNvSpPr>
+          <p:nvPr>
+            <p:ph type="body" idx="1"/>
+          </p:nvPr>
+        </p:nvSpPr>
+        <p:spPr/>
+        <p:txBody>
+          <a:bodyPr/>
+          <a:lstStyle/>
+          <a:p>
+            <a:endParaRPr kumimoji="1" lang="ko-KR" altLang="en-US" dirty="0"/>
+          </a:p>
+        </p:txBody>
+      </p:sp>
+      <p:sp>
+        <p:nvSpPr>
+          <p:cNvPr id="4" name="슬라이드 번호 개체 틀 3"/>
+          <p:cNvSpPr>
+            <a:spLocks noGrp="1"/>
+          </p:cNvSpPr>
+          <p:nvPr>
+            <p:ph type="sldNum" sz="quarter" idx="5"/>
+          </p:nvPr>
+        </p:nvSpPr>
+        <p:spPr/>
+        <p:txBody>
+          <a:bodyPr/>
+          <a:lstStyle/>
+          <a:p>
+            <a:fld id="{15E1BD82-37ED-8F4A-B376-63E45FCE1093}" type="slidenum">
+              <a:rPr kumimoji="1" lang="ko-KR" altLang="en-US" smtClean="0"/>
+              <a:t>11</a:t>
+            </a:fld>
+            <a:endParaRPr kumimoji="1" lang="ko-KR" altLang="en-US"/>
+          </a:p>
+        </p:txBody>
+      </p:sp>
+    </p:spTree>
+    <p:extLst>
+      <p:ext uri="{BB962C8B-B14F-4D97-AF65-F5344CB8AC3E}">
+        <p14:creationId xmlns:p14="http://schemas.microsoft.com/office/powerpoint/2010/main" val="3840501837"/>
+      </p:ext>
+    </p:extLst>
+  </p:cSld>
+  <p:clrMapOvr>
+    <a:masterClrMapping/>
+  </p:clrMapOvr>
+</p:notes>
 </file>
 
 <file path=ppt/slideLayouts/slideLayout1.xml><?xml version="1.0" encoding="utf-8"?>
@@ -3337,7 +4629,9 @@
           <p:nvPr/>
         </p:nvPicPr>
         <p:blipFill>
-          <a:blip r:embed="rId2"/>
+          <a:blip r:embed="rId2">
+            <a:alphaModFix amt="20000"/>
+          </a:blip>
           <a:stretch>
             <a:fillRect/>
           </a:stretch>
@@ -3415,41 +4709,129 @@
               <a:defRPr/>
             </a:pPr>
             <a:r>
-              <a:rPr lang="ko-KR" altLang="en-US" sz="4000" b="1" spc="-300" dirty="0">
-                <a:solidFill>
-                  <a:schemeClr val="accent6"/>
-                </a:solidFill>
+              <a:rPr lang="ko-KR" altLang="en-US" sz="4000" b="1" spc="-300" dirty="0"/>
+              <a:t>훈련 안정성을 위한 병렬 구조의 생성자 기반 </a:t>
+            </a:r>
+            <a:r>
+              <a:rPr lang="en-US" altLang="ko-KR" sz="4000" b="1" spc="-300" dirty="0"/>
+              <a:t>GAN</a:t>
+            </a:r>
+          </a:p>
+        </p:txBody>
+      </p:sp>
+      <p:sp>
+        <p:nvSpPr>
+          <p:cNvPr id="32" name="TextBox 31"/>
+          <p:cNvSpPr txBox="1"/>
+          <p:nvPr/>
+        </p:nvSpPr>
+        <p:spPr>
+          <a:xfrm>
+            <a:off x="1370975" y="3934817"/>
+            <a:ext cx="7102329" cy="1631216"/>
+          </a:xfrm>
+          <a:prstGeom prst="rect">
+            <a:avLst/>
+          </a:prstGeom>
+        </p:spPr>
+        <p:txBody>
+          <a:bodyPr wrap="square">
+            <a:spAutoFit/>
+          </a:bodyPr>
+          <a:lstStyle/>
+          <a:p>
+            <a:r>
+              <a:rPr lang="en-US" altLang="ko-KR" sz="2000" b="1" dirty="0"/>
+              <a:t>2023.11.16 (</a:t>
+            </a:r>
+            <a:r>
+              <a:rPr lang="ko-KR" altLang="en-US" sz="2000" b="1" dirty="0"/>
+              <a:t>목</a:t>
+            </a:r>
+            <a:r>
+              <a:rPr lang="en-US" altLang="ko-KR" sz="2000" b="1" dirty="0"/>
+              <a:t>)</a:t>
+            </a:r>
+          </a:p>
+          <a:p>
+            <a:endParaRPr lang="en-US" altLang="ko-KR" sz="2000" b="1" dirty="0"/>
+          </a:p>
+          <a:p>
+            <a:r>
+              <a:rPr lang="ko-KR" altLang="en-US" sz="2000" b="1" dirty="0"/>
+              <a:t>한국성서대학교 </a:t>
+            </a:r>
+            <a:r>
+              <a:rPr lang="ko-KR" altLang="en-US" sz="2000" b="1" dirty="0" err="1"/>
+              <a:t>컴퓨터소프트웨어학과</a:t>
+            </a:r>
+            <a:r>
+              <a:rPr lang="ko-KR" altLang="en-US" sz="2000" b="1" dirty="0"/>
+              <a:t> </a:t>
+            </a:r>
+            <a:r>
+              <a:rPr lang="en-US" altLang="ko-KR" sz="2000" b="1" dirty="0"/>
+              <a:t>3</a:t>
+            </a:r>
+            <a:r>
+              <a:rPr lang="ko-KR" altLang="en-US" sz="2000" b="1" dirty="0"/>
+              <a:t>학년</a:t>
+            </a:r>
+            <a:endParaRPr lang="en-US" altLang="ko-KR" sz="2000" b="1" dirty="0"/>
+          </a:p>
+          <a:p>
+            <a:endParaRPr lang="en-US" altLang="ko-KR" sz="2000" b="1" dirty="0">
+              <a:effectLst/>
+            </a:endParaRPr>
+          </a:p>
+          <a:p>
+            <a:r>
+              <a:rPr lang="ko-KR" altLang="en-US" sz="2000" b="1" dirty="0" err="1">
+                <a:effectLst/>
               </a:rPr>
-              <a:t>훈련 안정성을 위한 병렬 구조의 생성자 기반 </a:t>
-            </a:r>
-            <a:r>
-              <a:rPr lang="en-US" altLang="ko-KR" sz="4000" b="1" spc="-300" dirty="0">
-                <a:solidFill>
-                  <a:schemeClr val="accent6"/>
-                </a:solidFill>
+              <a:t>박범찬</a:t>
+            </a:r>
+            <a:r>
+              <a:rPr lang="en-US" altLang="ko-KR" sz="2000" b="1" dirty="0">
+                <a:effectLst/>
               </a:rPr>
-              <a:t>GAN</a:t>
-            </a:r>
+              <a:t>(</a:t>
+            </a:r>
+            <a:r>
+              <a:rPr lang="en-US" altLang="ko-KR" sz="2000" b="1" dirty="0"/>
+              <a:t>Bumchan Park)</a:t>
+            </a:r>
+            <a:endParaRPr lang="en-US" altLang="ko-KR" sz="2000" b="1" dirty="0">
+              <a:effectLst/>
+            </a:endParaRPr>
           </a:p>
         </p:txBody>
       </p:sp>
       <p:cxnSp>
         <p:nvCxnSpPr>
-          <p:cNvPr id="6" name="직선 연결선 5"/>
-          <p:cNvCxnSpPr/>
+          <p:cNvPr id="8" name="직선 연결선 2">
+            <a:extLst>
+              <a:ext uri="{FF2B5EF4-FFF2-40B4-BE49-F238E27FC236}">
+                <a16:creationId xmlns:a16="http://schemas.microsoft.com/office/drawing/2014/main" id="{8AD69FEC-9BDA-DC70-8E16-4ED855441287}"/>
+              </a:ext>
+            </a:extLst>
+          </p:cNvPr>
+          <p:cNvCxnSpPr>
+            <a:cxnSpLocks/>
+          </p:cNvCxnSpPr>
           <p:nvPr/>
         </p:nvCxnSpPr>
         <p:spPr>
           <a:xfrm>
-            <a:off x="144378" y="6737685"/>
-            <a:ext cx="12060000" cy="0"/>
+            <a:off x="1255699" y="3918197"/>
+            <a:ext cx="0" cy="1769681"/>
           </a:xfrm>
           <a:prstGeom prst="line">
             <a:avLst/>
           </a:prstGeom>
-          <a:ln w="3175">
+          <a:ln w="76200">
             <a:solidFill>
-              <a:schemeClr val="accent1"/>
+              <a:schemeClr val="accent6"/>
             </a:solidFill>
           </a:ln>
         </p:spPr>
@@ -3470,18 +4852,54 @@
       </p:cxnSp>
       <p:sp>
         <p:nvSpPr>
-          <p:cNvPr id="32" name="TextBox 31"/>
+          <p:cNvPr id="4" name="슬라이드 번호 개체 틀 3">
+            <a:extLst>
+              <a:ext uri="{FF2B5EF4-FFF2-40B4-BE49-F238E27FC236}">
+                <a16:creationId xmlns:a16="http://schemas.microsoft.com/office/drawing/2014/main" id="{2B9F70FE-82A7-5A86-8A6E-5453C84078BA}"/>
+              </a:ext>
+            </a:extLst>
+          </p:cNvPr>
+          <p:cNvSpPr>
+            <a:spLocks noGrp="1"/>
+          </p:cNvSpPr>
+          <p:nvPr>
+            <p:ph type="sldNum" sz="quarter" idx="12"/>
+          </p:nvPr>
+        </p:nvSpPr>
+        <p:spPr/>
+        <p:txBody>
+          <a:bodyPr/>
+          <a:lstStyle/>
+          <a:p>
+            <a:fld id="{555FA67B-1CA0-4647-BA98-55E6D37C5533}" type="slidenum">
+              <a:rPr kumimoji="1" lang="ko-KR" altLang="en-US" smtClean="0"/>
+              <a:t>1</a:t>
+            </a:fld>
+            <a:endParaRPr kumimoji="1" lang="ko-KR" altLang="en-US"/>
+          </a:p>
+        </p:txBody>
+      </p:sp>
+      <p:sp>
+        <p:nvSpPr>
+          <p:cNvPr id="2" name="TextBox 1">
+            <a:extLst>
+              <a:ext uri="{FF2B5EF4-FFF2-40B4-BE49-F238E27FC236}">
+                <a16:creationId xmlns:a16="http://schemas.microsoft.com/office/drawing/2014/main" id="{E3D21C4E-2919-D211-BCEC-A49A44BB7636}"/>
+              </a:ext>
+            </a:extLst>
+          </p:cNvPr>
           <p:cNvSpPr txBox="1"/>
           <p:nvPr/>
         </p:nvSpPr>
         <p:spPr>
           <a:xfrm>
-            <a:off x="1370975" y="3934817"/>
-            <a:ext cx="7102329" cy="1631216"/>
+            <a:off x="1370975" y="2624484"/>
+            <a:ext cx="9802392" cy="630942"/>
           </a:xfrm>
           <a:prstGeom prst="rect">
             <a:avLst/>
           </a:prstGeom>
+          <a:noFill/>
         </p:spPr>
         <p:txBody>
           <a:bodyPr wrap="square">
@@ -3489,96 +4907,37 @@
           </a:bodyPr>
           <a:lstStyle/>
           <a:p>
-            <a:r>
-              <a:rPr lang="en-US" altLang="ko-KR" sz="2000" b="1" dirty="0"/>
-              <a:t>2023.11.16 (</a:t>
-            </a:r>
-            <a:r>
-              <a:rPr lang="ko-KR" altLang="en-US" sz="2000" b="1" dirty="0"/>
-              <a:t>목</a:t>
-            </a:r>
-            <a:r>
-              <a:rPr lang="en-US" altLang="ko-KR" sz="2000" b="1" dirty="0"/>
-              <a:t>)</a:t>
-            </a:r>
-          </a:p>
-          <a:p>
-            <a:endParaRPr lang="en-US" altLang="ko-KR" sz="2000" b="1" dirty="0"/>
-          </a:p>
-          <a:p>
-            <a:r>
-              <a:rPr lang="ko-KR" altLang="en-US" sz="2000" b="1" dirty="0"/>
-              <a:t>한국성서대학교 </a:t>
-            </a:r>
-            <a:r>
-              <a:rPr lang="ko-KR" altLang="en-US" sz="2000" b="1" dirty="0" err="1"/>
-              <a:t>컴퓨터소프트웨어학과</a:t>
-            </a:r>
-            <a:r>
-              <a:rPr lang="ko-KR" altLang="en-US" sz="2000" b="1" dirty="0"/>
-              <a:t> </a:t>
-            </a:r>
-            <a:r>
-              <a:rPr lang="en-US" altLang="ko-KR" sz="2000" b="1" dirty="0"/>
-              <a:t>3</a:t>
-            </a:r>
-            <a:r>
-              <a:rPr lang="ko-KR" altLang="en-US" sz="2000" b="1" dirty="0"/>
-              <a:t>학년</a:t>
-            </a:r>
-            <a:endParaRPr lang="en-US" altLang="ko-KR" sz="2000" b="1" dirty="0"/>
-          </a:p>
-          <a:p>
-            <a:endParaRPr lang="en-US" altLang="ko-KR" sz="2000" b="1" dirty="0">
-              <a:effectLst/>
-            </a:endParaRPr>
-          </a:p>
-          <a:p>
-            <a:r>
-              <a:rPr lang="ko-KR" altLang="en-US" sz="2000" b="1" dirty="0" err="1">
-                <a:effectLst/>
-              </a:rPr>
-              <a:t>박범찬</a:t>
-            </a:r>
-            <a:r>
-              <a:rPr lang="en-US" altLang="ko-KR" sz="2000" b="1" dirty="0">
-                <a:effectLst/>
-              </a:rPr>
-              <a:t>(</a:t>
-            </a:r>
-            <a:r>
-              <a:rPr lang="en-US" altLang="ko-KR" sz="2000" b="1" dirty="0"/>
-              <a:t>Bumchan Park)</a:t>
-            </a:r>
-            <a:endParaRPr lang="en-US" altLang="ko-KR" sz="2000" b="1" dirty="0">
-              <a:effectLst/>
-            </a:endParaRPr>
+            <a:pPr lvl="0">
+              <a:defRPr/>
+            </a:pPr>
+            <a:r>
+              <a:rPr lang="en-US" altLang="ko-KR" sz="3500" b="1" spc="-300" dirty="0"/>
+              <a:t>GAN based on Parallel Generator for Stability Training</a:t>
+            </a:r>
           </a:p>
         </p:txBody>
       </p:sp>
       <p:cxnSp>
         <p:nvCxnSpPr>
-          <p:cNvPr id="8" name="직선 연결선 2">
-            <a:extLst>
-              <a:ext uri="{FF2B5EF4-FFF2-40B4-BE49-F238E27FC236}">
-                <a16:creationId xmlns:a16="http://schemas.microsoft.com/office/drawing/2014/main" id="{8AD69FEC-9BDA-DC70-8E16-4ED855441287}"/>
-              </a:ext>
-            </a:extLst>
-          </p:cNvPr>
-          <p:cNvCxnSpPr>
-            <a:cxnSpLocks/>
-          </p:cNvCxnSpPr>
+          <p:cNvPr id="7" name="직선 연결선 5">
+            <a:extLst>
+              <a:ext uri="{FF2B5EF4-FFF2-40B4-BE49-F238E27FC236}">
+                <a16:creationId xmlns:a16="http://schemas.microsoft.com/office/drawing/2014/main" id="{E2F64E4A-F9C9-ECE5-09A4-024664A57073}"/>
+              </a:ext>
+            </a:extLst>
+          </p:cNvPr>
+          <p:cNvCxnSpPr/>
           <p:nvPr/>
         </p:nvCxnSpPr>
         <p:spPr>
           <a:xfrm>
-            <a:off x="1255699" y="3918197"/>
-            <a:ext cx="0" cy="1769681"/>
+            <a:off x="144378" y="6751973"/>
+            <a:ext cx="12060000" cy="0"/>
           </a:xfrm>
           <a:prstGeom prst="line">
             <a:avLst/>
           </a:prstGeom>
-          <a:ln w="76200">
+          <a:ln w="3175">
             <a:solidFill>
               <a:schemeClr val="accent6"/>
             </a:solidFill>
@@ -3599,77 +4958,6 @@
           </a:fontRef>
         </p:style>
       </p:cxnSp>
-      <p:sp>
-        <p:nvSpPr>
-          <p:cNvPr id="4" name="슬라이드 번호 개체 틀 3">
-            <a:extLst>
-              <a:ext uri="{FF2B5EF4-FFF2-40B4-BE49-F238E27FC236}">
-                <a16:creationId xmlns:a16="http://schemas.microsoft.com/office/drawing/2014/main" id="{2B9F70FE-82A7-5A86-8A6E-5453C84078BA}"/>
-              </a:ext>
-            </a:extLst>
-          </p:cNvPr>
-          <p:cNvSpPr>
-            <a:spLocks noGrp="1"/>
-          </p:cNvSpPr>
-          <p:nvPr>
-            <p:ph type="sldNum" sz="quarter" idx="12"/>
-          </p:nvPr>
-        </p:nvSpPr>
-        <p:spPr/>
-        <p:txBody>
-          <a:bodyPr/>
-          <a:lstStyle/>
-          <a:p>
-            <a:fld id="{555FA67B-1CA0-4647-BA98-55E6D37C5533}" type="slidenum">
-              <a:rPr kumimoji="1" lang="ko-KR" altLang="en-US" smtClean="0"/>
-              <a:t>1</a:t>
-            </a:fld>
-            <a:endParaRPr kumimoji="1" lang="ko-KR" altLang="en-US"/>
-          </a:p>
-        </p:txBody>
-      </p:sp>
-      <p:sp>
-        <p:nvSpPr>
-          <p:cNvPr id="2" name="TextBox 1">
-            <a:extLst>
-              <a:ext uri="{FF2B5EF4-FFF2-40B4-BE49-F238E27FC236}">
-                <a16:creationId xmlns:a16="http://schemas.microsoft.com/office/drawing/2014/main" id="{E3D21C4E-2919-D211-BCEC-A49A44BB7636}"/>
-              </a:ext>
-            </a:extLst>
-          </p:cNvPr>
-          <p:cNvSpPr txBox="1"/>
-          <p:nvPr/>
-        </p:nvSpPr>
-        <p:spPr>
-          <a:xfrm>
-            <a:off x="1370975" y="2624484"/>
-            <a:ext cx="9802392" cy="630942"/>
-          </a:xfrm>
-          <a:prstGeom prst="rect">
-            <a:avLst/>
-          </a:prstGeom>
-          <a:noFill/>
-        </p:spPr>
-        <p:txBody>
-          <a:bodyPr wrap="square">
-            <a:spAutoFit/>
-          </a:bodyPr>
-          <a:lstStyle/>
-          <a:p>
-            <a:pPr lvl="0">
-              <a:defRPr/>
-            </a:pPr>
-            <a:r>
-              <a:rPr lang="en-US" altLang="ko-KR" sz="3500" b="1" spc="-300" dirty="0">
-                <a:solidFill>
-                  <a:schemeClr val="accent6"/>
-                </a:solidFill>
-              </a:rPr>
-              <a:t>GAN based on Parallel Generator for Stability Training</a:t>
-            </a:r>
-          </a:p>
-        </p:txBody>
-      </p:sp>
     </p:spTree>
   </p:cSld>
   <p:clrMapOvr>
@@ -3679,7 +4967,1175 @@
     <mc:Choice Requires="p14">
       <p:transition/>
     </mc:Choice>
-    <mc:Fallback xmlns:dsp="http://schemas.microsoft.com/office/drawing/2008/diagram" xmlns:dgm="http://schemas.openxmlformats.org/drawingml/2006/diagram" xmlns:c="http://schemas.openxmlformats.org/drawingml/2006/chart" xmlns="">
+    <mc:Fallback xmlns="" xmlns:c="http://schemas.openxmlformats.org/drawingml/2006/chart" xmlns:dgm="http://schemas.openxmlformats.org/drawingml/2006/diagram" xmlns:dsp="http://schemas.microsoft.com/office/drawing/2008/diagram">
+      <p:transition/>
+    </mc:Fallback>
+  </mc:AlternateContent>
+</p:sld>
+</file>
+
+<file path=ppt/slides/slide10.xml><?xml version="1.0" encoding="utf-8"?>
+<p:sld xmlns:a="http://schemas.openxmlformats.org/drawingml/2006/main" xmlns:r="http://schemas.openxmlformats.org/officeDocument/2006/relationships" xmlns:p="http://schemas.openxmlformats.org/presentationml/2006/main">
+  <p:cSld>
+    <p:spTree>
+      <p:nvGrpSpPr>
+        <p:cNvPr id="1" name=""/>
+        <p:cNvGrpSpPr/>
+        <p:nvPr/>
+      </p:nvGrpSpPr>
+      <p:grpSpPr>
+        <a:xfrm>
+          <a:off x="0" y="0"/>
+          <a:ext cx="0" cy="0"/>
+          <a:chOff x="0" y="0"/>
+          <a:chExt cx="0" cy="0"/>
+        </a:xfrm>
+      </p:grpSpPr>
+      <p:sp>
+        <p:nvSpPr>
+          <p:cNvPr id="5" name="TextBox 4"/>
+          <p:cNvSpPr txBox="1"/>
+          <p:nvPr/>
+        </p:nvSpPr>
+        <p:spPr>
+          <a:xfrm>
+            <a:off x="144378" y="216540"/>
+            <a:ext cx="1665841" cy="553998"/>
+          </a:xfrm>
+          <a:prstGeom prst="rect">
+            <a:avLst/>
+          </a:prstGeom>
+          <a:noFill/>
+        </p:spPr>
+        <p:txBody>
+          <a:bodyPr wrap="none">
+            <a:spAutoFit/>
+          </a:bodyPr>
+          <a:lstStyle/>
+          <a:p>
+            <a:pPr lvl="0">
+              <a:defRPr/>
+            </a:pPr>
+            <a:r>
+              <a:rPr lang="ko-KR" altLang="en-US" sz="3000" b="1" spc="-300" dirty="0">
+                <a:solidFill>
+                  <a:schemeClr val="accent6"/>
+                </a:solidFill>
+              </a:rPr>
+              <a:t>실험 결과</a:t>
+            </a:r>
+            <a:endParaRPr lang="en-US" altLang="ko-KR" sz="3000" b="1" spc="-300" dirty="0">
+              <a:solidFill>
+                <a:schemeClr val="accent6"/>
+              </a:solidFill>
+            </a:endParaRPr>
+          </a:p>
+        </p:txBody>
+      </p:sp>
+      <p:cxnSp>
+        <p:nvCxnSpPr>
+          <p:cNvPr id="4" name="직선 연결선 2">
+            <a:extLst>
+              <a:ext uri="{FF2B5EF4-FFF2-40B4-BE49-F238E27FC236}">
+                <a16:creationId xmlns:a16="http://schemas.microsoft.com/office/drawing/2014/main" id="{DCBCB93F-2FF0-C990-0119-15E3F3428357}"/>
+              </a:ext>
+            </a:extLst>
+          </p:cNvPr>
+          <p:cNvCxnSpPr>
+            <a:cxnSpLocks/>
+          </p:cNvCxnSpPr>
+          <p:nvPr/>
+        </p:nvCxnSpPr>
+        <p:spPr>
+          <a:xfrm>
+            <a:off x="0" y="160422"/>
+            <a:ext cx="12204378" cy="0"/>
+          </a:xfrm>
+          <a:prstGeom prst="line">
+            <a:avLst/>
+          </a:prstGeom>
+          <a:ln w="76200">
+            <a:solidFill>
+              <a:schemeClr val="accent6"/>
+            </a:solidFill>
+          </a:ln>
+        </p:spPr>
+        <p:style>
+          <a:lnRef idx="1">
+            <a:schemeClr val="accent1"/>
+          </a:lnRef>
+          <a:fillRef idx="0">
+            <a:schemeClr val="accent1"/>
+          </a:fillRef>
+          <a:effectRef idx="0">
+            <a:schemeClr val="accent1"/>
+          </a:effectRef>
+          <a:fontRef idx="minor">
+            <a:schemeClr val="tx1"/>
+          </a:fontRef>
+        </p:style>
+      </p:cxnSp>
+      <p:pic>
+        <p:nvPicPr>
+          <p:cNvPr id="8" name="그림 7">
+            <a:extLst>
+              <a:ext uri="{FF2B5EF4-FFF2-40B4-BE49-F238E27FC236}">
+                <a16:creationId xmlns:a16="http://schemas.microsoft.com/office/drawing/2014/main" id="{44E99B9F-2129-D952-AD38-57BA87217A86}"/>
+              </a:ext>
+            </a:extLst>
+          </p:cNvPr>
+          <p:cNvPicPr>
+            <a:picLocks noChangeAspect="1"/>
+          </p:cNvPicPr>
+          <p:nvPr/>
+        </p:nvPicPr>
+        <p:blipFill>
+          <a:blip r:embed="rId3">
+            <a:alphaModFix amt="20000"/>
+          </a:blip>
+          <a:stretch>
+            <a:fillRect/>
+          </a:stretch>
+        </p:blipFill>
+        <p:spPr>
+          <a:xfrm>
+            <a:off x="10413678" y="98543"/>
+            <a:ext cx="1790700" cy="1828800"/>
+          </a:xfrm>
+          <a:prstGeom prst="rect">
+            <a:avLst/>
+          </a:prstGeom>
+        </p:spPr>
+      </p:pic>
+      <p:pic>
+        <p:nvPicPr>
+          <p:cNvPr id="3" name="그림 2" descr="라인, 스크린샷, 텍스트, 그래프이(가) 표시된 사진&#10;&#10;자동 생성된 설명">
+            <a:extLst>
+              <a:ext uri="{FF2B5EF4-FFF2-40B4-BE49-F238E27FC236}">
+                <a16:creationId xmlns:a16="http://schemas.microsoft.com/office/drawing/2014/main" id="{7F860FED-21B0-46F5-81BE-F6FCADDBA7AF}"/>
+              </a:ext>
+            </a:extLst>
+          </p:cNvPr>
+          <p:cNvPicPr>
+            <a:picLocks noChangeAspect="1"/>
+          </p:cNvPicPr>
+          <p:nvPr/>
+        </p:nvPicPr>
+        <p:blipFill>
+          <a:blip r:embed="rId4"/>
+          <a:stretch>
+            <a:fillRect/>
+          </a:stretch>
+        </p:blipFill>
+        <p:spPr>
+          <a:xfrm>
+            <a:off x="2288178" y="3542174"/>
+            <a:ext cx="7772400" cy="3081718"/>
+          </a:xfrm>
+          <a:prstGeom prst="rect">
+            <a:avLst/>
+          </a:prstGeom>
+        </p:spPr>
+      </p:pic>
+      <p:pic>
+        <p:nvPicPr>
+          <p:cNvPr id="12" name="그림 11" descr="텍스트, 라인, 그래프, 폰트이(가) 표시된 사진&#10;&#10;자동 생성된 설명">
+            <a:extLst>
+              <a:ext uri="{FF2B5EF4-FFF2-40B4-BE49-F238E27FC236}">
+                <a16:creationId xmlns:a16="http://schemas.microsoft.com/office/drawing/2014/main" id="{89F037B0-C72E-20B8-AA29-37029375841C}"/>
+              </a:ext>
+            </a:extLst>
+          </p:cNvPr>
+          <p:cNvPicPr>
+            <a:picLocks noChangeAspect="1"/>
+          </p:cNvPicPr>
+          <p:nvPr/>
+        </p:nvPicPr>
+        <p:blipFill>
+          <a:blip r:embed="rId5"/>
+          <a:stretch>
+            <a:fillRect/>
+          </a:stretch>
+        </p:blipFill>
+        <p:spPr>
+          <a:xfrm>
+            <a:off x="2288178" y="491671"/>
+            <a:ext cx="7772400" cy="3050503"/>
+          </a:xfrm>
+          <a:prstGeom prst="rect">
+            <a:avLst/>
+          </a:prstGeom>
+        </p:spPr>
+      </p:pic>
+      <p:cxnSp>
+        <p:nvCxnSpPr>
+          <p:cNvPr id="13" name="직선 연결선 5">
+            <a:extLst>
+              <a:ext uri="{FF2B5EF4-FFF2-40B4-BE49-F238E27FC236}">
+                <a16:creationId xmlns:a16="http://schemas.microsoft.com/office/drawing/2014/main" id="{E26C28FB-4DB9-5B6C-C014-CA88F7844AD5}"/>
+              </a:ext>
+            </a:extLst>
+          </p:cNvPr>
+          <p:cNvCxnSpPr/>
+          <p:nvPr/>
+        </p:nvCxnSpPr>
+        <p:spPr>
+          <a:xfrm>
+            <a:off x="144378" y="6751973"/>
+            <a:ext cx="12060000" cy="0"/>
+          </a:xfrm>
+          <a:prstGeom prst="line">
+            <a:avLst/>
+          </a:prstGeom>
+          <a:ln w="3175">
+            <a:solidFill>
+              <a:schemeClr val="accent6"/>
+            </a:solidFill>
+          </a:ln>
+        </p:spPr>
+        <p:style>
+          <a:lnRef idx="1">
+            <a:schemeClr val="accent1"/>
+          </a:lnRef>
+          <a:fillRef idx="0">
+            <a:schemeClr val="accent1"/>
+          </a:fillRef>
+          <a:effectRef idx="0">
+            <a:schemeClr val="accent1"/>
+          </a:effectRef>
+          <a:fontRef idx="minor">
+            <a:schemeClr val="tx1"/>
+          </a:fontRef>
+        </p:style>
+      </p:cxnSp>
+      <p:sp>
+        <p:nvSpPr>
+          <p:cNvPr id="14" name="TextBox 13">
+            <a:extLst>
+              <a:ext uri="{FF2B5EF4-FFF2-40B4-BE49-F238E27FC236}">
+                <a16:creationId xmlns:a16="http://schemas.microsoft.com/office/drawing/2014/main" id="{E36DD7E4-ED5A-665D-5197-622FCAD3E964}"/>
+              </a:ext>
+            </a:extLst>
+          </p:cNvPr>
+          <p:cNvSpPr txBox="1"/>
+          <p:nvPr/>
+        </p:nvSpPr>
+        <p:spPr>
+          <a:xfrm>
+            <a:off x="702223" y="1727288"/>
+            <a:ext cx="1107996" cy="400110"/>
+          </a:xfrm>
+          <a:prstGeom prst="rect">
+            <a:avLst/>
+          </a:prstGeom>
+          <a:noFill/>
+        </p:spPr>
+        <p:txBody>
+          <a:bodyPr wrap="none" rtlCol="0">
+            <a:spAutoFit/>
+          </a:bodyPr>
+          <a:lstStyle/>
+          <a:p>
+            <a:r>
+              <a:rPr kumimoji="1" lang="en-US" altLang="ko-KR" sz="2000" b="1" dirty="0"/>
+              <a:t>SNGAN</a:t>
+            </a:r>
+            <a:endParaRPr kumimoji="1" lang="ko-KR" altLang="en-US" sz="2000" b="1" dirty="0"/>
+          </a:p>
+        </p:txBody>
+      </p:sp>
+      <p:sp>
+        <p:nvSpPr>
+          <p:cNvPr id="15" name="TextBox 14">
+            <a:extLst>
+              <a:ext uri="{FF2B5EF4-FFF2-40B4-BE49-F238E27FC236}">
+                <a16:creationId xmlns:a16="http://schemas.microsoft.com/office/drawing/2014/main" id="{EE8D7066-91FB-FF68-EE7D-63C410367829}"/>
+              </a:ext>
+            </a:extLst>
+          </p:cNvPr>
+          <p:cNvSpPr txBox="1"/>
+          <p:nvPr/>
+        </p:nvSpPr>
+        <p:spPr>
+          <a:xfrm>
+            <a:off x="709212" y="4882978"/>
+            <a:ext cx="1101007" cy="400110"/>
+          </a:xfrm>
+          <a:prstGeom prst="rect">
+            <a:avLst/>
+          </a:prstGeom>
+          <a:noFill/>
+        </p:spPr>
+        <p:txBody>
+          <a:bodyPr wrap="none" rtlCol="0">
+            <a:spAutoFit/>
+          </a:bodyPr>
+          <a:lstStyle/>
+          <a:p>
+            <a:r>
+              <a:rPr kumimoji="1" lang="en-US" altLang="ko-KR" sz="2000" b="1" dirty="0"/>
+              <a:t>PGGAN</a:t>
+            </a:r>
+            <a:endParaRPr kumimoji="1" lang="ko-KR" altLang="en-US" sz="2000" b="1" dirty="0"/>
+          </a:p>
+        </p:txBody>
+      </p:sp>
+    </p:spTree>
+    <p:extLst>
+      <p:ext uri="{BB962C8B-B14F-4D97-AF65-F5344CB8AC3E}">
+        <p14:creationId xmlns:p14="http://schemas.microsoft.com/office/powerpoint/2010/main" val="500419445"/>
+      </p:ext>
+    </p:extLst>
+  </p:cSld>
+  <p:clrMapOvr>
+    <a:masterClrMapping/>
+  </p:clrMapOvr>
+  <mc:AlternateContent xmlns:mc="http://schemas.openxmlformats.org/markup-compatibility/2006" xmlns:p14="http://schemas.microsoft.com/office/powerpoint/2010/main">
+    <mc:Choice Requires="p14">
+      <p:transition/>
+    </mc:Choice>
+    <mc:Fallback xmlns="" xmlns:c="http://schemas.openxmlformats.org/drawingml/2006/chart" xmlns:dgm="http://schemas.openxmlformats.org/drawingml/2006/diagram" xmlns:dsp="http://schemas.microsoft.com/office/drawing/2008/diagram">
+      <p:transition/>
+    </mc:Fallback>
+  </mc:AlternateContent>
+</p:sld>
+</file>
+
+<file path=ppt/slides/slide11.xml><?xml version="1.0" encoding="utf-8"?>
+<p:sld xmlns:a="http://schemas.openxmlformats.org/drawingml/2006/main" xmlns:r="http://schemas.openxmlformats.org/officeDocument/2006/relationships" xmlns:p="http://schemas.openxmlformats.org/presentationml/2006/main">
+  <p:cSld>
+    <p:spTree>
+      <p:nvGrpSpPr>
+        <p:cNvPr id="1" name=""/>
+        <p:cNvGrpSpPr/>
+        <p:nvPr/>
+      </p:nvGrpSpPr>
+      <p:grpSpPr>
+        <a:xfrm>
+          <a:off x="0" y="0"/>
+          <a:ext cx="0" cy="0"/>
+          <a:chOff x="0" y="0"/>
+          <a:chExt cx="0" cy="0"/>
+        </a:xfrm>
+      </p:grpSpPr>
+      <p:sp>
+        <p:nvSpPr>
+          <p:cNvPr id="5" name="TextBox 4"/>
+          <p:cNvSpPr txBox="1"/>
+          <p:nvPr/>
+        </p:nvSpPr>
+        <p:spPr>
+          <a:xfrm>
+            <a:off x="144378" y="216540"/>
+            <a:ext cx="1665841" cy="553998"/>
+          </a:xfrm>
+          <a:prstGeom prst="rect">
+            <a:avLst/>
+          </a:prstGeom>
+          <a:noFill/>
+        </p:spPr>
+        <p:txBody>
+          <a:bodyPr wrap="none">
+            <a:spAutoFit/>
+          </a:bodyPr>
+          <a:lstStyle/>
+          <a:p>
+            <a:pPr lvl="0">
+              <a:defRPr/>
+            </a:pPr>
+            <a:r>
+              <a:rPr lang="ko-KR" altLang="en-US" sz="3000" b="1" spc="-300" dirty="0">
+                <a:solidFill>
+                  <a:schemeClr val="accent6"/>
+                </a:solidFill>
+              </a:rPr>
+              <a:t>실험 결과</a:t>
+            </a:r>
+            <a:endParaRPr lang="en-US" altLang="ko-KR" sz="3000" b="1" spc="-300" dirty="0">
+              <a:solidFill>
+                <a:schemeClr val="accent6"/>
+              </a:solidFill>
+            </a:endParaRPr>
+          </a:p>
+        </p:txBody>
+      </p:sp>
+      <p:cxnSp>
+        <p:nvCxnSpPr>
+          <p:cNvPr id="4" name="직선 연결선 2">
+            <a:extLst>
+              <a:ext uri="{FF2B5EF4-FFF2-40B4-BE49-F238E27FC236}">
+                <a16:creationId xmlns:a16="http://schemas.microsoft.com/office/drawing/2014/main" id="{DCBCB93F-2FF0-C990-0119-15E3F3428357}"/>
+              </a:ext>
+            </a:extLst>
+          </p:cNvPr>
+          <p:cNvCxnSpPr>
+            <a:cxnSpLocks/>
+          </p:cNvCxnSpPr>
+          <p:nvPr/>
+        </p:nvCxnSpPr>
+        <p:spPr>
+          <a:xfrm>
+            <a:off x="0" y="160422"/>
+            <a:ext cx="12204378" cy="0"/>
+          </a:xfrm>
+          <a:prstGeom prst="line">
+            <a:avLst/>
+          </a:prstGeom>
+          <a:ln w="76200">
+            <a:solidFill>
+              <a:schemeClr val="accent6"/>
+            </a:solidFill>
+          </a:ln>
+        </p:spPr>
+        <p:style>
+          <a:lnRef idx="1">
+            <a:schemeClr val="accent1"/>
+          </a:lnRef>
+          <a:fillRef idx="0">
+            <a:schemeClr val="accent1"/>
+          </a:fillRef>
+          <a:effectRef idx="0">
+            <a:schemeClr val="accent1"/>
+          </a:effectRef>
+          <a:fontRef idx="minor">
+            <a:schemeClr val="tx1"/>
+          </a:fontRef>
+        </p:style>
+      </p:cxnSp>
+      <p:pic>
+        <p:nvPicPr>
+          <p:cNvPr id="8" name="그림 7">
+            <a:extLst>
+              <a:ext uri="{FF2B5EF4-FFF2-40B4-BE49-F238E27FC236}">
+                <a16:creationId xmlns:a16="http://schemas.microsoft.com/office/drawing/2014/main" id="{44E99B9F-2129-D952-AD38-57BA87217A86}"/>
+              </a:ext>
+            </a:extLst>
+          </p:cNvPr>
+          <p:cNvPicPr>
+            <a:picLocks noChangeAspect="1"/>
+          </p:cNvPicPr>
+          <p:nvPr/>
+        </p:nvPicPr>
+        <p:blipFill>
+          <a:blip r:embed="rId3">
+            <a:alphaModFix amt="20000"/>
+          </a:blip>
+          <a:stretch>
+            <a:fillRect/>
+          </a:stretch>
+        </p:blipFill>
+        <p:spPr>
+          <a:xfrm>
+            <a:off x="10413678" y="98543"/>
+            <a:ext cx="1790700" cy="1828800"/>
+          </a:xfrm>
+          <a:prstGeom prst="rect">
+            <a:avLst/>
+          </a:prstGeom>
+        </p:spPr>
+      </p:pic>
+      <p:cxnSp>
+        <p:nvCxnSpPr>
+          <p:cNvPr id="13" name="직선 연결선 5">
+            <a:extLst>
+              <a:ext uri="{FF2B5EF4-FFF2-40B4-BE49-F238E27FC236}">
+                <a16:creationId xmlns:a16="http://schemas.microsoft.com/office/drawing/2014/main" id="{E26C28FB-4DB9-5B6C-C014-CA88F7844AD5}"/>
+              </a:ext>
+            </a:extLst>
+          </p:cNvPr>
+          <p:cNvCxnSpPr/>
+          <p:nvPr/>
+        </p:nvCxnSpPr>
+        <p:spPr>
+          <a:xfrm>
+            <a:off x="144378" y="6751973"/>
+            <a:ext cx="12060000" cy="0"/>
+          </a:xfrm>
+          <a:prstGeom prst="line">
+            <a:avLst/>
+          </a:prstGeom>
+          <a:ln w="3175">
+            <a:solidFill>
+              <a:schemeClr val="accent6"/>
+            </a:solidFill>
+          </a:ln>
+        </p:spPr>
+        <p:style>
+          <a:lnRef idx="1">
+            <a:schemeClr val="accent1"/>
+          </a:lnRef>
+          <a:fillRef idx="0">
+            <a:schemeClr val="accent1"/>
+          </a:fillRef>
+          <a:effectRef idx="0">
+            <a:schemeClr val="accent1"/>
+          </a:effectRef>
+          <a:fontRef idx="minor">
+            <a:schemeClr val="tx1"/>
+          </a:fontRef>
+        </p:style>
+      </p:cxnSp>
+      <p:pic>
+        <p:nvPicPr>
+          <p:cNvPr id="6" name="그림 5" descr="텍스트, 라인, 그래프, 폰트이(가) 표시된 사진&#10;&#10;자동 생성된 설명">
+            <a:extLst>
+              <a:ext uri="{FF2B5EF4-FFF2-40B4-BE49-F238E27FC236}">
+                <a16:creationId xmlns:a16="http://schemas.microsoft.com/office/drawing/2014/main" id="{F61EB114-F57A-5517-AE67-1AD0FFF0F950}"/>
+              </a:ext>
+            </a:extLst>
+          </p:cNvPr>
+          <p:cNvPicPr>
+            <a:picLocks noChangeAspect="1"/>
+          </p:cNvPicPr>
+          <p:nvPr/>
+        </p:nvPicPr>
+        <p:blipFill>
+          <a:blip r:embed="rId4"/>
+          <a:stretch>
+            <a:fillRect/>
+          </a:stretch>
+        </p:blipFill>
+        <p:spPr>
+          <a:xfrm>
+            <a:off x="2209800" y="1362320"/>
+            <a:ext cx="7772400" cy="4133360"/>
+          </a:xfrm>
+          <a:prstGeom prst="rect">
+            <a:avLst/>
+          </a:prstGeom>
+        </p:spPr>
+      </p:pic>
+    </p:spTree>
+    <p:extLst>
+      <p:ext uri="{BB962C8B-B14F-4D97-AF65-F5344CB8AC3E}">
+        <p14:creationId xmlns:p14="http://schemas.microsoft.com/office/powerpoint/2010/main" val="2367722112"/>
+      </p:ext>
+    </p:extLst>
+  </p:cSld>
+  <p:clrMapOvr>
+    <a:masterClrMapping/>
+  </p:clrMapOvr>
+  <mc:AlternateContent xmlns:mc="http://schemas.openxmlformats.org/markup-compatibility/2006" xmlns:p14="http://schemas.microsoft.com/office/powerpoint/2010/main">
+    <mc:Choice Requires="p14">
+      <p:transition/>
+    </mc:Choice>
+    <mc:Fallback xmlns="" xmlns:c="http://schemas.openxmlformats.org/drawingml/2006/chart" xmlns:dgm="http://schemas.openxmlformats.org/drawingml/2006/diagram" xmlns:dsp="http://schemas.microsoft.com/office/drawing/2008/diagram">
+      <p:transition/>
+    </mc:Fallback>
+  </mc:AlternateContent>
+</p:sld>
+</file>
+
+<file path=ppt/slides/slide12.xml><?xml version="1.0" encoding="utf-8"?>
+<p:sld xmlns:a="http://schemas.openxmlformats.org/drawingml/2006/main" xmlns:r="http://schemas.openxmlformats.org/officeDocument/2006/relationships" xmlns:p="http://schemas.openxmlformats.org/presentationml/2006/main">
+  <p:cSld>
+    <p:spTree>
+      <p:nvGrpSpPr>
+        <p:cNvPr id="1" name=""/>
+        <p:cNvGrpSpPr/>
+        <p:nvPr/>
+      </p:nvGrpSpPr>
+      <p:grpSpPr>
+        <a:xfrm>
+          <a:off x="0" y="0"/>
+          <a:ext cx="0" cy="0"/>
+          <a:chOff x="0" y="0"/>
+          <a:chExt cx="0" cy="0"/>
+        </a:xfrm>
+      </p:grpSpPr>
+      <p:sp>
+        <p:nvSpPr>
+          <p:cNvPr id="5" name="TextBox 4"/>
+          <p:cNvSpPr txBox="1"/>
+          <p:nvPr/>
+        </p:nvSpPr>
+        <p:spPr>
+          <a:xfrm>
+            <a:off x="144378" y="216540"/>
+            <a:ext cx="1665841" cy="553998"/>
+          </a:xfrm>
+          <a:prstGeom prst="rect">
+            <a:avLst/>
+          </a:prstGeom>
+          <a:noFill/>
+        </p:spPr>
+        <p:txBody>
+          <a:bodyPr wrap="none">
+            <a:spAutoFit/>
+          </a:bodyPr>
+          <a:lstStyle/>
+          <a:p>
+            <a:pPr lvl="0">
+              <a:defRPr/>
+            </a:pPr>
+            <a:r>
+              <a:rPr lang="ko-KR" altLang="en-US" sz="3000" b="1" spc="-300" dirty="0">
+                <a:solidFill>
+                  <a:schemeClr val="accent6"/>
+                </a:solidFill>
+              </a:rPr>
+              <a:t>실험 결과</a:t>
+            </a:r>
+            <a:endParaRPr lang="en-US" altLang="ko-KR" sz="3000" b="1" spc="-300" dirty="0">
+              <a:solidFill>
+                <a:schemeClr val="accent6"/>
+              </a:solidFill>
+            </a:endParaRPr>
+          </a:p>
+        </p:txBody>
+      </p:sp>
+      <p:cxnSp>
+        <p:nvCxnSpPr>
+          <p:cNvPr id="4" name="직선 연결선 2">
+            <a:extLst>
+              <a:ext uri="{FF2B5EF4-FFF2-40B4-BE49-F238E27FC236}">
+                <a16:creationId xmlns:a16="http://schemas.microsoft.com/office/drawing/2014/main" id="{DCBCB93F-2FF0-C990-0119-15E3F3428357}"/>
+              </a:ext>
+            </a:extLst>
+          </p:cNvPr>
+          <p:cNvCxnSpPr>
+            <a:cxnSpLocks/>
+          </p:cNvCxnSpPr>
+          <p:nvPr/>
+        </p:nvCxnSpPr>
+        <p:spPr>
+          <a:xfrm>
+            <a:off x="0" y="160422"/>
+            <a:ext cx="12204378" cy="0"/>
+          </a:xfrm>
+          <a:prstGeom prst="line">
+            <a:avLst/>
+          </a:prstGeom>
+          <a:ln w="76200">
+            <a:solidFill>
+              <a:schemeClr val="accent6"/>
+            </a:solidFill>
+          </a:ln>
+        </p:spPr>
+        <p:style>
+          <a:lnRef idx="1">
+            <a:schemeClr val="accent1"/>
+          </a:lnRef>
+          <a:fillRef idx="0">
+            <a:schemeClr val="accent1"/>
+          </a:fillRef>
+          <a:effectRef idx="0">
+            <a:schemeClr val="accent1"/>
+          </a:effectRef>
+          <a:fontRef idx="minor">
+            <a:schemeClr val="tx1"/>
+          </a:fontRef>
+        </p:style>
+      </p:cxnSp>
+      <p:pic>
+        <p:nvPicPr>
+          <p:cNvPr id="8" name="그림 7">
+            <a:extLst>
+              <a:ext uri="{FF2B5EF4-FFF2-40B4-BE49-F238E27FC236}">
+                <a16:creationId xmlns:a16="http://schemas.microsoft.com/office/drawing/2014/main" id="{44E99B9F-2129-D952-AD38-57BA87217A86}"/>
+              </a:ext>
+            </a:extLst>
+          </p:cNvPr>
+          <p:cNvPicPr>
+            <a:picLocks noChangeAspect="1"/>
+          </p:cNvPicPr>
+          <p:nvPr/>
+        </p:nvPicPr>
+        <p:blipFill>
+          <a:blip r:embed="rId3">
+            <a:alphaModFix amt="20000"/>
+          </a:blip>
+          <a:stretch>
+            <a:fillRect/>
+          </a:stretch>
+        </p:blipFill>
+        <p:spPr>
+          <a:xfrm>
+            <a:off x="10413678" y="98543"/>
+            <a:ext cx="1790700" cy="1828800"/>
+          </a:xfrm>
+          <a:prstGeom prst="rect">
+            <a:avLst/>
+          </a:prstGeom>
+        </p:spPr>
+      </p:pic>
+      <p:cxnSp>
+        <p:nvCxnSpPr>
+          <p:cNvPr id="13" name="직선 연결선 5">
+            <a:extLst>
+              <a:ext uri="{FF2B5EF4-FFF2-40B4-BE49-F238E27FC236}">
+                <a16:creationId xmlns:a16="http://schemas.microsoft.com/office/drawing/2014/main" id="{E26C28FB-4DB9-5B6C-C014-CA88F7844AD5}"/>
+              </a:ext>
+            </a:extLst>
+          </p:cNvPr>
+          <p:cNvCxnSpPr/>
+          <p:nvPr/>
+        </p:nvCxnSpPr>
+        <p:spPr>
+          <a:xfrm>
+            <a:off x="144378" y="6751973"/>
+            <a:ext cx="12060000" cy="0"/>
+          </a:xfrm>
+          <a:prstGeom prst="line">
+            <a:avLst/>
+          </a:prstGeom>
+          <a:ln w="3175">
+            <a:solidFill>
+              <a:schemeClr val="accent6"/>
+            </a:solidFill>
+          </a:ln>
+        </p:spPr>
+        <p:style>
+          <a:lnRef idx="1">
+            <a:schemeClr val="accent1"/>
+          </a:lnRef>
+          <a:fillRef idx="0">
+            <a:schemeClr val="accent1"/>
+          </a:fillRef>
+          <a:effectRef idx="0">
+            <a:schemeClr val="accent1"/>
+          </a:effectRef>
+          <a:fontRef idx="minor">
+            <a:schemeClr val="tx1"/>
+          </a:fontRef>
+        </p:style>
+      </p:cxnSp>
+      <p:pic>
+        <p:nvPicPr>
+          <p:cNvPr id="3" name="그림 2" descr="폰트, 텍스트, 스크린샷, 번호이(가) 표시된 사진&#10;&#10;자동 생성된 설명">
+            <a:extLst>
+              <a:ext uri="{FF2B5EF4-FFF2-40B4-BE49-F238E27FC236}">
+                <a16:creationId xmlns:a16="http://schemas.microsoft.com/office/drawing/2014/main" id="{140384F4-5889-1ABB-459C-19085B8468E2}"/>
+              </a:ext>
+            </a:extLst>
+          </p:cNvPr>
+          <p:cNvPicPr>
+            <a:picLocks noChangeAspect="1"/>
+          </p:cNvPicPr>
+          <p:nvPr/>
+        </p:nvPicPr>
+        <p:blipFill>
+          <a:blip r:embed="rId4"/>
+          <a:stretch>
+            <a:fillRect/>
+          </a:stretch>
+        </p:blipFill>
+        <p:spPr>
+          <a:xfrm>
+            <a:off x="2288178" y="3558293"/>
+            <a:ext cx="7772400" cy="3125458"/>
+          </a:xfrm>
+          <a:prstGeom prst="rect">
+            <a:avLst/>
+          </a:prstGeom>
+        </p:spPr>
+      </p:pic>
+      <p:pic>
+        <p:nvPicPr>
+          <p:cNvPr id="9" name="그림 8" descr="텍스트, 폰트, 스크린샷, 그래픽이(가) 표시된 사진&#10;&#10;자동 생성된 설명">
+            <a:extLst>
+              <a:ext uri="{FF2B5EF4-FFF2-40B4-BE49-F238E27FC236}">
+                <a16:creationId xmlns:a16="http://schemas.microsoft.com/office/drawing/2014/main" id="{24739769-12E2-D87B-4D7C-38FE68FFD89F}"/>
+              </a:ext>
+            </a:extLst>
+          </p:cNvPr>
+          <p:cNvPicPr>
+            <a:picLocks noChangeAspect="1"/>
+          </p:cNvPicPr>
+          <p:nvPr/>
+        </p:nvPicPr>
+        <p:blipFill>
+          <a:blip r:embed="rId5"/>
+          <a:stretch>
+            <a:fillRect/>
+          </a:stretch>
+        </p:blipFill>
+        <p:spPr>
+          <a:xfrm>
+            <a:off x="2288178" y="364614"/>
+            <a:ext cx="7772400" cy="3125458"/>
+          </a:xfrm>
+          <a:prstGeom prst="rect">
+            <a:avLst/>
+          </a:prstGeom>
+        </p:spPr>
+      </p:pic>
+      <p:sp>
+        <p:nvSpPr>
+          <p:cNvPr id="10" name="TextBox 9">
+            <a:extLst>
+              <a:ext uri="{FF2B5EF4-FFF2-40B4-BE49-F238E27FC236}">
+                <a16:creationId xmlns:a16="http://schemas.microsoft.com/office/drawing/2014/main" id="{3CBD37B7-F9BF-2BE0-3EF4-F3ED2699368B}"/>
+              </a:ext>
+            </a:extLst>
+          </p:cNvPr>
+          <p:cNvSpPr txBox="1"/>
+          <p:nvPr/>
+        </p:nvSpPr>
+        <p:spPr>
+          <a:xfrm>
+            <a:off x="702223" y="1727288"/>
+            <a:ext cx="1107996" cy="400110"/>
+          </a:xfrm>
+          <a:prstGeom prst="rect">
+            <a:avLst/>
+          </a:prstGeom>
+          <a:noFill/>
+        </p:spPr>
+        <p:txBody>
+          <a:bodyPr wrap="none" rtlCol="0">
+            <a:spAutoFit/>
+          </a:bodyPr>
+          <a:lstStyle/>
+          <a:p>
+            <a:r>
+              <a:rPr kumimoji="1" lang="en-US" altLang="ko-KR" sz="2000" b="1" dirty="0"/>
+              <a:t>SNGAN</a:t>
+            </a:r>
+            <a:endParaRPr kumimoji="1" lang="ko-KR" altLang="en-US" sz="2000" b="1" dirty="0"/>
+          </a:p>
+        </p:txBody>
+      </p:sp>
+      <p:sp>
+        <p:nvSpPr>
+          <p:cNvPr id="11" name="TextBox 10">
+            <a:extLst>
+              <a:ext uri="{FF2B5EF4-FFF2-40B4-BE49-F238E27FC236}">
+                <a16:creationId xmlns:a16="http://schemas.microsoft.com/office/drawing/2014/main" id="{6A3CF407-D395-AC12-550F-EAD5CE1776EE}"/>
+              </a:ext>
+            </a:extLst>
+          </p:cNvPr>
+          <p:cNvSpPr txBox="1"/>
+          <p:nvPr/>
+        </p:nvSpPr>
+        <p:spPr>
+          <a:xfrm>
+            <a:off x="709212" y="4882978"/>
+            <a:ext cx="1101007" cy="400110"/>
+          </a:xfrm>
+          <a:prstGeom prst="rect">
+            <a:avLst/>
+          </a:prstGeom>
+          <a:noFill/>
+        </p:spPr>
+        <p:txBody>
+          <a:bodyPr wrap="none" rtlCol="0">
+            <a:spAutoFit/>
+          </a:bodyPr>
+          <a:lstStyle/>
+          <a:p>
+            <a:r>
+              <a:rPr kumimoji="1" lang="en-US" altLang="ko-KR" sz="2000" b="1" dirty="0"/>
+              <a:t>PGGAN</a:t>
+            </a:r>
+            <a:endParaRPr kumimoji="1" lang="ko-KR" altLang="en-US" sz="2000" b="1" dirty="0"/>
+          </a:p>
+        </p:txBody>
+      </p:sp>
+    </p:spTree>
+    <p:extLst>
+      <p:ext uri="{BB962C8B-B14F-4D97-AF65-F5344CB8AC3E}">
+        <p14:creationId xmlns:p14="http://schemas.microsoft.com/office/powerpoint/2010/main" val="4019739799"/>
+      </p:ext>
+    </p:extLst>
+  </p:cSld>
+  <p:clrMapOvr>
+    <a:masterClrMapping/>
+  </p:clrMapOvr>
+  <mc:AlternateContent xmlns:mc="http://schemas.openxmlformats.org/markup-compatibility/2006" xmlns:p14="http://schemas.microsoft.com/office/powerpoint/2010/main">
+    <mc:Choice Requires="p14">
+      <p:transition/>
+    </mc:Choice>
+    <mc:Fallback xmlns="" xmlns:c="http://schemas.openxmlformats.org/drawingml/2006/chart" xmlns:dgm="http://schemas.openxmlformats.org/drawingml/2006/diagram" xmlns:dsp="http://schemas.microsoft.com/office/drawing/2008/diagram">
+      <p:transition/>
+    </mc:Fallback>
+  </mc:AlternateContent>
+</p:sld>
+</file>
+
+<file path=ppt/slides/slide13.xml><?xml version="1.0" encoding="utf-8"?>
+<p:sld xmlns:a="http://schemas.openxmlformats.org/drawingml/2006/main" xmlns:r="http://schemas.openxmlformats.org/officeDocument/2006/relationships" xmlns:p="http://schemas.openxmlformats.org/presentationml/2006/main">
+  <p:cSld>
+    <p:spTree>
+      <p:nvGrpSpPr>
+        <p:cNvPr id="1" name=""/>
+        <p:cNvGrpSpPr/>
+        <p:nvPr/>
+      </p:nvGrpSpPr>
+      <p:grpSpPr>
+        <a:xfrm>
+          <a:off x="0" y="0"/>
+          <a:ext cx="0" cy="0"/>
+          <a:chOff x="0" y="0"/>
+          <a:chExt cx="0" cy="0"/>
+        </a:xfrm>
+      </p:grpSpPr>
+      <p:sp>
+        <p:nvSpPr>
+          <p:cNvPr id="5" name="TextBox 4"/>
+          <p:cNvSpPr txBox="1"/>
+          <p:nvPr/>
+        </p:nvSpPr>
+        <p:spPr>
+          <a:xfrm>
+            <a:off x="144378" y="216540"/>
+            <a:ext cx="877163" cy="553998"/>
+          </a:xfrm>
+          <a:prstGeom prst="rect">
+            <a:avLst/>
+          </a:prstGeom>
+          <a:noFill/>
+        </p:spPr>
+        <p:txBody>
+          <a:bodyPr wrap="none">
+            <a:spAutoFit/>
+          </a:bodyPr>
+          <a:lstStyle/>
+          <a:p>
+            <a:pPr lvl="0">
+              <a:defRPr/>
+            </a:pPr>
+            <a:r>
+              <a:rPr lang="ko-KR" altLang="en-US" sz="3000" b="1" spc="-300" dirty="0">
+                <a:solidFill>
+                  <a:schemeClr val="accent6"/>
+                </a:solidFill>
+              </a:rPr>
+              <a:t>결론</a:t>
+            </a:r>
+            <a:endParaRPr lang="en-US" altLang="ko-KR" sz="3000" b="1" spc="-300" dirty="0">
+              <a:solidFill>
+                <a:schemeClr val="accent6"/>
+              </a:solidFill>
+            </a:endParaRPr>
+          </a:p>
+        </p:txBody>
+      </p:sp>
+      <p:cxnSp>
+        <p:nvCxnSpPr>
+          <p:cNvPr id="4" name="직선 연결선 2">
+            <a:extLst>
+              <a:ext uri="{FF2B5EF4-FFF2-40B4-BE49-F238E27FC236}">
+                <a16:creationId xmlns:a16="http://schemas.microsoft.com/office/drawing/2014/main" id="{DCBCB93F-2FF0-C990-0119-15E3F3428357}"/>
+              </a:ext>
+            </a:extLst>
+          </p:cNvPr>
+          <p:cNvCxnSpPr>
+            <a:cxnSpLocks/>
+          </p:cNvCxnSpPr>
+          <p:nvPr/>
+        </p:nvCxnSpPr>
+        <p:spPr>
+          <a:xfrm>
+            <a:off x="0" y="160422"/>
+            <a:ext cx="12204378" cy="0"/>
+          </a:xfrm>
+          <a:prstGeom prst="line">
+            <a:avLst/>
+          </a:prstGeom>
+          <a:ln w="76200">
+            <a:solidFill>
+              <a:schemeClr val="accent6"/>
+            </a:solidFill>
+          </a:ln>
+        </p:spPr>
+        <p:style>
+          <a:lnRef idx="1">
+            <a:schemeClr val="accent1"/>
+          </a:lnRef>
+          <a:fillRef idx="0">
+            <a:schemeClr val="accent1"/>
+          </a:fillRef>
+          <a:effectRef idx="0">
+            <a:schemeClr val="accent1"/>
+          </a:effectRef>
+          <a:fontRef idx="minor">
+            <a:schemeClr val="tx1"/>
+          </a:fontRef>
+        </p:style>
+      </p:cxnSp>
+      <p:pic>
+        <p:nvPicPr>
+          <p:cNvPr id="8" name="그림 7">
+            <a:extLst>
+              <a:ext uri="{FF2B5EF4-FFF2-40B4-BE49-F238E27FC236}">
+                <a16:creationId xmlns:a16="http://schemas.microsoft.com/office/drawing/2014/main" id="{44E99B9F-2129-D952-AD38-57BA87217A86}"/>
+              </a:ext>
+            </a:extLst>
+          </p:cNvPr>
+          <p:cNvPicPr>
+            <a:picLocks noChangeAspect="1"/>
+          </p:cNvPicPr>
+          <p:nvPr/>
+        </p:nvPicPr>
+        <p:blipFill>
+          <a:blip r:embed="rId3">
+            <a:alphaModFix amt="20000"/>
+          </a:blip>
+          <a:stretch>
+            <a:fillRect/>
+          </a:stretch>
+        </p:blipFill>
+        <p:spPr>
+          <a:xfrm>
+            <a:off x="10413678" y="98543"/>
+            <a:ext cx="1790700" cy="1828800"/>
+          </a:xfrm>
+          <a:prstGeom prst="rect">
+            <a:avLst/>
+          </a:prstGeom>
+        </p:spPr>
+      </p:pic>
+      <p:cxnSp>
+        <p:nvCxnSpPr>
+          <p:cNvPr id="13" name="직선 연결선 5">
+            <a:extLst>
+              <a:ext uri="{FF2B5EF4-FFF2-40B4-BE49-F238E27FC236}">
+                <a16:creationId xmlns:a16="http://schemas.microsoft.com/office/drawing/2014/main" id="{E26C28FB-4DB9-5B6C-C014-CA88F7844AD5}"/>
+              </a:ext>
+            </a:extLst>
+          </p:cNvPr>
+          <p:cNvCxnSpPr/>
+          <p:nvPr/>
+        </p:nvCxnSpPr>
+        <p:spPr>
+          <a:xfrm>
+            <a:off x="144378" y="6751973"/>
+            <a:ext cx="12060000" cy="0"/>
+          </a:xfrm>
+          <a:prstGeom prst="line">
+            <a:avLst/>
+          </a:prstGeom>
+          <a:ln w="3175">
+            <a:solidFill>
+              <a:schemeClr val="accent6"/>
+            </a:solidFill>
+          </a:ln>
+        </p:spPr>
+        <p:style>
+          <a:lnRef idx="1">
+            <a:schemeClr val="accent1"/>
+          </a:lnRef>
+          <a:fillRef idx="0">
+            <a:schemeClr val="accent1"/>
+          </a:fillRef>
+          <a:effectRef idx="0">
+            <a:schemeClr val="accent1"/>
+          </a:effectRef>
+          <a:fontRef idx="minor">
+            <a:schemeClr val="tx1"/>
+          </a:fontRef>
+        </p:style>
+      </p:cxnSp>
+      <p:pic>
+        <p:nvPicPr>
+          <p:cNvPr id="6146" name="Picture 2" descr="MS, GAN과 '연합학습'으로 환자 개인정보보호 의료 진단 방법론 개발 &lt; 기술 &lt; 기사본문 - AI타임스">
+            <a:extLst>
+              <a:ext uri="{FF2B5EF4-FFF2-40B4-BE49-F238E27FC236}">
+                <a16:creationId xmlns:a16="http://schemas.microsoft.com/office/drawing/2014/main" id="{6ED6002F-5430-C256-F243-465A8B6FC49A}"/>
+              </a:ext>
+            </a:extLst>
+          </p:cNvPr>
+          <p:cNvPicPr>
+            <a:picLocks noChangeAspect="1" noChangeArrowheads="1"/>
+          </p:cNvPicPr>
+          <p:nvPr/>
+        </p:nvPicPr>
+        <p:blipFill>
+          <a:blip r:embed="rId4">
+            <a:extLst>
+              <a:ext uri="{28A0092B-C50C-407E-A947-70E740481C1C}">
+                <a14:useLocalDpi xmlns:a14="http://schemas.microsoft.com/office/drawing/2010/main" val="0"/>
+              </a:ext>
+            </a:extLst>
+          </a:blip>
+          <a:srcRect/>
+          <a:stretch>
+            <a:fillRect/>
+          </a:stretch>
+        </p:blipFill>
+        <p:spPr bwMode="auto">
+          <a:xfrm>
+            <a:off x="144378" y="1012943"/>
+            <a:ext cx="6674876" cy="3754618"/>
+          </a:xfrm>
+          <a:prstGeom prst="rect">
+            <a:avLst/>
+          </a:prstGeom>
+          <a:noFill/>
+          <a:extLst>
+            <a:ext uri="{909E8E84-426E-40DD-AFC4-6F175D3DCCD1}">
+              <a14:hiddenFill xmlns:a14="http://schemas.microsoft.com/office/drawing/2010/main">
+                <a:solidFill>
+                  <a:srgbClr val="FFFFFF"/>
+                </a:solidFill>
+              </a14:hiddenFill>
+            </a:ext>
+          </a:extLst>
+        </p:spPr>
+      </p:pic>
+      <p:pic>
+        <p:nvPicPr>
+          <p:cNvPr id="6148" name="Picture 4" descr="자율주행, 자동차 산업을 이끌다">
+            <a:extLst>
+              <a:ext uri="{FF2B5EF4-FFF2-40B4-BE49-F238E27FC236}">
+                <a16:creationId xmlns:a16="http://schemas.microsoft.com/office/drawing/2014/main" id="{9E822287-3D2F-8BDB-509A-BDBB9704B6D7}"/>
+              </a:ext>
+            </a:extLst>
+          </p:cNvPr>
+          <p:cNvPicPr>
+            <a:picLocks noChangeAspect="1" noChangeArrowheads="1"/>
+          </p:cNvPicPr>
+          <p:nvPr/>
+        </p:nvPicPr>
+        <p:blipFill>
+          <a:blip r:embed="rId5">
+            <a:extLst>
+              <a:ext uri="{28A0092B-C50C-407E-A947-70E740481C1C}">
+                <a14:useLocalDpi xmlns:a14="http://schemas.microsoft.com/office/drawing/2010/main" val="0"/>
+              </a:ext>
+            </a:extLst>
+          </a:blip>
+          <a:srcRect/>
+          <a:stretch>
+            <a:fillRect/>
+          </a:stretch>
+        </p:blipFill>
+        <p:spPr bwMode="auto">
+          <a:xfrm>
+            <a:off x="5609641" y="2300056"/>
+            <a:ext cx="6437981" cy="4268661"/>
+          </a:xfrm>
+          <a:prstGeom prst="rect">
+            <a:avLst/>
+          </a:prstGeom>
+          <a:noFill/>
+          <a:extLst>
+            <a:ext uri="{909E8E84-426E-40DD-AFC4-6F175D3DCCD1}">
+              <a14:hiddenFill xmlns:a14="http://schemas.microsoft.com/office/drawing/2010/main">
+                <a:solidFill>
+                  <a:srgbClr val="FFFFFF"/>
+                </a:solidFill>
+              </a14:hiddenFill>
+            </a:ext>
+          </a:extLst>
+        </p:spPr>
+      </p:pic>
+    </p:spTree>
+    <p:extLst>
+      <p:ext uri="{BB962C8B-B14F-4D97-AF65-F5344CB8AC3E}">
+        <p14:creationId xmlns:p14="http://schemas.microsoft.com/office/powerpoint/2010/main" val="3243782229"/>
+      </p:ext>
+    </p:extLst>
+  </p:cSld>
+  <p:clrMapOvr>
+    <a:masterClrMapping/>
+  </p:clrMapOvr>
+  <mc:AlternateContent xmlns:mc="http://schemas.openxmlformats.org/markup-compatibility/2006" xmlns:p14="http://schemas.microsoft.com/office/powerpoint/2010/main">
+    <mc:Choice Requires="p14">
+      <p:transition/>
+    </mc:Choice>
+    <mc:Fallback xmlns="" xmlns:c="http://schemas.openxmlformats.org/drawingml/2006/chart" xmlns:dgm="http://schemas.openxmlformats.org/drawingml/2006/diagram" xmlns:dsp="http://schemas.microsoft.com/office/drawing/2008/diagram">
       <p:transition/>
     </mc:Fallback>
   </mc:AlternateContent>
@@ -3703,23 +6159,173 @@
           <a:chExt cx="0" cy="0"/>
         </a:xfrm>
       </p:grpSpPr>
+      <p:sp>
+        <p:nvSpPr>
+          <p:cNvPr id="5" name="TextBox 4"/>
+          <p:cNvSpPr txBox="1"/>
+          <p:nvPr/>
+        </p:nvSpPr>
+        <p:spPr>
+          <a:xfrm>
+            <a:off x="144378" y="216540"/>
+            <a:ext cx="1003801" cy="553998"/>
+          </a:xfrm>
+          <a:prstGeom prst="rect">
+            <a:avLst/>
+          </a:prstGeom>
+          <a:noFill/>
+        </p:spPr>
+        <p:txBody>
+          <a:bodyPr wrap="none">
+            <a:spAutoFit/>
+          </a:bodyPr>
+          <a:lstStyle/>
+          <a:p>
+            <a:pPr lvl="0">
+              <a:defRPr/>
+            </a:pPr>
+            <a:r>
+              <a:rPr lang="en-US" altLang="ko-KR" sz="3000" b="1" spc="-300" dirty="0">
+                <a:solidFill>
+                  <a:schemeClr val="accent6"/>
+                </a:solidFill>
+              </a:rPr>
+              <a:t>Index</a:t>
+            </a:r>
+          </a:p>
+        </p:txBody>
+      </p:sp>
+      <p:sp>
+        <p:nvSpPr>
+          <p:cNvPr id="9" name="슬라이드 번호 개체 틀 8">
+            <a:extLst>
+              <a:ext uri="{FF2B5EF4-FFF2-40B4-BE49-F238E27FC236}">
+                <a16:creationId xmlns:a16="http://schemas.microsoft.com/office/drawing/2014/main" id="{FF174820-906D-E818-8E2C-0270354C2F6D}"/>
+              </a:ext>
+            </a:extLst>
+          </p:cNvPr>
+          <p:cNvSpPr>
+            <a:spLocks noGrp="1"/>
+          </p:cNvSpPr>
+          <p:nvPr>
+            <p:ph type="sldNum" sz="quarter" idx="12"/>
+          </p:nvPr>
+        </p:nvSpPr>
+        <p:spPr/>
+        <p:txBody>
+          <a:bodyPr/>
+          <a:lstStyle/>
+          <a:p>
+            <a:fld id="{555FA67B-1CA0-4647-BA98-55E6D37C5533}" type="slidenum">
+              <a:rPr kumimoji="1" lang="ko-KR" altLang="en-US" smtClean="0"/>
+              <a:t>2</a:t>
+            </a:fld>
+            <a:endParaRPr kumimoji="1" lang="ko-KR" altLang="en-US"/>
+          </a:p>
+        </p:txBody>
+      </p:sp>
+      <p:sp>
+        <p:nvSpPr>
+          <p:cNvPr id="2" name="TextBox 1">
+            <a:extLst>
+              <a:ext uri="{FF2B5EF4-FFF2-40B4-BE49-F238E27FC236}">
+                <a16:creationId xmlns:a16="http://schemas.microsoft.com/office/drawing/2014/main" id="{5B4FA18B-19F2-DA65-6639-7C5491DA38D7}"/>
+              </a:ext>
+            </a:extLst>
+          </p:cNvPr>
+          <p:cNvSpPr txBox="1"/>
+          <p:nvPr/>
+        </p:nvSpPr>
+        <p:spPr>
+          <a:xfrm>
+            <a:off x="2351759" y="1927343"/>
+            <a:ext cx="5171498" cy="2400657"/>
+          </a:xfrm>
+          <a:prstGeom prst="rect">
+            <a:avLst/>
+          </a:prstGeom>
+          <a:noFill/>
+        </p:spPr>
+        <p:txBody>
+          <a:bodyPr wrap="square" rtlCol="0">
+            <a:spAutoFit/>
+          </a:bodyPr>
+          <a:lstStyle/>
+          <a:p>
+            <a:r>
+              <a:rPr lang="en-US" altLang="ko-KR" sz="3000" b="1" spc="-300" dirty="0"/>
+              <a:t>0.</a:t>
+            </a:r>
+            <a:r>
+              <a:rPr lang="ko-KR" altLang="en-US" sz="3000" b="1" spc="-300" dirty="0"/>
+              <a:t> </a:t>
+            </a:r>
+            <a:r>
+              <a:rPr lang="en-US" altLang="ko-KR" sz="3000" b="1" spc="-300" dirty="0"/>
+              <a:t>GAN</a:t>
+            </a:r>
+          </a:p>
+          <a:p>
+            <a:endParaRPr lang="en-US" altLang="ko-KR" sz="3000" b="1" spc="-300" dirty="0"/>
+          </a:p>
+          <a:p>
+            <a:r>
+              <a:rPr lang="en-US" altLang="ko-KR" sz="3000" b="1" spc="-300" dirty="0"/>
+              <a:t>1. </a:t>
+            </a:r>
+            <a:r>
+              <a:rPr lang="ko-KR" altLang="en-US" sz="3000" b="1" spc="-300" dirty="0"/>
+              <a:t>서론</a:t>
+            </a:r>
+            <a:endParaRPr lang="en-US" altLang="ko-KR" sz="3000" b="1" spc="-300" dirty="0"/>
+          </a:p>
+          <a:p>
+            <a:pPr marL="742950" indent="-742950">
+              <a:buAutoNum type="arabicPeriod"/>
+            </a:pPr>
+            <a:endParaRPr lang="en-US" altLang="ko-KR" sz="3000" b="1" spc="-300" dirty="0"/>
+          </a:p>
+          <a:p>
+            <a:r>
+              <a:rPr lang="en-US" altLang="ko-KR" sz="3000" b="1" spc="-300" dirty="0"/>
+              <a:t>2. </a:t>
+            </a:r>
+            <a:r>
+              <a:rPr lang="ko-KR" altLang="en-US" sz="3000" b="1" spc="-300" dirty="0"/>
+              <a:t>관련 연구</a:t>
+            </a:r>
+            <a:r>
+              <a:rPr lang="en-US" altLang="ko-KR" sz="3000" b="1" spc="-300" dirty="0"/>
+              <a:t> (SNGAN)</a:t>
+            </a:r>
+          </a:p>
+        </p:txBody>
+      </p:sp>
       <p:cxnSp>
         <p:nvCxnSpPr>
-          <p:cNvPr id="3" name="직선 연결선 2"/>
-          <p:cNvCxnSpPr/>
+          <p:cNvPr id="7" name="직선 연결선 2">
+            <a:extLst>
+              <a:ext uri="{FF2B5EF4-FFF2-40B4-BE49-F238E27FC236}">
+                <a16:creationId xmlns:a16="http://schemas.microsoft.com/office/drawing/2014/main" id="{2CB97A33-7887-C851-D750-969E0F44FF7C}"/>
+              </a:ext>
+            </a:extLst>
+          </p:cNvPr>
+          <p:cNvCxnSpPr>
+            <a:cxnSpLocks/>
+          </p:cNvCxnSpPr>
           <p:nvPr/>
         </p:nvCxnSpPr>
         <p:spPr>
           <a:xfrm>
-            <a:off x="144378" y="160422"/>
-            <a:ext cx="12060000" cy="0"/>
+            <a:off x="0" y="160422"/>
+            <a:ext cx="12204378" cy="0"/>
           </a:xfrm>
           <a:prstGeom prst="line">
             <a:avLst/>
           </a:prstGeom>
           <a:ln w="76200">
             <a:solidFill>
-              <a:schemeClr val="accent1"/>
+              <a:schemeClr val="accent6"/>
             </a:solidFill>
           </a:ln>
         </p:spPr>
@@ -3740,14 +6346,20 @@
       </p:cxnSp>
       <p:sp>
         <p:nvSpPr>
-          <p:cNvPr id="5" name="TextBox 4"/>
+          <p:cNvPr id="8" name="TextBox 7">
+            <a:extLst>
+              <a:ext uri="{FF2B5EF4-FFF2-40B4-BE49-F238E27FC236}">
+                <a16:creationId xmlns:a16="http://schemas.microsoft.com/office/drawing/2014/main" id="{2AB5E588-F94E-E0AE-F08E-B207646B5C69}"/>
+              </a:ext>
+            </a:extLst>
+          </p:cNvPr>
           <p:cNvSpPr txBox="1"/>
           <p:nvPr/>
         </p:nvSpPr>
         <p:spPr>
           <a:xfrm>
-            <a:off x="144378" y="216540"/>
-            <a:ext cx="5434821" cy="523220"/>
+            <a:off x="6609366" y="2523777"/>
+            <a:ext cx="3574312" cy="3631763"/>
           </a:xfrm>
           <a:prstGeom prst="rect">
             <a:avLst/>
@@ -3755,6 +6367,202 @@
           <a:noFill/>
         </p:spPr>
         <p:txBody>
+          <a:bodyPr wrap="none" rtlCol="0">
+            <a:spAutoFit/>
+          </a:bodyPr>
+          <a:lstStyle/>
+          <a:p>
+            <a:r>
+              <a:rPr lang="en-US" altLang="ko-KR" sz="3000" b="1" spc="-300" dirty="0"/>
+              <a:t>3.</a:t>
+            </a:r>
+            <a:r>
+              <a:rPr lang="ko-KR" altLang="en-US" sz="3000" b="1" spc="-300" dirty="0"/>
+              <a:t> 제안한 방법</a:t>
+            </a:r>
+            <a:endParaRPr lang="en-US" altLang="ko-KR" sz="3000" b="1" spc="-300" dirty="0"/>
+          </a:p>
+          <a:p>
+            <a:r>
+              <a:rPr lang="en-US" altLang="ko-KR" sz="2500" b="1" spc="-300" dirty="0"/>
+              <a:t>	3.1</a:t>
+            </a:r>
+            <a:r>
+              <a:rPr lang="ko-KR" altLang="en-US" sz="2500" b="1" spc="-300" dirty="0"/>
+              <a:t> </a:t>
+            </a:r>
+            <a:r>
+              <a:rPr lang="en-US" altLang="ko-KR" sz="2500" b="1" spc="-300" dirty="0"/>
+              <a:t>Parallel Generator</a:t>
+            </a:r>
+          </a:p>
+          <a:p>
+            <a:r>
+              <a:rPr lang="en-US" altLang="ko-KR" sz="2500" b="1" spc="-300" dirty="0"/>
+              <a:t>	3.2 Average Loss</a:t>
+            </a:r>
+          </a:p>
+          <a:p>
+            <a:endParaRPr lang="en-US" altLang="ko-KR" sz="3000" b="1" spc="-300" dirty="0"/>
+          </a:p>
+          <a:p>
+            <a:r>
+              <a:rPr lang="en-US" altLang="ko-KR" sz="3000" b="1" spc="-300" dirty="0"/>
+              <a:t>4. </a:t>
+            </a:r>
+            <a:r>
+              <a:rPr lang="ko-KR" altLang="en-US" sz="3000" b="1" spc="-300" dirty="0"/>
+              <a:t>실험 결과</a:t>
+            </a:r>
+            <a:endParaRPr lang="en-US" altLang="ko-KR" sz="3000" b="1" spc="-300" dirty="0"/>
+          </a:p>
+          <a:p>
+            <a:endParaRPr lang="en-US" altLang="ko-KR" sz="3000" b="1" spc="-300" dirty="0"/>
+          </a:p>
+          <a:p>
+            <a:r>
+              <a:rPr lang="en-US" altLang="ko-KR" sz="3000" b="1" spc="-300" dirty="0"/>
+              <a:t>5. </a:t>
+            </a:r>
+            <a:r>
+              <a:rPr lang="ko-KR" altLang="en-US" sz="3000" b="1" spc="-300" dirty="0"/>
+              <a:t>결론</a:t>
+            </a:r>
+            <a:endParaRPr lang="en-US" altLang="ko-KR" sz="3000" b="1" spc="-300" dirty="0"/>
+          </a:p>
+          <a:p>
+            <a:endParaRPr kumimoji="1" lang="ko-KR" altLang="en-US" sz="3000" dirty="0"/>
+          </a:p>
+        </p:txBody>
+      </p:sp>
+      <p:pic>
+        <p:nvPicPr>
+          <p:cNvPr id="12" name="그림 11">
+            <a:extLst>
+              <a:ext uri="{FF2B5EF4-FFF2-40B4-BE49-F238E27FC236}">
+                <a16:creationId xmlns:a16="http://schemas.microsoft.com/office/drawing/2014/main" id="{708CFE2C-5A16-B182-01F0-CDA4E5B101CC}"/>
+              </a:ext>
+            </a:extLst>
+          </p:cNvPr>
+          <p:cNvPicPr>
+            <a:picLocks noChangeAspect="1"/>
+          </p:cNvPicPr>
+          <p:nvPr/>
+        </p:nvPicPr>
+        <p:blipFill>
+          <a:blip r:embed="rId2">
+            <a:alphaModFix amt="20000"/>
+          </a:blip>
+          <a:stretch>
+            <a:fillRect/>
+          </a:stretch>
+        </p:blipFill>
+        <p:spPr>
+          <a:xfrm>
+            <a:off x="10413678" y="98543"/>
+            <a:ext cx="1790700" cy="1828800"/>
+          </a:xfrm>
+          <a:prstGeom prst="rect">
+            <a:avLst/>
+          </a:prstGeom>
+        </p:spPr>
+      </p:pic>
+      <p:cxnSp>
+        <p:nvCxnSpPr>
+          <p:cNvPr id="15" name="직선 연결선 5">
+            <a:extLst>
+              <a:ext uri="{FF2B5EF4-FFF2-40B4-BE49-F238E27FC236}">
+                <a16:creationId xmlns:a16="http://schemas.microsoft.com/office/drawing/2014/main" id="{E92EC35E-DA78-2EA1-490C-5483CE73CF00}"/>
+              </a:ext>
+            </a:extLst>
+          </p:cNvPr>
+          <p:cNvCxnSpPr/>
+          <p:nvPr/>
+        </p:nvCxnSpPr>
+        <p:spPr>
+          <a:xfrm>
+            <a:off x="144378" y="6751973"/>
+            <a:ext cx="12060000" cy="0"/>
+          </a:xfrm>
+          <a:prstGeom prst="line">
+            <a:avLst/>
+          </a:prstGeom>
+          <a:ln w="3175">
+            <a:solidFill>
+              <a:schemeClr val="accent6"/>
+            </a:solidFill>
+          </a:ln>
+        </p:spPr>
+        <p:style>
+          <a:lnRef idx="1">
+            <a:schemeClr val="accent1"/>
+          </a:lnRef>
+          <a:fillRef idx="0">
+            <a:schemeClr val="accent1"/>
+          </a:fillRef>
+          <a:effectRef idx="0">
+            <a:schemeClr val="accent1"/>
+          </a:effectRef>
+          <a:fontRef idx="minor">
+            <a:schemeClr val="tx1"/>
+          </a:fontRef>
+        </p:style>
+      </p:cxnSp>
+    </p:spTree>
+    <p:extLst>
+      <p:ext uri="{BB962C8B-B14F-4D97-AF65-F5344CB8AC3E}">
+        <p14:creationId xmlns:p14="http://schemas.microsoft.com/office/powerpoint/2010/main" val="589746475"/>
+      </p:ext>
+    </p:extLst>
+  </p:cSld>
+  <p:clrMapOvr>
+    <a:masterClrMapping/>
+  </p:clrMapOvr>
+  <mc:AlternateContent xmlns:mc="http://schemas.openxmlformats.org/markup-compatibility/2006" xmlns:p14="http://schemas.microsoft.com/office/powerpoint/2010/main">
+    <mc:Choice Requires="p14">
+      <p:transition/>
+    </mc:Choice>
+    <mc:Fallback xmlns="" xmlns:c="http://schemas.openxmlformats.org/drawingml/2006/chart" xmlns:dgm="http://schemas.openxmlformats.org/drawingml/2006/diagram" xmlns:dsp="http://schemas.microsoft.com/office/drawing/2008/diagram">
+      <p:transition/>
+    </mc:Fallback>
+  </mc:AlternateContent>
+</p:sld>
+</file>
+
+<file path=ppt/slides/slide3.xml><?xml version="1.0" encoding="utf-8"?>
+<p:sld xmlns:a="http://schemas.openxmlformats.org/drawingml/2006/main" xmlns:r="http://schemas.openxmlformats.org/officeDocument/2006/relationships" xmlns:p="http://schemas.openxmlformats.org/presentationml/2006/main">
+  <p:cSld>
+    <p:spTree>
+      <p:nvGrpSpPr>
+        <p:cNvPr id="1" name=""/>
+        <p:cNvGrpSpPr/>
+        <p:nvPr/>
+      </p:nvGrpSpPr>
+      <p:grpSpPr>
+        <a:xfrm>
+          <a:off x="0" y="0"/>
+          <a:ext cx="0" cy="0"/>
+          <a:chOff x="0" y="0"/>
+          <a:chExt cx="0" cy="0"/>
+        </a:xfrm>
+      </p:grpSpPr>
+      <p:sp>
+        <p:nvSpPr>
+          <p:cNvPr id="5" name="TextBox 4"/>
+          <p:cNvSpPr txBox="1"/>
+          <p:nvPr/>
+        </p:nvSpPr>
+        <p:spPr>
+          <a:xfrm>
+            <a:off x="144378" y="216540"/>
+            <a:ext cx="6000297" cy="553998"/>
+          </a:xfrm>
+          <a:prstGeom prst="rect">
+            <a:avLst/>
+          </a:prstGeom>
+          <a:noFill/>
+        </p:spPr>
+        <p:txBody>
           <a:bodyPr wrap="none">
             <a:spAutoFit/>
           </a:bodyPr>
@@ -3764,12 +6572,28 @@
               <a:defRPr/>
             </a:pPr>
             <a:r>
-              <a:rPr lang="en-US" altLang="ko-KR" sz="2800" b="1" spc="-300" dirty="0">
+              <a:rPr lang="en-US" altLang="ko-KR" sz="3000" b="1" spc="-300" dirty="0">
                 <a:solidFill>
-                  <a:schemeClr val="accent1"/>
+                  <a:schemeClr val="accent6"/>
                 </a:solidFill>
               </a:rPr>
-              <a:t>Generative Adversarial Network (GAN)</a:t>
+              <a:t>GAN</a:t>
+            </a:r>
+            <a:r>
+              <a:rPr lang="ko-KR" altLang="en-US" sz="3000" b="1" spc="-300" dirty="0">
+                <a:solidFill>
+                  <a:schemeClr val="accent6"/>
+                </a:solidFill>
+              </a:rPr>
+              <a:t> </a:t>
+            </a:r>
+            <a:r>
+              <a:rPr lang="en-US" altLang="ko-KR" sz="3000" b="1" spc="-300" dirty="0">
+                <a:solidFill>
+                  <a:schemeClr val="accent6"/>
+                </a:solidFill>
+              </a:rPr>
+              <a:t>(Generative Adversarial Network )</a:t>
             </a:r>
           </a:p>
         </p:txBody>
@@ -3790,7 +6614,7 @@
           </a:prstGeom>
           <a:ln w="3175">
             <a:solidFill>
-              <a:schemeClr val="accent1"/>
+              <a:schemeClr val="accent6"/>
             </a:solidFill>
           </a:ln>
         </p:spPr>
@@ -3811,21 +6635,29 @@
       </p:cxnSp>
       <p:cxnSp>
         <p:nvCxnSpPr>
-          <p:cNvPr id="13" name="직선 연결선 12"/>
-          <p:cNvCxnSpPr/>
+          <p:cNvPr id="4" name="직선 연결선 2">
+            <a:extLst>
+              <a:ext uri="{FF2B5EF4-FFF2-40B4-BE49-F238E27FC236}">
+                <a16:creationId xmlns:a16="http://schemas.microsoft.com/office/drawing/2014/main" id="{DCBCB93F-2FF0-C990-0119-15E3F3428357}"/>
+              </a:ext>
+            </a:extLst>
+          </p:cNvPr>
+          <p:cNvCxnSpPr>
+            <a:cxnSpLocks/>
+          </p:cNvCxnSpPr>
           <p:nvPr/>
         </p:nvCxnSpPr>
         <p:spPr>
           <a:xfrm>
-            <a:off x="1228871" y="216540"/>
-            <a:ext cx="11181347" cy="0"/>
+            <a:off x="0" y="160422"/>
+            <a:ext cx="12204378" cy="0"/>
           </a:xfrm>
           <a:prstGeom prst="line">
             <a:avLst/>
           </a:prstGeom>
-          <a:ln>
+          <a:ln w="76200">
             <a:solidFill>
-              <a:schemeClr val="bg1"/>
+              <a:schemeClr val="accent6"/>
             </a:solidFill>
           </a:ln>
         </p:spPr>
@@ -3844,225 +6676,12 @@
           </a:fontRef>
         </p:style>
       </p:cxnSp>
-      <p:sp>
-        <p:nvSpPr>
-          <p:cNvPr id="31" name="직사각형 26"/>
-          <p:cNvSpPr/>
-          <p:nvPr/>
-        </p:nvSpPr>
-        <p:spPr>
-          <a:xfrm>
-            <a:off x="461623" y="740340"/>
-            <a:ext cx="9053852" cy="1095290"/>
-          </a:xfrm>
-          <a:prstGeom prst="rect">
-            <a:avLst/>
-          </a:prstGeom>
-          <a:solidFill>
-            <a:srgbClr val="F2F2F2">
-              <a:alpha val="100000"/>
-            </a:srgbClr>
-          </a:solidFill>
-          <a:ln w="12700" cap="flat" cmpd="sng" algn="ctr">
-            <a:noFill/>
-            <a:prstDash val="solid"/>
-            <a:miter/>
-          </a:ln>
-        </p:spPr>
-        <p:txBody>
-          <a:bodyPr anchor="ctr"/>
-          <a:lstStyle/>
-          <a:p>
-            <a:pPr marL="0" indent="0" algn="ctr" defTabSz="914400" rtl="0" eaLnBrk="1" latinLnBrk="1" hangingPunct="1">
-              <a:lnSpc>
-                <a:spcPct val="100000"/>
-              </a:lnSpc>
-              <a:spcBef>
-                <a:spcPct val="0"/>
-              </a:spcBef>
-              <a:spcAft>
-                <a:spcPts val="0"/>
-              </a:spcAft>
-              <a:buNone/>
-              <a:defRPr/>
-            </a:pPr>
-            <a:endParaRPr kumimoji="0" lang="ko-KR" altLang="en-US" sz="1800" b="0" i="0" u="none" strike="noStrike" kern="1200" cap="none" spc="0" normalizeH="0" baseline="0" dirty="0">
-              <a:solidFill>
-                <a:srgbClr val="FFFFFF"/>
-              </a:solidFill>
-              <a:latin typeface="Pretendard"/>
-              <a:ea typeface="Pretendard"/>
-              <a:cs typeface="Pretendard"/>
-            </a:endParaRPr>
-          </a:p>
-        </p:txBody>
-      </p:sp>
-      <p:sp>
-        <p:nvSpPr>
-          <p:cNvPr id="32" name="TextBox 31"/>
-          <p:cNvSpPr txBox="1"/>
-          <p:nvPr/>
-        </p:nvSpPr>
-        <p:spPr>
-          <a:xfrm>
-            <a:off x="461623" y="873854"/>
-            <a:ext cx="10768352" cy="923330"/>
-          </a:xfrm>
-          <a:prstGeom prst="rect">
-            <a:avLst/>
-          </a:prstGeom>
-        </p:spPr>
-        <p:txBody>
-          <a:bodyPr wrap="square">
-            <a:spAutoFit/>
-          </a:bodyPr>
-          <a:lstStyle/>
-          <a:p>
-            <a:pPr>
-              <a:buFont typeface="Arial" panose="020B0604020202020204" pitchFamily="34" charset="0"/>
-              <a:buChar char="•"/>
-            </a:pPr>
-            <a:r>
-              <a:rPr lang="ko-KR" altLang="en-US" sz="1800" dirty="0">
-                <a:effectLst/>
-                <a:latin typeface="NanumSquareB"/>
-              </a:rPr>
-              <a:t>생성자</a:t>
-            </a:r>
-            <a:r>
-              <a:rPr lang="en-US" altLang="ko-KR" sz="1800" dirty="0">
-                <a:effectLst/>
-                <a:latin typeface="NanumSquareB"/>
-              </a:rPr>
-              <a:t>(</a:t>
-            </a:r>
-            <a:r>
-              <a:rPr lang="en" altLang="ko-KR" sz="1800" dirty="0">
-                <a:effectLst/>
-                <a:latin typeface="NanumSquareB"/>
-              </a:rPr>
-              <a:t>generator)</a:t>
-            </a:r>
-            <a:r>
-              <a:rPr lang="ko-KR" altLang="en-US" sz="1800" dirty="0">
-                <a:effectLst/>
-                <a:latin typeface="NanumSquareR"/>
-              </a:rPr>
-              <a:t>와 </a:t>
-            </a:r>
-            <a:r>
-              <a:rPr lang="ko-KR" altLang="en-US" sz="1800" dirty="0" err="1">
-                <a:effectLst/>
-                <a:latin typeface="NanumSquareB"/>
-              </a:rPr>
-              <a:t>판별자</a:t>
-            </a:r>
-            <a:r>
-              <a:rPr lang="en-US" altLang="ko-KR" sz="1800" dirty="0">
-                <a:effectLst/>
-                <a:latin typeface="NanumSquareB"/>
-              </a:rPr>
-              <a:t>(</a:t>
-            </a:r>
-            <a:r>
-              <a:rPr lang="en" altLang="ko-KR" sz="1800" dirty="0">
-                <a:effectLst/>
-                <a:latin typeface="NanumSquareB"/>
-              </a:rPr>
-              <a:t>discriminator) </a:t>
-            </a:r>
-            <a:r>
-              <a:rPr lang="ko-KR" altLang="en-US" sz="1800" dirty="0">
-                <a:effectLst/>
-                <a:latin typeface="NanumSquareR"/>
-              </a:rPr>
-              <a:t>두 개의 네트워크를 활용한 생성 모델입니다</a:t>
-            </a:r>
-            <a:r>
-              <a:rPr lang="en-US" altLang="ko-KR" sz="1800" dirty="0">
-                <a:effectLst/>
-                <a:latin typeface="NanumSquareR"/>
-              </a:rPr>
-              <a:t>. </a:t>
-            </a:r>
-          </a:p>
-          <a:p>
-            <a:pPr>
-              <a:buFont typeface="Arial" panose="020B0604020202020204" pitchFamily="34" charset="0"/>
-              <a:buChar char="•"/>
-            </a:pPr>
-            <a:endParaRPr lang="ko-KR" altLang="en-US" sz="1800" dirty="0">
-              <a:effectLst/>
-              <a:latin typeface="ArialMT"/>
-            </a:endParaRPr>
-          </a:p>
-          <a:p>
-            <a:pPr>
-              <a:buFont typeface="Arial" panose="020B0604020202020204" pitchFamily="34" charset="0"/>
-              <a:buChar char="•"/>
-            </a:pPr>
-            <a:r>
-              <a:rPr lang="ko-KR" altLang="en-US" sz="1800" dirty="0">
-                <a:effectLst/>
-                <a:latin typeface="NanumSquareR"/>
-              </a:rPr>
-              <a:t>다음의 </a:t>
-            </a:r>
-            <a:r>
-              <a:rPr lang="ko-KR" altLang="en-US" sz="1800" dirty="0">
-                <a:effectLst/>
-                <a:latin typeface="NanumSquareB"/>
-              </a:rPr>
-              <a:t>목적 함수</a:t>
-            </a:r>
-            <a:r>
-              <a:rPr lang="en-US" altLang="ko-KR" sz="1800" dirty="0">
-                <a:effectLst/>
-                <a:latin typeface="NanumSquareB"/>
-              </a:rPr>
-              <a:t>(</a:t>
-            </a:r>
-            <a:r>
-              <a:rPr lang="en" altLang="ko-KR" sz="1800" dirty="0">
-                <a:effectLst/>
-                <a:latin typeface="NanumSquareB"/>
-              </a:rPr>
-              <a:t>objective function)</a:t>
-            </a:r>
-            <a:r>
-              <a:rPr lang="ko-KR" altLang="en-US" sz="1800" dirty="0" err="1">
-                <a:effectLst/>
-                <a:latin typeface="NanumSquareR"/>
-              </a:rPr>
-              <a:t>를</a:t>
-            </a:r>
-            <a:r>
-              <a:rPr lang="ko-KR" altLang="en-US" sz="1800" dirty="0">
-                <a:effectLst/>
-                <a:latin typeface="NanumSquareR"/>
-              </a:rPr>
-              <a:t> 통해 생성자는 이미지 분포를 학습할 수 있습니다</a:t>
-            </a:r>
-            <a:r>
-              <a:rPr lang="en-US" altLang="ko-KR" sz="1800" dirty="0">
-                <a:effectLst/>
-                <a:latin typeface="NanumSquareR"/>
-              </a:rPr>
-              <a:t>. </a:t>
-            </a:r>
-            <a:endParaRPr lang="ko-KR" altLang="en-US" sz="1800" dirty="0">
-              <a:effectLst/>
-              <a:latin typeface="ArialMT"/>
-            </a:endParaRPr>
-          </a:p>
-        </p:txBody>
-      </p:sp>
       <p:pic>
         <p:nvPicPr>
-          <p:cNvPr id="2" name="그림 1">
-            <a:extLst>
-              <a:ext uri="{FF2B5EF4-FFF2-40B4-BE49-F238E27FC236}">
-                <a16:creationId xmlns:a16="http://schemas.microsoft.com/office/drawing/2014/main" id="{5C8D0B71-E605-004B-1213-9FD6042EF488}"/>
+          <p:cNvPr id="8" name="그림 7">
+            <a:extLst>
+              <a:ext uri="{FF2B5EF4-FFF2-40B4-BE49-F238E27FC236}">
+                <a16:creationId xmlns:a16="http://schemas.microsoft.com/office/drawing/2014/main" id="{44E99B9F-2129-D952-AD38-57BA87217A86}"/>
               </a:ext>
             </a:extLst>
           </p:cNvPr>
@@ -4072,21 +6691,160 @@
           <p:nvPr/>
         </p:nvPicPr>
         <p:blipFill>
-          <a:blip r:embed="rId2"/>
+          <a:blip r:embed="rId3">
+            <a:alphaModFix amt="20000"/>
+          </a:blip>
           <a:stretch>
             <a:fillRect/>
           </a:stretch>
         </p:blipFill>
         <p:spPr>
           <a:xfrm>
-            <a:off x="461623" y="2132178"/>
-            <a:ext cx="11003698" cy="4082288"/>
+            <a:off x="10413678" y="98543"/>
+            <a:ext cx="1790700" cy="1828800"/>
           </a:xfrm>
           <a:prstGeom prst="rect">
             <a:avLst/>
           </a:prstGeom>
         </p:spPr>
       </p:pic>
+      <p:pic>
+        <p:nvPicPr>
+          <p:cNvPr id="9" name="그림 8">
+            <a:extLst>
+              <a:ext uri="{FF2B5EF4-FFF2-40B4-BE49-F238E27FC236}">
+                <a16:creationId xmlns:a16="http://schemas.microsoft.com/office/drawing/2014/main" id="{0D46505C-7605-4DD6-B9B6-56CD1DC0A3CA}"/>
+              </a:ext>
+            </a:extLst>
+          </p:cNvPr>
+          <p:cNvPicPr>
+            <a:picLocks noChangeAspect="1"/>
+          </p:cNvPicPr>
+          <p:nvPr/>
+        </p:nvPicPr>
+        <p:blipFill>
+          <a:blip r:embed="rId4"/>
+          <a:stretch>
+            <a:fillRect/>
+          </a:stretch>
+        </p:blipFill>
+        <p:spPr>
+          <a:xfrm>
+            <a:off x="2209800" y="1012943"/>
+            <a:ext cx="7772400" cy="3492660"/>
+          </a:xfrm>
+          <a:prstGeom prst="rect">
+            <a:avLst/>
+          </a:prstGeom>
+        </p:spPr>
+      </p:pic>
+      <p:sp>
+        <p:nvSpPr>
+          <p:cNvPr id="10" name="TextBox 9">
+            <a:extLst>
+              <a:ext uri="{FF2B5EF4-FFF2-40B4-BE49-F238E27FC236}">
+                <a16:creationId xmlns:a16="http://schemas.microsoft.com/office/drawing/2014/main" id="{92C72843-7B93-F907-BBE9-0949AF146594}"/>
+              </a:ext>
+            </a:extLst>
+          </p:cNvPr>
+          <p:cNvSpPr txBox="1"/>
+          <p:nvPr/>
+        </p:nvSpPr>
+        <p:spPr>
+          <a:xfrm>
+            <a:off x="3354071" y="4825726"/>
+            <a:ext cx="4753224" cy="1477328"/>
+          </a:xfrm>
+          <a:prstGeom prst="rect">
+            <a:avLst/>
+          </a:prstGeom>
+          <a:noFill/>
+        </p:spPr>
+        <p:txBody>
+          <a:bodyPr wrap="none" rtlCol="0">
+            <a:spAutoFit/>
+          </a:bodyPr>
+          <a:lstStyle/>
+          <a:p>
+            <a:r>
+              <a:rPr kumimoji="1" lang="ko-KR" altLang="en-US" b="1" dirty="0"/>
+              <a:t>목적</a:t>
+            </a:r>
+            <a:endParaRPr kumimoji="1" lang="en-US" altLang="ko-KR" b="1" dirty="0"/>
+          </a:p>
+          <a:p>
+            <a:endParaRPr kumimoji="1" lang="en-US" altLang="ko-KR" b="1" dirty="0"/>
+          </a:p>
+          <a:p>
+            <a:r>
+              <a:rPr kumimoji="1" lang="ko-KR" altLang="en-US" b="1" dirty="0"/>
+              <a:t>생성자 </a:t>
+            </a:r>
+            <a:r>
+              <a:rPr kumimoji="1" lang="en-US" altLang="ko-KR" b="1" dirty="0"/>
+              <a:t>:</a:t>
+            </a:r>
+            <a:r>
+              <a:rPr kumimoji="1" lang="ko-KR" altLang="en-US" b="1" dirty="0"/>
+              <a:t> </a:t>
+            </a:r>
+            <a:r>
+              <a:rPr kumimoji="1" lang="en-US" altLang="ko-KR" b="1" dirty="0"/>
+              <a:t>D(G(z))</a:t>
+            </a:r>
+            <a:r>
+              <a:rPr kumimoji="1" lang="ko-KR" altLang="en-US" b="1" dirty="0" err="1"/>
+              <a:t>를</a:t>
+            </a:r>
+            <a:r>
+              <a:rPr kumimoji="1" lang="ko-KR" altLang="en-US" b="1" dirty="0"/>
+              <a:t> </a:t>
+            </a:r>
+            <a:r>
+              <a:rPr kumimoji="1" lang="en-US" altLang="ko-KR" b="1" dirty="0"/>
+              <a:t>1</a:t>
+            </a:r>
+            <a:r>
+              <a:rPr kumimoji="1" lang="ko-KR" altLang="en-US" b="1" dirty="0"/>
+              <a:t>로 만들기 위해</a:t>
+            </a:r>
+            <a:endParaRPr kumimoji="1" lang="en-US" altLang="ko-KR" b="1" dirty="0"/>
+          </a:p>
+          <a:p>
+            <a:endParaRPr kumimoji="1" lang="en-US" altLang="ko-KR" b="1" dirty="0"/>
+          </a:p>
+          <a:p>
+            <a:r>
+              <a:rPr kumimoji="1" lang="ko-KR" altLang="en-US" b="1" dirty="0" err="1"/>
+              <a:t>판별자</a:t>
+            </a:r>
+            <a:r>
+              <a:rPr kumimoji="1" lang="ko-KR" altLang="en-US" b="1" dirty="0"/>
+              <a:t> </a:t>
+            </a:r>
+            <a:r>
+              <a:rPr kumimoji="1" lang="en-US" altLang="ko-KR" b="1" dirty="0"/>
+              <a:t>: D(G(z))</a:t>
+            </a:r>
+            <a:r>
+              <a:rPr kumimoji="1" lang="ko-KR" altLang="en-US" b="1" dirty="0"/>
+              <a:t>과 </a:t>
+            </a:r>
+            <a:r>
+              <a:rPr kumimoji="1" lang="en-US" altLang="ko-KR" b="1" dirty="0"/>
+              <a:t>D(x)</a:t>
+            </a:r>
+            <a:r>
+              <a:rPr kumimoji="1" lang="ko-KR" altLang="en-US" b="1" dirty="0" err="1"/>
+              <a:t>를</a:t>
+            </a:r>
+            <a:r>
+              <a:rPr kumimoji="1" lang="ko-KR" altLang="en-US" b="1" dirty="0"/>
+              <a:t> 잘 구분하기 위해</a:t>
+            </a:r>
+          </a:p>
+        </p:txBody>
+      </p:sp>
     </p:spTree>
     <p:extLst>
       <p:ext uri="{BB962C8B-B14F-4D97-AF65-F5344CB8AC3E}">
@@ -4101,7 +6859,2287 @@
     <mc:Choice Requires="p14">
       <p:transition/>
     </mc:Choice>
-    <mc:Fallback xmlns:dsp="http://schemas.microsoft.com/office/drawing/2008/diagram" xmlns:dgm="http://schemas.openxmlformats.org/drawingml/2006/diagram" xmlns:c="http://schemas.openxmlformats.org/drawingml/2006/chart" xmlns="">
+    <mc:Fallback xmlns="" xmlns:c="http://schemas.openxmlformats.org/drawingml/2006/chart" xmlns:dgm="http://schemas.openxmlformats.org/drawingml/2006/diagram" xmlns:dsp="http://schemas.microsoft.com/office/drawing/2008/diagram">
+      <p:transition/>
+    </mc:Fallback>
+  </mc:AlternateContent>
+</p:sld>
+</file>
+
+<file path=ppt/slides/slide4.xml><?xml version="1.0" encoding="utf-8"?>
+<p:sld xmlns:a="http://schemas.openxmlformats.org/drawingml/2006/main" xmlns:r="http://schemas.openxmlformats.org/officeDocument/2006/relationships" xmlns:p="http://schemas.openxmlformats.org/presentationml/2006/main">
+  <p:cSld>
+    <p:spTree>
+      <p:nvGrpSpPr>
+        <p:cNvPr id="1" name=""/>
+        <p:cNvGrpSpPr/>
+        <p:nvPr/>
+      </p:nvGrpSpPr>
+      <p:grpSpPr>
+        <a:xfrm>
+          <a:off x="0" y="0"/>
+          <a:ext cx="0" cy="0"/>
+          <a:chOff x="0" y="0"/>
+          <a:chExt cx="0" cy="0"/>
+        </a:xfrm>
+      </p:grpSpPr>
+      <p:sp>
+        <p:nvSpPr>
+          <p:cNvPr id="5" name="TextBox 4"/>
+          <p:cNvSpPr txBox="1"/>
+          <p:nvPr/>
+        </p:nvSpPr>
+        <p:spPr>
+          <a:xfrm>
+            <a:off x="144378" y="216540"/>
+            <a:ext cx="6000297" cy="553998"/>
+          </a:xfrm>
+          <a:prstGeom prst="rect">
+            <a:avLst/>
+          </a:prstGeom>
+          <a:noFill/>
+        </p:spPr>
+        <p:txBody>
+          <a:bodyPr wrap="none">
+            <a:spAutoFit/>
+          </a:bodyPr>
+          <a:lstStyle/>
+          <a:p>
+            <a:pPr lvl="0">
+              <a:defRPr/>
+            </a:pPr>
+            <a:r>
+              <a:rPr lang="en-US" altLang="ko-KR" sz="3000" b="1" spc="-300" dirty="0">
+                <a:solidFill>
+                  <a:schemeClr val="accent6"/>
+                </a:solidFill>
+              </a:rPr>
+              <a:t>GAN</a:t>
+            </a:r>
+            <a:r>
+              <a:rPr lang="ko-KR" altLang="en-US" sz="3000" b="1" spc="-300" dirty="0">
+                <a:solidFill>
+                  <a:schemeClr val="accent6"/>
+                </a:solidFill>
+              </a:rPr>
+              <a:t> </a:t>
+            </a:r>
+            <a:r>
+              <a:rPr lang="en-US" altLang="ko-KR" sz="3000" b="1" spc="-300" dirty="0">
+                <a:solidFill>
+                  <a:schemeClr val="accent6"/>
+                </a:solidFill>
+              </a:rPr>
+              <a:t>(Generative Adversarial Network )</a:t>
+            </a:r>
+          </a:p>
+        </p:txBody>
+      </p:sp>
+      <p:cxnSp>
+        <p:nvCxnSpPr>
+          <p:cNvPr id="4" name="직선 연결선 2">
+            <a:extLst>
+              <a:ext uri="{FF2B5EF4-FFF2-40B4-BE49-F238E27FC236}">
+                <a16:creationId xmlns:a16="http://schemas.microsoft.com/office/drawing/2014/main" id="{DCBCB93F-2FF0-C990-0119-15E3F3428357}"/>
+              </a:ext>
+            </a:extLst>
+          </p:cNvPr>
+          <p:cNvCxnSpPr>
+            <a:cxnSpLocks/>
+          </p:cNvCxnSpPr>
+          <p:nvPr/>
+        </p:nvCxnSpPr>
+        <p:spPr>
+          <a:xfrm>
+            <a:off x="0" y="160422"/>
+            <a:ext cx="12204378" cy="0"/>
+          </a:xfrm>
+          <a:prstGeom prst="line">
+            <a:avLst/>
+          </a:prstGeom>
+          <a:ln w="76200">
+            <a:solidFill>
+              <a:schemeClr val="accent6"/>
+            </a:solidFill>
+          </a:ln>
+        </p:spPr>
+        <p:style>
+          <a:lnRef idx="1">
+            <a:schemeClr val="accent1"/>
+          </a:lnRef>
+          <a:fillRef idx="0">
+            <a:schemeClr val="accent1"/>
+          </a:fillRef>
+          <a:effectRef idx="0">
+            <a:schemeClr val="accent1"/>
+          </a:effectRef>
+          <a:fontRef idx="minor">
+            <a:schemeClr val="tx1"/>
+          </a:fontRef>
+        </p:style>
+      </p:cxnSp>
+      <p:pic>
+        <p:nvPicPr>
+          <p:cNvPr id="8" name="그림 7">
+            <a:extLst>
+              <a:ext uri="{FF2B5EF4-FFF2-40B4-BE49-F238E27FC236}">
+                <a16:creationId xmlns:a16="http://schemas.microsoft.com/office/drawing/2014/main" id="{44E99B9F-2129-D952-AD38-57BA87217A86}"/>
+              </a:ext>
+            </a:extLst>
+          </p:cNvPr>
+          <p:cNvPicPr>
+            <a:picLocks noChangeAspect="1"/>
+          </p:cNvPicPr>
+          <p:nvPr/>
+        </p:nvPicPr>
+        <p:blipFill>
+          <a:blip r:embed="rId3">
+            <a:alphaModFix amt="20000"/>
+          </a:blip>
+          <a:stretch>
+            <a:fillRect/>
+          </a:stretch>
+        </p:blipFill>
+        <p:spPr>
+          <a:xfrm>
+            <a:off x="10413678" y="98543"/>
+            <a:ext cx="1790700" cy="1828800"/>
+          </a:xfrm>
+          <a:prstGeom prst="rect">
+            <a:avLst/>
+          </a:prstGeom>
+        </p:spPr>
+      </p:pic>
+      <p:pic>
+        <p:nvPicPr>
+          <p:cNvPr id="3" name="그림 2">
+            <a:extLst>
+              <a:ext uri="{FF2B5EF4-FFF2-40B4-BE49-F238E27FC236}">
+                <a16:creationId xmlns:a16="http://schemas.microsoft.com/office/drawing/2014/main" id="{0BD0FCA4-6A50-F85D-EE82-07D6F6F9C75D}"/>
+              </a:ext>
+            </a:extLst>
+          </p:cNvPr>
+          <p:cNvPicPr>
+            <a:picLocks noChangeAspect="1"/>
+          </p:cNvPicPr>
+          <p:nvPr/>
+        </p:nvPicPr>
+        <p:blipFill>
+          <a:blip r:embed="rId4"/>
+          <a:stretch>
+            <a:fillRect/>
+          </a:stretch>
+        </p:blipFill>
+        <p:spPr>
+          <a:xfrm>
+            <a:off x="594151" y="1927343"/>
+            <a:ext cx="11003698" cy="4082288"/>
+          </a:xfrm>
+          <a:prstGeom prst="rect">
+            <a:avLst/>
+          </a:prstGeom>
+        </p:spPr>
+      </p:pic>
+      <p:cxnSp>
+        <p:nvCxnSpPr>
+          <p:cNvPr id="7" name="직선 연결선 5">
+            <a:extLst>
+              <a:ext uri="{FF2B5EF4-FFF2-40B4-BE49-F238E27FC236}">
+                <a16:creationId xmlns:a16="http://schemas.microsoft.com/office/drawing/2014/main" id="{98F80A7D-EC7F-D7CF-B634-8140C2080B00}"/>
+              </a:ext>
+            </a:extLst>
+          </p:cNvPr>
+          <p:cNvCxnSpPr/>
+          <p:nvPr/>
+        </p:nvCxnSpPr>
+        <p:spPr>
+          <a:xfrm>
+            <a:off x="144378" y="6751973"/>
+            <a:ext cx="12060000" cy="0"/>
+          </a:xfrm>
+          <a:prstGeom prst="line">
+            <a:avLst/>
+          </a:prstGeom>
+          <a:ln w="3175">
+            <a:solidFill>
+              <a:schemeClr val="accent6"/>
+            </a:solidFill>
+          </a:ln>
+        </p:spPr>
+        <p:style>
+          <a:lnRef idx="1">
+            <a:schemeClr val="accent1"/>
+          </a:lnRef>
+          <a:fillRef idx="0">
+            <a:schemeClr val="accent1"/>
+          </a:fillRef>
+          <a:effectRef idx="0">
+            <a:schemeClr val="accent1"/>
+          </a:effectRef>
+          <a:fontRef idx="minor">
+            <a:schemeClr val="tx1"/>
+          </a:fontRef>
+        </p:style>
+      </p:cxnSp>
+    </p:spTree>
+    <p:extLst>
+      <p:ext uri="{BB962C8B-B14F-4D97-AF65-F5344CB8AC3E}">
+        <p14:creationId xmlns:p14="http://schemas.microsoft.com/office/powerpoint/2010/main" val="4127858197"/>
+      </p:ext>
+    </p:extLst>
+  </p:cSld>
+  <p:clrMapOvr>
+    <a:masterClrMapping/>
+  </p:clrMapOvr>
+  <mc:AlternateContent xmlns:mc="http://schemas.openxmlformats.org/markup-compatibility/2006" xmlns:p14="http://schemas.microsoft.com/office/powerpoint/2010/main">
+    <mc:Choice Requires="p14">
+      <p:transition/>
+    </mc:Choice>
+    <mc:Fallback xmlns="" xmlns:c="http://schemas.openxmlformats.org/drawingml/2006/chart" xmlns:dgm="http://schemas.openxmlformats.org/drawingml/2006/diagram" xmlns:dsp="http://schemas.microsoft.com/office/drawing/2008/diagram">
+      <p:transition/>
+    </mc:Fallback>
+  </mc:AlternateContent>
+</p:sld>
+</file>
+
+<file path=ppt/slides/slide5.xml><?xml version="1.0" encoding="utf-8"?>
+<p:sld xmlns:a="http://schemas.openxmlformats.org/drawingml/2006/main" xmlns:r="http://schemas.openxmlformats.org/officeDocument/2006/relationships" xmlns:p="http://schemas.openxmlformats.org/presentationml/2006/main">
+  <p:cSld>
+    <p:spTree>
+      <p:nvGrpSpPr>
+        <p:cNvPr id="1" name=""/>
+        <p:cNvGrpSpPr/>
+        <p:nvPr/>
+      </p:nvGrpSpPr>
+      <p:grpSpPr>
+        <a:xfrm>
+          <a:off x="0" y="0"/>
+          <a:ext cx="0" cy="0"/>
+          <a:chOff x="0" y="0"/>
+          <a:chExt cx="0" cy="0"/>
+        </a:xfrm>
+      </p:grpSpPr>
+      <p:sp>
+        <p:nvSpPr>
+          <p:cNvPr id="5" name="TextBox 4"/>
+          <p:cNvSpPr txBox="1"/>
+          <p:nvPr/>
+        </p:nvSpPr>
+        <p:spPr>
+          <a:xfrm>
+            <a:off x="144378" y="216540"/>
+            <a:ext cx="877163" cy="553998"/>
+          </a:xfrm>
+          <a:prstGeom prst="rect">
+            <a:avLst/>
+          </a:prstGeom>
+          <a:noFill/>
+        </p:spPr>
+        <p:txBody>
+          <a:bodyPr wrap="none">
+            <a:spAutoFit/>
+          </a:bodyPr>
+          <a:lstStyle/>
+          <a:p>
+            <a:pPr lvl="0">
+              <a:defRPr/>
+            </a:pPr>
+            <a:r>
+              <a:rPr lang="ko-KR" altLang="en-US" sz="3000" b="1" spc="-300" dirty="0">
+                <a:solidFill>
+                  <a:schemeClr val="accent6"/>
+                </a:solidFill>
+              </a:rPr>
+              <a:t>서론</a:t>
+            </a:r>
+            <a:endParaRPr lang="en-US" altLang="ko-KR" sz="3000" b="1" spc="-300" dirty="0">
+              <a:solidFill>
+                <a:schemeClr val="accent6"/>
+              </a:solidFill>
+            </a:endParaRPr>
+          </a:p>
+        </p:txBody>
+      </p:sp>
+      <p:cxnSp>
+        <p:nvCxnSpPr>
+          <p:cNvPr id="4" name="직선 연결선 2">
+            <a:extLst>
+              <a:ext uri="{FF2B5EF4-FFF2-40B4-BE49-F238E27FC236}">
+                <a16:creationId xmlns:a16="http://schemas.microsoft.com/office/drawing/2014/main" id="{DCBCB93F-2FF0-C990-0119-15E3F3428357}"/>
+              </a:ext>
+            </a:extLst>
+          </p:cNvPr>
+          <p:cNvCxnSpPr>
+            <a:cxnSpLocks/>
+          </p:cNvCxnSpPr>
+          <p:nvPr/>
+        </p:nvCxnSpPr>
+        <p:spPr>
+          <a:xfrm>
+            <a:off x="0" y="160422"/>
+            <a:ext cx="12204378" cy="0"/>
+          </a:xfrm>
+          <a:prstGeom prst="line">
+            <a:avLst/>
+          </a:prstGeom>
+          <a:ln w="76200">
+            <a:solidFill>
+              <a:schemeClr val="accent6"/>
+            </a:solidFill>
+          </a:ln>
+        </p:spPr>
+        <p:style>
+          <a:lnRef idx="1">
+            <a:schemeClr val="accent1"/>
+          </a:lnRef>
+          <a:fillRef idx="0">
+            <a:schemeClr val="accent1"/>
+          </a:fillRef>
+          <a:effectRef idx="0">
+            <a:schemeClr val="accent1"/>
+          </a:effectRef>
+          <a:fontRef idx="minor">
+            <a:schemeClr val="tx1"/>
+          </a:fontRef>
+        </p:style>
+      </p:cxnSp>
+      <p:pic>
+        <p:nvPicPr>
+          <p:cNvPr id="8" name="그림 7">
+            <a:extLst>
+              <a:ext uri="{FF2B5EF4-FFF2-40B4-BE49-F238E27FC236}">
+                <a16:creationId xmlns:a16="http://schemas.microsoft.com/office/drawing/2014/main" id="{44E99B9F-2129-D952-AD38-57BA87217A86}"/>
+              </a:ext>
+            </a:extLst>
+          </p:cNvPr>
+          <p:cNvPicPr>
+            <a:picLocks noChangeAspect="1"/>
+          </p:cNvPicPr>
+          <p:nvPr/>
+        </p:nvPicPr>
+        <p:blipFill>
+          <a:blip r:embed="rId3">
+            <a:alphaModFix amt="20000"/>
+          </a:blip>
+          <a:stretch>
+            <a:fillRect/>
+          </a:stretch>
+        </p:blipFill>
+        <p:spPr>
+          <a:xfrm>
+            <a:off x="10413678" y="98543"/>
+            <a:ext cx="1790700" cy="1828800"/>
+          </a:xfrm>
+          <a:prstGeom prst="rect">
+            <a:avLst/>
+          </a:prstGeom>
+        </p:spPr>
+      </p:pic>
+      <p:pic>
+        <p:nvPicPr>
+          <p:cNvPr id="1026" name="Picture 2">
+            <a:extLst>
+              <a:ext uri="{FF2B5EF4-FFF2-40B4-BE49-F238E27FC236}">
+                <a16:creationId xmlns:a16="http://schemas.microsoft.com/office/drawing/2014/main" id="{D0FA83D3-24E1-375E-5C7E-0B23F54D61A7}"/>
+              </a:ext>
+            </a:extLst>
+          </p:cNvPr>
+          <p:cNvPicPr>
+            <a:picLocks noChangeAspect="1" noChangeArrowheads="1"/>
+          </p:cNvPicPr>
+          <p:nvPr/>
+        </p:nvPicPr>
+        <p:blipFill>
+          <a:blip r:embed="rId4">
+            <a:extLst>
+              <a:ext uri="{28A0092B-C50C-407E-A947-70E740481C1C}">
+                <a14:useLocalDpi xmlns:a14="http://schemas.microsoft.com/office/drawing/2010/main" val="0"/>
+              </a:ext>
+            </a:extLst>
+          </a:blip>
+          <a:srcRect/>
+          <a:stretch>
+            <a:fillRect/>
+          </a:stretch>
+        </p:blipFill>
+        <p:spPr bwMode="auto">
+          <a:xfrm>
+            <a:off x="0" y="1724511"/>
+            <a:ext cx="6403476" cy="3126403"/>
+          </a:xfrm>
+          <a:prstGeom prst="rect">
+            <a:avLst/>
+          </a:prstGeom>
+          <a:noFill/>
+          <a:extLst>
+            <a:ext uri="{909E8E84-426E-40DD-AFC4-6F175D3DCCD1}">
+              <a14:hiddenFill xmlns:a14="http://schemas.microsoft.com/office/drawing/2010/main">
+                <a:solidFill>
+                  <a:srgbClr val="FFFFFF"/>
+                </a:solidFill>
+              </a14:hiddenFill>
+            </a:ext>
+          </a:extLst>
+        </p:spPr>
+      </p:pic>
+      <p:sp>
+        <p:nvSpPr>
+          <p:cNvPr id="2" name="TextBox 1">
+            <a:extLst>
+              <a:ext uri="{FF2B5EF4-FFF2-40B4-BE49-F238E27FC236}">
+                <a16:creationId xmlns:a16="http://schemas.microsoft.com/office/drawing/2014/main" id="{4FEC964B-1A2E-DD22-CBA6-4D8B5D73ED92}"/>
+              </a:ext>
+            </a:extLst>
+          </p:cNvPr>
+          <p:cNvSpPr txBox="1"/>
+          <p:nvPr/>
+        </p:nvSpPr>
+        <p:spPr>
+          <a:xfrm>
+            <a:off x="166067" y="1054752"/>
+            <a:ext cx="6755375" cy="1015663"/>
+          </a:xfrm>
+          <a:prstGeom prst="rect">
+            <a:avLst/>
+          </a:prstGeom>
+          <a:noFill/>
+        </p:spPr>
+        <p:txBody>
+          <a:bodyPr wrap="none" rtlCol="0">
+            <a:spAutoFit/>
+          </a:bodyPr>
+          <a:lstStyle/>
+          <a:p>
+            <a:r>
+              <a:rPr kumimoji="1" lang="ko-KR" altLang="en-US" sz="2000" b="1" dirty="0"/>
+              <a:t>모드 붕괴 </a:t>
+            </a:r>
+            <a:r>
+              <a:rPr kumimoji="1" lang="en-US" altLang="ko-KR" sz="2000" b="1" dirty="0"/>
+              <a:t>(Mode </a:t>
+            </a:r>
+            <a:r>
+              <a:rPr kumimoji="1" lang="en" altLang="ko-KR" sz="2000" b="1" dirty="0"/>
+              <a:t>C</a:t>
+            </a:r>
+            <a:r>
+              <a:rPr lang="en" altLang="ko-KR" sz="2000" b="1" dirty="0">
+                <a:effectLst/>
+              </a:rPr>
+              <a:t>ollapse</a:t>
+            </a:r>
+            <a:r>
+              <a:rPr kumimoji="1" lang="en-US" altLang="ko-KR" sz="2000" b="1" dirty="0">
+                <a:effectLst/>
+              </a:rPr>
+              <a:t>)</a:t>
+            </a:r>
+          </a:p>
+          <a:p>
+            <a:r>
+              <a:rPr lang="ko-KR" altLang="en-US" sz="2000" b="1" i="0" u="none" strike="noStrike" dirty="0">
+                <a:effectLst/>
+                <a:ea typeface="NanumGothic" panose="020D0604000000000000" pitchFamily="34" charset="-127"/>
+              </a:rPr>
+              <a:t>생성자가 입력 값을 하나의 </a:t>
+            </a:r>
+            <a:r>
+              <a:rPr lang="en" altLang="ko-KR" sz="2000" b="1" i="0" u="none" strike="noStrike" dirty="0">
+                <a:effectLst/>
+                <a:ea typeface="NanumGothic" panose="020D0604000000000000" pitchFamily="34" charset="-127"/>
+              </a:rPr>
+              <a:t>mode</a:t>
+            </a:r>
+            <a:r>
+              <a:rPr lang="ko-KR" altLang="en-US" sz="2000" b="1" i="0" u="none" strike="noStrike" dirty="0">
+                <a:effectLst/>
+                <a:ea typeface="NanumGothic" panose="020D0604000000000000" pitchFamily="34" charset="-127"/>
+              </a:rPr>
+              <a:t>에 치우쳐 변환시키는 현상</a:t>
+            </a:r>
+            <a:endParaRPr lang="ko-KR" altLang="en-US" sz="2000" b="1" i="0" u="none" strike="noStrike" dirty="0">
+              <a:effectLst/>
+            </a:endParaRPr>
+          </a:p>
+          <a:p>
+            <a:endParaRPr lang="en" altLang="ko-KR" sz="2000" b="1" dirty="0">
+              <a:effectLst/>
+            </a:endParaRPr>
+          </a:p>
+        </p:txBody>
+      </p:sp>
+      <p:pic>
+        <p:nvPicPr>
+          <p:cNvPr id="1028" name="Picture 4" descr="image">
+            <a:extLst>
+              <a:ext uri="{FF2B5EF4-FFF2-40B4-BE49-F238E27FC236}">
+                <a16:creationId xmlns:a16="http://schemas.microsoft.com/office/drawing/2014/main" id="{8CAA5C94-6942-C4F1-7297-301CE487F738}"/>
+              </a:ext>
+            </a:extLst>
+          </p:cNvPr>
+          <p:cNvPicPr>
+            <a:picLocks noChangeAspect="1" noChangeArrowheads="1"/>
+          </p:cNvPicPr>
+          <p:nvPr/>
+        </p:nvPicPr>
+        <p:blipFill>
+          <a:blip r:embed="rId5">
+            <a:extLst>
+              <a:ext uri="{28A0092B-C50C-407E-A947-70E740481C1C}">
+                <a14:useLocalDpi xmlns:a14="http://schemas.microsoft.com/office/drawing/2010/main" val="0"/>
+              </a:ext>
+            </a:extLst>
+          </a:blip>
+          <a:srcRect/>
+          <a:stretch>
+            <a:fillRect/>
+          </a:stretch>
+        </p:blipFill>
+        <p:spPr bwMode="auto">
+          <a:xfrm>
+            <a:off x="6403475" y="1893377"/>
+            <a:ext cx="5077800" cy="3906000"/>
+          </a:xfrm>
+          <a:prstGeom prst="rect">
+            <a:avLst/>
+          </a:prstGeom>
+          <a:noFill/>
+          <a:extLst>
+            <a:ext uri="{909E8E84-426E-40DD-AFC4-6F175D3DCCD1}">
+              <a14:hiddenFill xmlns:a14="http://schemas.microsoft.com/office/drawing/2010/main">
+                <a:solidFill>
+                  <a:srgbClr val="FFFFFF"/>
+                </a:solidFill>
+              </a14:hiddenFill>
+            </a:ext>
+          </a:extLst>
+        </p:spPr>
+      </p:pic>
+      <p:sp>
+        <p:nvSpPr>
+          <p:cNvPr id="7" name="TextBox 6">
+            <a:extLst>
+              <a:ext uri="{FF2B5EF4-FFF2-40B4-BE49-F238E27FC236}">
+                <a16:creationId xmlns:a16="http://schemas.microsoft.com/office/drawing/2014/main" id="{8149888C-56DE-9E27-D496-92AE516B3D21}"/>
+              </a:ext>
+            </a:extLst>
+          </p:cNvPr>
+          <p:cNvSpPr txBox="1"/>
+          <p:nvPr/>
+        </p:nvSpPr>
+        <p:spPr>
+          <a:xfrm>
+            <a:off x="5838533" y="5614300"/>
+            <a:ext cx="6365845" cy="707886"/>
+          </a:xfrm>
+          <a:prstGeom prst="rect">
+            <a:avLst/>
+          </a:prstGeom>
+          <a:noFill/>
+        </p:spPr>
+        <p:txBody>
+          <a:bodyPr wrap="none" rtlCol="0">
+            <a:spAutoFit/>
+          </a:bodyPr>
+          <a:lstStyle/>
+          <a:p>
+            <a:r>
+              <a:rPr kumimoji="1" lang="ko-KR" altLang="en-US" sz="2000" b="1" dirty="0"/>
+              <a:t>수렴 </a:t>
+            </a:r>
+            <a:r>
+              <a:rPr kumimoji="1" lang="en-US" altLang="ko-KR" sz="2000" b="1" dirty="0"/>
+              <a:t>(convergence)</a:t>
+            </a:r>
+          </a:p>
+          <a:p>
+            <a:r>
+              <a:rPr kumimoji="1" lang="ko-KR" altLang="en-US" sz="2000" b="1" dirty="0"/>
+              <a:t>판별자와 생성자 간의 학습이 비슷하게 이뤄지는 지점</a:t>
+            </a:r>
+            <a:endParaRPr kumimoji="1" lang="en-US" altLang="ko-KR" sz="2000" b="1" dirty="0"/>
+          </a:p>
+        </p:txBody>
+      </p:sp>
+      <p:cxnSp>
+        <p:nvCxnSpPr>
+          <p:cNvPr id="9" name="직선 연결선 5">
+            <a:extLst>
+              <a:ext uri="{FF2B5EF4-FFF2-40B4-BE49-F238E27FC236}">
+                <a16:creationId xmlns:a16="http://schemas.microsoft.com/office/drawing/2014/main" id="{0A0E9AE5-6D9D-D97F-5FDB-A4F79CA4C0A2}"/>
+              </a:ext>
+            </a:extLst>
+          </p:cNvPr>
+          <p:cNvCxnSpPr/>
+          <p:nvPr/>
+        </p:nvCxnSpPr>
+        <p:spPr>
+          <a:xfrm>
+            <a:off x="144378" y="6751973"/>
+            <a:ext cx="12060000" cy="0"/>
+          </a:xfrm>
+          <a:prstGeom prst="line">
+            <a:avLst/>
+          </a:prstGeom>
+          <a:ln w="3175">
+            <a:solidFill>
+              <a:schemeClr val="accent6"/>
+            </a:solidFill>
+          </a:ln>
+        </p:spPr>
+        <p:style>
+          <a:lnRef idx="1">
+            <a:schemeClr val="accent1"/>
+          </a:lnRef>
+          <a:fillRef idx="0">
+            <a:schemeClr val="accent1"/>
+          </a:fillRef>
+          <a:effectRef idx="0">
+            <a:schemeClr val="accent1"/>
+          </a:effectRef>
+          <a:fontRef idx="minor">
+            <a:schemeClr val="tx1"/>
+          </a:fontRef>
+        </p:style>
+      </p:cxnSp>
+    </p:spTree>
+    <p:extLst>
+      <p:ext uri="{BB962C8B-B14F-4D97-AF65-F5344CB8AC3E}">
+        <p14:creationId xmlns:p14="http://schemas.microsoft.com/office/powerpoint/2010/main" val="3987709664"/>
+      </p:ext>
+    </p:extLst>
+  </p:cSld>
+  <p:clrMapOvr>
+    <a:masterClrMapping/>
+  </p:clrMapOvr>
+  <mc:AlternateContent xmlns:mc="http://schemas.openxmlformats.org/markup-compatibility/2006" xmlns:p14="http://schemas.microsoft.com/office/powerpoint/2010/main">
+    <mc:Choice Requires="p14">
+      <p:transition/>
+    </mc:Choice>
+    <mc:Fallback xmlns="" xmlns:c="http://schemas.openxmlformats.org/drawingml/2006/chart" xmlns:dgm="http://schemas.openxmlformats.org/drawingml/2006/diagram" xmlns:dsp="http://schemas.microsoft.com/office/drawing/2008/diagram">
+      <p:transition/>
+    </mc:Fallback>
+  </mc:AlternateContent>
+</p:sld>
+</file>
+
+<file path=ppt/slides/slide6.xml><?xml version="1.0" encoding="utf-8"?>
+<p:sld xmlns:a="http://schemas.openxmlformats.org/drawingml/2006/main" xmlns:r="http://schemas.openxmlformats.org/officeDocument/2006/relationships" xmlns:p="http://schemas.openxmlformats.org/presentationml/2006/main">
+  <p:cSld>
+    <p:spTree>
+      <p:nvGrpSpPr>
+        <p:cNvPr id="1" name=""/>
+        <p:cNvGrpSpPr/>
+        <p:nvPr/>
+      </p:nvGrpSpPr>
+      <p:grpSpPr>
+        <a:xfrm>
+          <a:off x="0" y="0"/>
+          <a:ext cx="0" cy="0"/>
+          <a:chOff x="0" y="0"/>
+          <a:chExt cx="0" cy="0"/>
+        </a:xfrm>
+      </p:grpSpPr>
+      <p:sp>
+        <p:nvSpPr>
+          <p:cNvPr id="5" name="TextBox 4"/>
+          <p:cNvSpPr txBox="1"/>
+          <p:nvPr/>
+        </p:nvSpPr>
+        <p:spPr>
+          <a:xfrm>
+            <a:off x="144378" y="216540"/>
+            <a:ext cx="877163" cy="553998"/>
+          </a:xfrm>
+          <a:prstGeom prst="rect">
+            <a:avLst/>
+          </a:prstGeom>
+          <a:noFill/>
+        </p:spPr>
+        <p:txBody>
+          <a:bodyPr wrap="none">
+            <a:spAutoFit/>
+          </a:bodyPr>
+          <a:lstStyle/>
+          <a:p>
+            <a:pPr lvl="0">
+              <a:defRPr/>
+            </a:pPr>
+            <a:r>
+              <a:rPr lang="ko-KR" altLang="en-US" sz="3000" b="1" spc="-300" dirty="0">
+                <a:solidFill>
+                  <a:schemeClr val="accent6"/>
+                </a:solidFill>
+              </a:rPr>
+              <a:t>서론</a:t>
+            </a:r>
+            <a:endParaRPr lang="en-US" altLang="ko-KR" sz="3000" b="1" spc="-300" dirty="0">
+              <a:solidFill>
+                <a:schemeClr val="accent6"/>
+              </a:solidFill>
+            </a:endParaRPr>
+          </a:p>
+        </p:txBody>
+      </p:sp>
+      <p:cxnSp>
+        <p:nvCxnSpPr>
+          <p:cNvPr id="4" name="직선 연결선 2">
+            <a:extLst>
+              <a:ext uri="{FF2B5EF4-FFF2-40B4-BE49-F238E27FC236}">
+                <a16:creationId xmlns:a16="http://schemas.microsoft.com/office/drawing/2014/main" id="{DCBCB93F-2FF0-C990-0119-15E3F3428357}"/>
+              </a:ext>
+            </a:extLst>
+          </p:cNvPr>
+          <p:cNvCxnSpPr>
+            <a:cxnSpLocks/>
+          </p:cNvCxnSpPr>
+          <p:nvPr/>
+        </p:nvCxnSpPr>
+        <p:spPr>
+          <a:xfrm>
+            <a:off x="0" y="160422"/>
+            <a:ext cx="12204378" cy="0"/>
+          </a:xfrm>
+          <a:prstGeom prst="line">
+            <a:avLst/>
+          </a:prstGeom>
+          <a:ln w="76200">
+            <a:solidFill>
+              <a:schemeClr val="accent6"/>
+            </a:solidFill>
+          </a:ln>
+        </p:spPr>
+        <p:style>
+          <a:lnRef idx="1">
+            <a:schemeClr val="accent1"/>
+          </a:lnRef>
+          <a:fillRef idx="0">
+            <a:schemeClr val="accent1"/>
+          </a:fillRef>
+          <a:effectRef idx="0">
+            <a:schemeClr val="accent1"/>
+          </a:effectRef>
+          <a:fontRef idx="minor">
+            <a:schemeClr val="tx1"/>
+          </a:fontRef>
+        </p:style>
+      </p:cxnSp>
+      <p:pic>
+        <p:nvPicPr>
+          <p:cNvPr id="8" name="그림 7">
+            <a:extLst>
+              <a:ext uri="{FF2B5EF4-FFF2-40B4-BE49-F238E27FC236}">
+                <a16:creationId xmlns:a16="http://schemas.microsoft.com/office/drawing/2014/main" id="{44E99B9F-2129-D952-AD38-57BA87217A86}"/>
+              </a:ext>
+            </a:extLst>
+          </p:cNvPr>
+          <p:cNvPicPr>
+            <a:picLocks noChangeAspect="1"/>
+          </p:cNvPicPr>
+          <p:nvPr/>
+        </p:nvPicPr>
+        <p:blipFill>
+          <a:blip r:embed="rId3">
+            <a:alphaModFix amt="20000"/>
+          </a:blip>
+          <a:stretch>
+            <a:fillRect/>
+          </a:stretch>
+        </p:blipFill>
+        <p:spPr>
+          <a:xfrm>
+            <a:off x="10413678" y="98543"/>
+            <a:ext cx="1790700" cy="1828800"/>
+          </a:xfrm>
+          <a:prstGeom prst="rect">
+            <a:avLst/>
+          </a:prstGeom>
+        </p:spPr>
+      </p:pic>
+      <p:cxnSp>
+        <p:nvCxnSpPr>
+          <p:cNvPr id="9" name="직선 연결선 5">
+            <a:extLst>
+              <a:ext uri="{FF2B5EF4-FFF2-40B4-BE49-F238E27FC236}">
+                <a16:creationId xmlns:a16="http://schemas.microsoft.com/office/drawing/2014/main" id="{0A0E9AE5-6D9D-D97F-5FDB-A4F79CA4C0A2}"/>
+              </a:ext>
+            </a:extLst>
+          </p:cNvPr>
+          <p:cNvCxnSpPr/>
+          <p:nvPr/>
+        </p:nvCxnSpPr>
+        <p:spPr>
+          <a:xfrm>
+            <a:off x="144378" y="6751973"/>
+            <a:ext cx="12060000" cy="0"/>
+          </a:xfrm>
+          <a:prstGeom prst="line">
+            <a:avLst/>
+          </a:prstGeom>
+          <a:ln w="3175">
+            <a:solidFill>
+              <a:schemeClr val="accent6"/>
+            </a:solidFill>
+          </a:ln>
+        </p:spPr>
+        <p:style>
+          <a:lnRef idx="1">
+            <a:schemeClr val="accent1"/>
+          </a:lnRef>
+          <a:fillRef idx="0">
+            <a:schemeClr val="accent1"/>
+          </a:fillRef>
+          <a:effectRef idx="0">
+            <a:schemeClr val="accent1"/>
+          </a:effectRef>
+          <a:fontRef idx="minor">
+            <a:schemeClr val="tx1"/>
+          </a:fontRef>
+        </p:style>
+      </p:cxnSp>
+      <p:pic>
+        <p:nvPicPr>
+          <p:cNvPr id="9218" name="Picture 2" descr="의료AI | 의료 합성데이터와 GAN 모델">
+            <a:extLst>
+              <a:ext uri="{FF2B5EF4-FFF2-40B4-BE49-F238E27FC236}">
+                <a16:creationId xmlns:a16="http://schemas.microsoft.com/office/drawing/2014/main" id="{7DB6913C-1A97-3CE9-0EC1-323055C223DE}"/>
+              </a:ext>
+            </a:extLst>
+          </p:cNvPr>
+          <p:cNvPicPr>
+            <a:picLocks noChangeAspect="1" noChangeArrowheads="1"/>
+          </p:cNvPicPr>
+          <p:nvPr/>
+        </p:nvPicPr>
+        <p:blipFill>
+          <a:blip r:embed="rId4">
+            <a:extLst>
+              <a:ext uri="{28A0092B-C50C-407E-A947-70E740481C1C}">
+                <a14:useLocalDpi xmlns:a14="http://schemas.microsoft.com/office/drawing/2010/main" val="0"/>
+              </a:ext>
+            </a:extLst>
+          </a:blip>
+          <a:srcRect/>
+          <a:stretch>
+            <a:fillRect/>
+          </a:stretch>
+        </p:blipFill>
+        <p:spPr bwMode="auto">
+          <a:xfrm>
+            <a:off x="2343009" y="770538"/>
+            <a:ext cx="7505981" cy="4386019"/>
+          </a:xfrm>
+          <a:prstGeom prst="rect">
+            <a:avLst/>
+          </a:prstGeom>
+          <a:noFill/>
+          <a:extLst>
+            <a:ext uri="{909E8E84-426E-40DD-AFC4-6F175D3DCCD1}">
+              <a14:hiddenFill xmlns:a14="http://schemas.microsoft.com/office/drawing/2010/main">
+                <a:solidFill>
+                  <a:srgbClr val="FFFFFF"/>
+                </a:solidFill>
+              </a14:hiddenFill>
+            </a:ext>
+          </a:extLst>
+        </p:spPr>
+      </p:pic>
+      <p:sp>
+        <p:nvSpPr>
+          <p:cNvPr id="3" name="TextBox 2">
+            <a:extLst>
+              <a:ext uri="{FF2B5EF4-FFF2-40B4-BE49-F238E27FC236}">
+                <a16:creationId xmlns:a16="http://schemas.microsoft.com/office/drawing/2014/main" id="{238E5E11-BEBF-49CB-6059-8BA958BDC3E0}"/>
+              </a:ext>
+            </a:extLst>
+          </p:cNvPr>
+          <p:cNvSpPr txBox="1"/>
+          <p:nvPr/>
+        </p:nvSpPr>
+        <p:spPr>
+          <a:xfrm>
+            <a:off x="1182466" y="5389689"/>
+            <a:ext cx="9983823" cy="400110"/>
+          </a:xfrm>
+          <a:prstGeom prst="rect">
+            <a:avLst/>
+          </a:prstGeom>
+          <a:noFill/>
+        </p:spPr>
+        <p:txBody>
+          <a:bodyPr wrap="none" rtlCol="0">
+            <a:spAutoFit/>
+          </a:bodyPr>
+          <a:lstStyle/>
+          <a:p>
+            <a:r>
+              <a:rPr kumimoji="1" lang="ko-KR" altLang="en-US" sz="2000" b="1" dirty="0"/>
+              <a:t>민감한 정보를 </a:t>
+            </a:r>
+            <a:r>
+              <a:rPr lang="ko-KR" altLang="en-US" sz="2000" b="1" i="0" u="none" strike="noStrike" dirty="0">
+                <a:solidFill>
+                  <a:srgbClr val="15171A"/>
+                </a:solidFill>
+                <a:effectLst/>
+                <a:latin typeface="NotoSerifKR"/>
+              </a:rPr>
+              <a:t>규정하고 있는 만큼</a:t>
+            </a:r>
+            <a:r>
+              <a:rPr lang="en-US" altLang="ko-KR" sz="2000" b="1" i="0" u="none" strike="noStrike" dirty="0">
+                <a:solidFill>
+                  <a:srgbClr val="15171A"/>
+                </a:solidFill>
+                <a:effectLst/>
+                <a:latin typeface="NotoSerifKR"/>
+              </a:rPr>
+              <a:t>, </a:t>
+            </a:r>
+            <a:r>
+              <a:rPr lang="ko-KR" altLang="en-US" sz="2000" b="1" i="0" u="none" strike="noStrike" dirty="0">
+                <a:solidFill>
+                  <a:srgbClr val="15171A"/>
+                </a:solidFill>
+                <a:effectLst/>
+                <a:latin typeface="NotoSerifKR"/>
+              </a:rPr>
+              <a:t>많은 학습 데이터를 필요로 하는 의료 인공지능 분야</a:t>
+            </a:r>
+            <a:endParaRPr kumimoji="1" lang="ko-KR" altLang="en-US" sz="2000" b="1" dirty="0"/>
+          </a:p>
+        </p:txBody>
+      </p:sp>
+      <p:sp>
+        <p:nvSpPr>
+          <p:cNvPr id="6" name="TextBox 5">
+            <a:extLst>
+              <a:ext uri="{FF2B5EF4-FFF2-40B4-BE49-F238E27FC236}">
+                <a16:creationId xmlns:a16="http://schemas.microsoft.com/office/drawing/2014/main" id="{FB62848D-019B-D408-A568-C24838C83BF1}"/>
+              </a:ext>
+            </a:extLst>
+          </p:cNvPr>
+          <p:cNvSpPr txBox="1"/>
+          <p:nvPr/>
+        </p:nvSpPr>
+        <p:spPr>
+          <a:xfrm>
+            <a:off x="473938" y="6022931"/>
+            <a:ext cx="11400878" cy="400110"/>
+          </a:xfrm>
+          <a:prstGeom prst="rect">
+            <a:avLst/>
+          </a:prstGeom>
+          <a:noFill/>
+        </p:spPr>
+        <p:txBody>
+          <a:bodyPr wrap="none" rtlCol="0">
+            <a:spAutoFit/>
+          </a:bodyPr>
+          <a:lstStyle/>
+          <a:p>
+            <a:r>
+              <a:rPr lang="ko-KR" altLang="en-US" sz="2000" b="1" i="0" u="none" strike="noStrike" dirty="0">
+                <a:solidFill>
+                  <a:srgbClr val="15171A"/>
+                </a:solidFill>
+                <a:effectLst/>
+                <a:latin typeface="inherit"/>
+              </a:rPr>
+              <a:t>정보 주체의 프라이버시를 침해하지 않을 수 있는</a:t>
+            </a:r>
+            <a:r>
+              <a:rPr lang="en-US" altLang="ko-KR" sz="2000" b="1" i="0" u="none" strike="noStrike" dirty="0">
+                <a:solidFill>
+                  <a:srgbClr val="15171A"/>
+                </a:solidFill>
+                <a:effectLst/>
+                <a:latin typeface="inherit"/>
+              </a:rPr>
+              <a:t>, </a:t>
+            </a:r>
+            <a:r>
+              <a:rPr lang="ko-KR" altLang="en-US" sz="2000" b="1" i="0" u="none" strike="noStrike" dirty="0">
+                <a:solidFill>
+                  <a:srgbClr val="15171A"/>
+                </a:solidFill>
+                <a:effectLst/>
+                <a:latin typeface="inherit"/>
+              </a:rPr>
+              <a:t>규제에서 비교적 자유롭다고 여겨지는 합성데이터</a:t>
+            </a:r>
+            <a:endParaRPr kumimoji="1" lang="ko-KR" altLang="en-US" sz="2000" dirty="0"/>
+          </a:p>
+        </p:txBody>
+      </p:sp>
+    </p:spTree>
+    <p:extLst>
+      <p:ext uri="{BB962C8B-B14F-4D97-AF65-F5344CB8AC3E}">
+        <p14:creationId xmlns:p14="http://schemas.microsoft.com/office/powerpoint/2010/main" val="2425348640"/>
+      </p:ext>
+    </p:extLst>
+  </p:cSld>
+  <p:clrMapOvr>
+    <a:masterClrMapping/>
+  </p:clrMapOvr>
+  <mc:AlternateContent xmlns:mc="http://schemas.openxmlformats.org/markup-compatibility/2006" xmlns:p14="http://schemas.microsoft.com/office/powerpoint/2010/main">
+    <mc:Choice Requires="p14">
+      <p:transition/>
+    </mc:Choice>
+    <mc:Fallback xmlns="" xmlns:c="http://schemas.openxmlformats.org/drawingml/2006/chart" xmlns:dgm="http://schemas.openxmlformats.org/drawingml/2006/diagram" xmlns:dsp="http://schemas.microsoft.com/office/drawing/2008/diagram">
+      <p:transition/>
+    </mc:Fallback>
+  </mc:AlternateContent>
+</p:sld>
+</file>
+
+<file path=ppt/slides/slide7.xml><?xml version="1.0" encoding="utf-8"?>
+<p:sld xmlns:a="http://schemas.openxmlformats.org/drawingml/2006/main" xmlns:r="http://schemas.openxmlformats.org/officeDocument/2006/relationships" xmlns:p="http://schemas.openxmlformats.org/presentationml/2006/main">
+  <p:cSld>
+    <p:spTree>
+      <p:nvGrpSpPr>
+        <p:cNvPr id="1" name=""/>
+        <p:cNvGrpSpPr/>
+        <p:nvPr/>
+      </p:nvGrpSpPr>
+      <p:grpSpPr>
+        <a:xfrm>
+          <a:off x="0" y="0"/>
+          <a:ext cx="0" cy="0"/>
+          <a:chOff x="0" y="0"/>
+          <a:chExt cx="0" cy="0"/>
+        </a:xfrm>
+      </p:grpSpPr>
+      <p:sp>
+        <p:nvSpPr>
+          <p:cNvPr id="5" name="TextBox 4"/>
+          <p:cNvSpPr txBox="1"/>
+          <p:nvPr/>
+        </p:nvSpPr>
+        <p:spPr>
+          <a:xfrm>
+            <a:off x="144378" y="216540"/>
+            <a:ext cx="3147015" cy="553998"/>
+          </a:xfrm>
+          <a:prstGeom prst="rect">
+            <a:avLst/>
+          </a:prstGeom>
+          <a:noFill/>
+        </p:spPr>
+        <p:txBody>
+          <a:bodyPr wrap="none">
+            <a:spAutoFit/>
+          </a:bodyPr>
+          <a:lstStyle/>
+          <a:p>
+            <a:pPr lvl="0">
+              <a:defRPr/>
+            </a:pPr>
+            <a:r>
+              <a:rPr lang="ko-KR" altLang="en-US" sz="3000" b="1" spc="-300" dirty="0">
+                <a:solidFill>
+                  <a:schemeClr val="accent6"/>
+                </a:solidFill>
+              </a:rPr>
+              <a:t>관련 연구 </a:t>
+            </a:r>
+            <a:r>
+              <a:rPr lang="en-US" altLang="ko-KR" sz="3000" b="1" spc="-300" dirty="0">
+                <a:solidFill>
+                  <a:schemeClr val="accent6"/>
+                </a:solidFill>
+              </a:rPr>
+              <a:t>(SNGAN)</a:t>
+            </a:r>
+          </a:p>
+        </p:txBody>
+      </p:sp>
+      <p:cxnSp>
+        <p:nvCxnSpPr>
+          <p:cNvPr id="4" name="직선 연결선 2">
+            <a:extLst>
+              <a:ext uri="{FF2B5EF4-FFF2-40B4-BE49-F238E27FC236}">
+                <a16:creationId xmlns:a16="http://schemas.microsoft.com/office/drawing/2014/main" id="{DCBCB93F-2FF0-C990-0119-15E3F3428357}"/>
+              </a:ext>
+            </a:extLst>
+          </p:cNvPr>
+          <p:cNvCxnSpPr>
+            <a:cxnSpLocks/>
+          </p:cNvCxnSpPr>
+          <p:nvPr/>
+        </p:nvCxnSpPr>
+        <p:spPr>
+          <a:xfrm>
+            <a:off x="0" y="160422"/>
+            <a:ext cx="12204378" cy="0"/>
+          </a:xfrm>
+          <a:prstGeom prst="line">
+            <a:avLst/>
+          </a:prstGeom>
+          <a:ln w="76200">
+            <a:solidFill>
+              <a:schemeClr val="accent6"/>
+            </a:solidFill>
+          </a:ln>
+        </p:spPr>
+        <p:style>
+          <a:lnRef idx="1">
+            <a:schemeClr val="accent1"/>
+          </a:lnRef>
+          <a:fillRef idx="0">
+            <a:schemeClr val="accent1"/>
+          </a:fillRef>
+          <a:effectRef idx="0">
+            <a:schemeClr val="accent1"/>
+          </a:effectRef>
+          <a:fontRef idx="minor">
+            <a:schemeClr val="tx1"/>
+          </a:fontRef>
+        </p:style>
+      </p:cxnSp>
+      <p:pic>
+        <p:nvPicPr>
+          <p:cNvPr id="8" name="그림 7">
+            <a:extLst>
+              <a:ext uri="{FF2B5EF4-FFF2-40B4-BE49-F238E27FC236}">
+                <a16:creationId xmlns:a16="http://schemas.microsoft.com/office/drawing/2014/main" id="{44E99B9F-2129-D952-AD38-57BA87217A86}"/>
+              </a:ext>
+            </a:extLst>
+          </p:cNvPr>
+          <p:cNvPicPr>
+            <a:picLocks noChangeAspect="1"/>
+          </p:cNvPicPr>
+          <p:nvPr/>
+        </p:nvPicPr>
+        <p:blipFill>
+          <a:blip r:embed="rId3">
+            <a:alphaModFix amt="20000"/>
+          </a:blip>
+          <a:stretch>
+            <a:fillRect/>
+          </a:stretch>
+        </p:blipFill>
+        <p:spPr>
+          <a:xfrm>
+            <a:off x="10413678" y="98543"/>
+            <a:ext cx="1790700" cy="1828800"/>
+          </a:xfrm>
+          <a:prstGeom prst="rect">
+            <a:avLst/>
+          </a:prstGeom>
+        </p:spPr>
+      </p:pic>
+      <p:pic>
+        <p:nvPicPr>
+          <p:cNvPr id="9" name="그림 8" descr="도표, 평면도, 텍스트, 기술 도면이(가) 표시된 사진&#10;&#10;자동 생성된 설명">
+            <a:extLst>
+              <a:ext uri="{FF2B5EF4-FFF2-40B4-BE49-F238E27FC236}">
+                <a16:creationId xmlns:a16="http://schemas.microsoft.com/office/drawing/2014/main" id="{D93378F6-B767-A86A-52FF-672625D67A9F}"/>
+              </a:ext>
+            </a:extLst>
+          </p:cNvPr>
+          <p:cNvPicPr>
+            <a:picLocks noChangeAspect="1"/>
+          </p:cNvPicPr>
+          <p:nvPr/>
+        </p:nvPicPr>
+        <p:blipFill>
+          <a:blip r:embed="rId4"/>
+          <a:stretch>
+            <a:fillRect/>
+          </a:stretch>
+        </p:blipFill>
+        <p:spPr>
+          <a:xfrm>
+            <a:off x="144378" y="770538"/>
+            <a:ext cx="4709906" cy="5825693"/>
+          </a:xfrm>
+          <a:prstGeom prst="rect">
+            <a:avLst/>
+          </a:prstGeom>
+        </p:spPr>
+      </p:pic>
+      <p:sp>
+        <p:nvSpPr>
+          <p:cNvPr id="10" name="TextBox 9">
+            <a:extLst>
+              <a:ext uri="{FF2B5EF4-FFF2-40B4-BE49-F238E27FC236}">
+                <a16:creationId xmlns:a16="http://schemas.microsoft.com/office/drawing/2014/main" id="{892B437A-80D5-3E2C-2C19-80523426A8A6}"/>
+              </a:ext>
+            </a:extLst>
+          </p:cNvPr>
+          <p:cNvSpPr txBox="1"/>
+          <p:nvPr/>
+        </p:nvSpPr>
+        <p:spPr>
+          <a:xfrm>
+            <a:off x="5568043" y="1927342"/>
+            <a:ext cx="3853542" cy="2246769"/>
+          </a:xfrm>
+          <a:prstGeom prst="rect">
+            <a:avLst/>
+          </a:prstGeom>
+          <a:noFill/>
+        </p:spPr>
+        <p:txBody>
+          <a:bodyPr wrap="square" rtlCol="0">
+            <a:spAutoFit/>
+          </a:bodyPr>
+          <a:lstStyle/>
+          <a:p>
+            <a:r>
+              <a:rPr kumimoji="1" lang="en-US" altLang="ko-KR" sz="2000" b="1" dirty="0"/>
+              <a:t>z = </a:t>
+            </a:r>
+            <a:r>
+              <a:rPr kumimoji="1" lang="ko-KR" altLang="en-US" sz="2000" b="1" dirty="0"/>
+              <a:t>노이즈 벡터</a:t>
+            </a:r>
+            <a:endParaRPr kumimoji="1" lang="en-US" altLang="ko-KR" sz="2000" b="1" dirty="0"/>
+          </a:p>
+          <a:p>
+            <a:endParaRPr kumimoji="1" lang="en-US" altLang="ko-KR" sz="2000" b="1" dirty="0"/>
+          </a:p>
+          <a:p>
+            <a:r>
+              <a:rPr kumimoji="1" lang="en-US" altLang="ko-KR" sz="2000" b="1" dirty="0"/>
+              <a:t>Gen = </a:t>
+            </a:r>
+            <a:r>
+              <a:rPr kumimoji="1" lang="ko-KR" altLang="en-US" sz="2000" b="1" dirty="0"/>
+              <a:t>생성자</a:t>
+            </a:r>
+            <a:endParaRPr kumimoji="1" lang="en-US" altLang="ko-KR" sz="2000" b="1" dirty="0"/>
+          </a:p>
+          <a:p>
+            <a:r>
+              <a:rPr kumimoji="1" lang="en-US" altLang="ko-KR" sz="2000" b="1" dirty="0"/>
+              <a:t>Disc = </a:t>
+            </a:r>
+            <a:r>
+              <a:rPr kumimoji="1" lang="ko-KR" altLang="en-US" sz="2000" b="1" dirty="0" err="1"/>
+              <a:t>판별자</a:t>
+            </a:r>
+            <a:endParaRPr kumimoji="1" lang="en-US" altLang="ko-KR" sz="2000" b="1" dirty="0"/>
+          </a:p>
+          <a:p>
+            <a:endParaRPr kumimoji="1" lang="en-US" altLang="ko-KR" sz="2000" b="1" dirty="0"/>
+          </a:p>
+          <a:p>
+            <a:r>
+              <a:rPr kumimoji="1" lang="en-US" altLang="ko-KR" sz="2000" b="1" dirty="0"/>
+              <a:t>Gen(x) = </a:t>
+            </a:r>
+            <a:r>
+              <a:rPr kumimoji="1" lang="ko-KR" altLang="en-US" sz="2000" b="1" dirty="0"/>
+              <a:t>거짓 데이터</a:t>
+            </a:r>
+            <a:endParaRPr kumimoji="1" lang="en-US" altLang="ko-KR" sz="2000" b="1" dirty="0"/>
+          </a:p>
+          <a:p>
+            <a:r>
+              <a:rPr kumimoji="1" lang="en-US" altLang="ko-KR" sz="2000" b="1" dirty="0"/>
+              <a:t>x = </a:t>
+            </a:r>
+            <a:r>
+              <a:rPr kumimoji="1" lang="ko-KR" altLang="en-US" sz="2000" b="1" dirty="0"/>
+              <a:t>실제 데이터</a:t>
+            </a:r>
+            <a:endParaRPr kumimoji="1" lang="en-US" altLang="ko-KR" sz="2000" b="1" dirty="0"/>
+          </a:p>
+        </p:txBody>
+      </p:sp>
+      <p:sp>
+        <p:nvSpPr>
+          <p:cNvPr id="11" name="TextBox 10">
+            <a:extLst>
+              <a:ext uri="{FF2B5EF4-FFF2-40B4-BE49-F238E27FC236}">
+                <a16:creationId xmlns:a16="http://schemas.microsoft.com/office/drawing/2014/main" id="{32D65BF2-5A5C-C6A7-50C4-3883F374CCAB}"/>
+              </a:ext>
+            </a:extLst>
+          </p:cNvPr>
+          <p:cNvSpPr txBox="1"/>
+          <p:nvPr/>
+        </p:nvSpPr>
+        <p:spPr>
+          <a:xfrm>
+            <a:off x="5562436" y="4930658"/>
+            <a:ext cx="6156494" cy="707886"/>
+          </a:xfrm>
+          <a:prstGeom prst="rect">
+            <a:avLst/>
+          </a:prstGeom>
+          <a:noFill/>
+        </p:spPr>
+        <p:txBody>
+          <a:bodyPr wrap="none" rtlCol="0">
+            <a:spAutoFit/>
+          </a:bodyPr>
+          <a:lstStyle/>
+          <a:p>
+            <a:r>
+              <a:rPr kumimoji="1" lang="en-US" altLang="ko-KR" sz="2000" b="1" dirty="0"/>
+              <a:t>Disc</a:t>
+            </a:r>
+            <a:r>
+              <a:rPr kumimoji="1" lang="ko-KR" altLang="en-US" sz="2000" b="1" dirty="0"/>
+              <a:t>에 </a:t>
+            </a:r>
+            <a:r>
+              <a:rPr kumimoji="1" lang="en-US" altLang="ko-KR" sz="2000" b="1" dirty="0"/>
+              <a:t>Spectral Normalization</a:t>
+            </a:r>
+            <a:r>
+              <a:rPr kumimoji="1" lang="ko-KR" altLang="en-US" sz="2000" b="1" dirty="0"/>
+              <a:t>을 통해 제약을 두어</a:t>
+            </a:r>
+            <a:endParaRPr kumimoji="1" lang="en-US" altLang="ko-KR" sz="2000" b="1" dirty="0"/>
+          </a:p>
+          <a:p>
+            <a:r>
+              <a:rPr kumimoji="1" lang="en-US" altLang="ko-KR" sz="2000" b="1" dirty="0"/>
+              <a:t>Disc</a:t>
+            </a:r>
+            <a:r>
+              <a:rPr kumimoji="1" lang="ko-KR" altLang="en-US" sz="2000" b="1" dirty="0"/>
+              <a:t>가 </a:t>
+            </a:r>
+            <a:r>
+              <a:rPr kumimoji="1" lang="en-US" altLang="ko-KR" sz="2000" b="1" dirty="0"/>
+              <a:t>Gen</a:t>
+            </a:r>
+            <a:r>
+              <a:rPr kumimoji="1" lang="ko-KR" altLang="en-US" sz="2000" b="1" dirty="0"/>
+              <a:t>에 비해 강해지는 것을 막는 것이 목적</a:t>
+            </a:r>
+            <a:r>
+              <a:rPr kumimoji="1" lang="en-US" altLang="ko-KR" sz="2000" b="1" dirty="0"/>
+              <a:t>!</a:t>
+            </a:r>
+            <a:endParaRPr kumimoji="1" lang="ko-KR" altLang="en-US" sz="2000" b="1" dirty="0"/>
+          </a:p>
+        </p:txBody>
+      </p:sp>
+      <p:cxnSp>
+        <p:nvCxnSpPr>
+          <p:cNvPr id="12" name="직선 연결선 5">
+            <a:extLst>
+              <a:ext uri="{FF2B5EF4-FFF2-40B4-BE49-F238E27FC236}">
+                <a16:creationId xmlns:a16="http://schemas.microsoft.com/office/drawing/2014/main" id="{271DECCD-5722-7F17-D70A-8B9B2EF10FE0}"/>
+              </a:ext>
+            </a:extLst>
+          </p:cNvPr>
+          <p:cNvCxnSpPr/>
+          <p:nvPr/>
+        </p:nvCxnSpPr>
+        <p:spPr>
+          <a:xfrm>
+            <a:off x="144378" y="6751973"/>
+            <a:ext cx="12060000" cy="0"/>
+          </a:xfrm>
+          <a:prstGeom prst="line">
+            <a:avLst/>
+          </a:prstGeom>
+          <a:ln w="3175">
+            <a:solidFill>
+              <a:schemeClr val="accent6"/>
+            </a:solidFill>
+          </a:ln>
+        </p:spPr>
+        <p:style>
+          <a:lnRef idx="1">
+            <a:schemeClr val="accent1"/>
+          </a:lnRef>
+          <a:fillRef idx="0">
+            <a:schemeClr val="accent1"/>
+          </a:fillRef>
+          <a:effectRef idx="0">
+            <a:schemeClr val="accent1"/>
+          </a:effectRef>
+          <a:fontRef idx="minor">
+            <a:schemeClr val="tx1"/>
+          </a:fontRef>
+        </p:style>
+      </p:cxnSp>
+    </p:spTree>
+    <p:extLst>
+      <p:ext uri="{BB962C8B-B14F-4D97-AF65-F5344CB8AC3E}">
+        <p14:creationId xmlns:p14="http://schemas.microsoft.com/office/powerpoint/2010/main" val="954997788"/>
+      </p:ext>
+    </p:extLst>
+  </p:cSld>
+  <p:clrMapOvr>
+    <a:masterClrMapping/>
+  </p:clrMapOvr>
+  <mc:AlternateContent xmlns:mc="http://schemas.openxmlformats.org/markup-compatibility/2006" xmlns:p14="http://schemas.microsoft.com/office/powerpoint/2010/main">
+    <mc:Choice Requires="p14">
+      <p:transition/>
+    </mc:Choice>
+    <mc:Fallback xmlns="" xmlns:c="http://schemas.openxmlformats.org/drawingml/2006/chart" xmlns:dgm="http://schemas.openxmlformats.org/drawingml/2006/diagram" xmlns:dsp="http://schemas.microsoft.com/office/drawing/2008/diagram">
+      <p:transition/>
+    </mc:Fallback>
+  </mc:AlternateContent>
+</p:sld>
+</file>
+
+<file path=ppt/slides/slide8.xml><?xml version="1.0" encoding="utf-8"?>
+<p:sld xmlns:a="http://schemas.openxmlformats.org/drawingml/2006/main" xmlns:r="http://schemas.openxmlformats.org/officeDocument/2006/relationships" xmlns:p="http://schemas.openxmlformats.org/presentationml/2006/main">
+  <p:cSld>
+    <p:spTree>
+      <p:nvGrpSpPr>
+        <p:cNvPr id="1" name=""/>
+        <p:cNvGrpSpPr/>
+        <p:nvPr/>
+      </p:nvGrpSpPr>
+      <p:grpSpPr>
+        <a:xfrm>
+          <a:off x="0" y="0"/>
+          <a:ext cx="0" cy="0"/>
+          <a:chOff x="0" y="0"/>
+          <a:chExt cx="0" cy="0"/>
+        </a:xfrm>
+      </p:grpSpPr>
+      <p:sp>
+        <p:nvSpPr>
+          <p:cNvPr id="5" name="TextBox 4"/>
+          <p:cNvSpPr txBox="1"/>
+          <p:nvPr/>
+        </p:nvSpPr>
+        <p:spPr>
+          <a:xfrm>
+            <a:off x="144378" y="216540"/>
+            <a:ext cx="4901150" cy="553998"/>
+          </a:xfrm>
+          <a:prstGeom prst="rect">
+            <a:avLst/>
+          </a:prstGeom>
+          <a:noFill/>
+        </p:spPr>
+        <p:txBody>
+          <a:bodyPr wrap="none">
+            <a:spAutoFit/>
+          </a:bodyPr>
+          <a:lstStyle/>
+          <a:p>
+            <a:pPr lvl="0">
+              <a:defRPr/>
+            </a:pPr>
+            <a:r>
+              <a:rPr lang="ko-KR" altLang="en-US" sz="3000" b="1" spc="-300" dirty="0">
+                <a:solidFill>
+                  <a:schemeClr val="accent6"/>
+                </a:solidFill>
+              </a:rPr>
+              <a:t>제안한 방법 </a:t>
+            </a:r>
+            <a:r>
+              <a:rPr lang="en-US" altLang="ko-KR" sz="3000" b="1" spc="-300" dirty="0">
+                <a:solidFill>
+                  <a:schemeClr val="accent6"/>
+                </a:solidFill>
+              </a:rPr>
+              <a:t>(Parallel Generator)</a:t>
+            </a:r>
+          </a:p>
+        </p:txBody>
+      </p:sp>
+      <p:cxnSp>
+        <p:nvCxnSpPr>
+          <p:cNvPr id="4" name="직선 연결선 2">
+            <a:extLst>
+              <a:ext uri="{FF2B5EF4-FFF2-40B4-BE49-F238E27FC236}">
+                <a16:creationId xmlns:a16="http://schemas.microsoft.com/office/drawing/2014/main" id="{DCBCB93F-2FF0-C990-0119-15E3F3428357}"/>
+              </a:ext>
+            </a:extLst>
+          </p:cNvPr>
+          <p:cNvCxnSpPr>
+            <a:cxnSpLocks/>
+          </p:cNvCxnSpPr>
+          <p:nvPr/>
+        </p:nvCxnSpPr>
+        <p:spPr>
+          <a:xfrm>
+            <a:off x="0" y="160422"/>
+            <a:ext cx="12204378" cy="0"/>
+          </a:xfrm>
+          <a:prstGeom prst="line">
+            <a:avLst/>
+          </a:prstGeom>
+          <a:ln w="76200">
+            <a:solidFill>
+              <a:schemeClr val="accent6"/>
+            </a:solidFill>
+          </a:ln>
+        </p:spPr>
+        <p:style>
+          <a:lnRef idx="1">
+            <a:schemeClr val="accent1"/>
+          </a:lnRef>
+          <a:fillRef idx="0">
+            <a:schemeClr val="accent1"/>
+          </a:fillRef>
+          <a:effectRef idx="0">
+            <a:schemeClr val="accent1"/>
+          </a:effectRef>
+          <a:fontRef idx="minor">
+            <a:schemeClr val="tx1"/>
+          </a:fontRef>
+        </p:style>
+      </p:cxnSp>
+      <p:pic>
+        <p:nvPicPr>
+          <p:cNvPr id="8" name="그림 7">
+            <a:extLst>
+              <a:ext uri="{FF2B5EF4-FFF2-40B4-BE49-F238E27FC236}">
+                <a16:creationId xmlns:a16="http://schemas.microsoft.com/office/drawing/2014/main" id="{44E99B9F-2129-D952-AD38-57BA87217A86}"/>
+              </a:ext>
+            </a:extLst>
+          </p:cNvPr>
+          <p:cNvPicPr>
+            <a:picLocks noChangeAspect="1"/>
+          </p:cNvPicPr>
+          <p:nvPr/>
+        </p:nvPicPr>
+        <p:blipFill>
+          <a:blip r:embed="rId3">
+            <a:alphaModFix amt="20000"/>
+          </a:blip>
+          <a:stretch>
+            <a:fillRect/>
+          </a:stretch>
+        </p:blipFill>
+        <p:spPr>
+          <a:xfrm>
+            <a:off x="10413678" y="98543"/>
+            <a:ext cx="1790700" cy="1828800"/>
+          </a:xfrm>
+          <a:prstGeom prst="rect">
+            <a:avLst/>
+          </a:prstGeom>
+        </p:spPr>
+      </p:pic>
+      <p:cxnSp>
+        <p:nvCxnSpPr>
+          <p:cNvPr id="13" name="직선 연결선 5">
+            <a:extLst>
+              <a:ext uri="{FF2B5EF4-FFF2-40B4-BE49-F238E27FC236}">
+                <a16:creationId xmlns:a16="http://schemas.microsoft.com/office/drawing/2014/main" id="{E26C28FB-4DB9-5B6C-C014-CA88F7844AD5}"/>
+              </a:ext>
+            </a:extLst>
+          </p:cNvPr>
+          <p:cNvCxnSpPr/>
+          <p:nvPr/>
+        </p:nvCxnSpPr>
+        <p:spPr>
+          <a:xfrm>
+            <a:off x="144378" y="6751973"/>
+            <a:ext cx="12060000" cy="0"/>
+          </a:xfrm>
+          <a:prstGeom prst="line">
+            <a:avLst/>
+          </a:prstGeom>
+          <a:ln w="3175">
+            <a:solidFill>
+              <a:schemeClr val="accent6"/>
+            </a:solidFill>
+          </a:ln>
+        </p:spPr>
+        <p:style>
+          <a:lnRef idx="1">
+            <a:schemeClr val="accent1"/>
+          </a:lnRef>
+          <a:fillRef idx="0">
+            <a:schemeClr val="accent1"/>
+          </a:fillRef>
+          <a:effectRef idx="0">
+            <a:schemeClr val="accent1"/>
+          </a:effectRef>
+          <a:fontRef idx="minor">
+            <a:schemeClr val="tx1"/>
+          </a:fontRef>
+        </p:style>
+      </p:cxnSp>
+      <p:pic>
+        <p:nvPicPr>
+          <p:cNvPr id="6" name="그림 5">
+            <a:extLst>
+              <a:ext uri="{FF2B5EF4-FFF2-40B4-BE49-F238E27FC236}">
+                <a16:creationId xmlns:a16="http://schemas.microsoft.com/office/drawing/2014/main" id="{ED17C89C-E3E2-BBCD-70F2-F5F240532608}"/>
+              </a:ext>
+            </a:extLst>
+          </p:cNvPr>
+          <p:cNvPicPr>
+            <a:picLocks noChangeAspect="1"/>
+          </p:cNvPicPr>
+          <p:nvPr/>
+        </p:nvPicPr>
+        <p:blipFill>
+          <a:blip r:embed="rId4"/>
+          <a:stretch>
+            <a:fillRect/>
+          </a:stretch>
+        </p:blipFill>
+        <p:spPr>
+          <a:xfrm>
+            <a:off x="144378" y="1017242"/>
+            <a:ext cx="4525593" cy="4823516"/>
+          </a:xfrm>
+          <a:prstGeom prst="rect">
+            <a:avLst/>
+          </a:prstGeom>
+        </p:spPr>
+      </p:pic>
+      <p:sp>
+        <p:nvSpPr>
+          <p:cNvPr id="9" name="TextBox 8">
+            <a:extLst>
+              <a:ext uri="{FF2B5EF4-FFF2-40B4-BE49-F238E27FC236}">
+                <a16:creationId xmlns:a16="http://schemas.microsoft.com/office/drawing/2014/main" id="{9AD1BF07-90C8-8CDD-DE06-4ED4A6F928EA}"/>
+              </a:ext>
+            </a:extLst>
+          </p:cNvPr>
+          <p:cNvSpPr txBox="1"/>
+          <p:nvPr/>
+        </p:nvSpPr>
+        <p:spPr>
+          <a:xfrm>
+            <a:off x="5615053" y="1797784"/>
+            <a:ext cx="3853542" cy="1631216"/>
+          </a:xfrm>
+          <a:prstGeom prst="rect">
+            <a:avLst/>
+          </a:prstGeom>
+          <a:noFill/>
+        </p:spPr>
+        <p:txBody>
+          <a:bodyPr wrap="square" rtlCol="0">
+            <a:spAutoFit/>
+          </a:bodyPr>
+          <a:lstStyle/>
+          <a:p>
+            <a:r>
+              <a:rPr kumimoji="1" lang="en-US" altLang="ko-KR" sz="2000" b="1" dirty="0"/>
+              <a:t>Gen1 =</a:t>
+            </a:r>
+            <a:r>
+              <a:rPr kumimoji="1" lang="ko-KR" altLang="en-US" sz="2000" b="1" dirty="0"/>
+              <a:t> 생성자</a:t>
+            </a:r>
+            <a:r>
+              <a:rPr kumimoji="1" lang="en-US" altLang="ko-KR" sz="2000" b="1" dirty="0"/>
+              <a:t>1</a:t>
+            </a:r>
+          </a:p>
+          <a:p>
+            <a:r>
+              <a:rPr kumimoji="1" lang="en-US" altLang="ko-KR" sz="2000" b="1" dirty="0"/>
+              <a:t>Gen2 = </a:t>
+            </a:r>
+            <a:r>
+              <a:rPr kumimoji="1" lang="ko-KR" altLang="en-US" sz="2000" b="1" dirty="0"/>
+              <a:t>생성자</a:t>
+            </a:r>
+            <a:r>
+              <a:rPr kumimoji="1" lang="en-US" altLang="ko-KR" sz="2000" b="1" dirty="0"/>
+              <a:t>2</a:t>
+            </a:r>
+          </a:p>
+          <a:p>
+            <a:endParaRPr kumimoji="1" lang="en-US" altLang="ko-KR" sz="2000" b="1" dirty="0"/>
+          </a:p>
+          <a:p>
+            <a:r>
+              <a:rPr kumimoji="1" lang="en-US" altLang="ko-KR" sz="2000" b="1" dirty="0"/>
+              <a:t>Gen1(z) = </a:t>
+            </a:r>
+            <a:r>
+              <a:rPr kumimoji="1" lang="ko-KR" altLang="en-US" sz="2000" b="1" dirty="0"/>
+              <a:t>거짓 데이터</a:t>
+            </a:r>
+            <a:r>
+              <a:rPr kumimoji="1" lang="en-US" altLang="ko-KR" sz="2000" b="1" dirty="0"/>
+              <a:t>1</a:t>
+            </a:r>
+          </a:p>
+          <a:p>
+            <a:r>
+              <a:rPr kumimoji="1" lang="en-US" altLang="ko-KR" sz="2000" b="1" dirty="0"/>
+              <a:t>Gen2(z) = </a:t>
+            </a:r>
+            <a:r>
+              <a:rPr kumimoji="1" lang="ko-KR" altLang="en-US" sz="2000" b="1" dirty="0"/>
+              <a:t>거짓 데이터</a:t>
+            </a:r>
+            <a:r>
+              <a:rPr kumimoji="1" lang="en-US" altLang="ko-KR" sz="2000" b="1" dirty="0"/>
+              <a:t>2</a:t>
+            </a:r>
+          </a:p>
+        </p:txBody>
+      </p:sp>
+      <p:sp>
+        <p:nvSpPr>
+          <p:cNvPr id="11" name="TextBox 10">
+            <a:extLst>
+              <a:ext uri="{FF2B5EF4-FFF2-40B4-BE49-F238E27FC236}">
+                <a16:creationId xmlns:a16="http://schemas.microsoft.com/office/drawing/2014/main" id="{08366ED8-B126-507C-04BE-3830CB2A22FE}"/>
+              </a:ext>
+            </a:extLst>
+          </p:cNvPr>
+          <p:cNvSpPr txBox="1"/>
+          <p:nvPr/>
+        </p:nvSpPr>
+        <p:spPr>
+          <a:xfrm>
+            <a:off x="5615053" y="3986272"/>
+            <a:ext cx="5920210" cy="1631216"/>
+          </a:xfrm>
+          <a:prstGeom prst="rect">
+            <a:avLst/>
+          </a:prstGeom>
+          <a:noFill/>
+        </p:spPr>
+        <p:txBody>
+          <a:bodyPr wrap="none" rtlCol="0">
+            <a:spAutoFit/>
+          </a:bodyPr>
+          <a:lstStyle/>
+          <a:p>
+            <a:r>
+              <a:rPr kumimoji="1" lang="ko-KR" altLang="en-US" sz="2000" b="1" dirty="0"/>
+              <a:t>기존 </a:t>
+            </a:r>
+            <a:r>
+              <a:rPr kumimoji="1" lang="en-US" altLang="ko-KR" sz="2000" b="1" dirty="0"/>
+              <a:t>GAN</a:t>
+            </a:r>
+            <a:r>
+              <a:rPr kumimoji="1" lang="ko-KR" altLang="en-US" sz="2000" b="1" dirty="0"/>
+              <a:t>의 방법론과는 다르게</a:t>
+            </a:r>
+            <a:r>
+              <a:rPr kumimoji="1" lang="en-US" altLang="ko-KR" sz="2000" b="1" dirty="0"/>
+              <a:t>(2</a:t>
+            </a:r>
+            <a:r>
+              <a:rPr kumimoji="1" lang="ko-KR" altLang="en-US" sz="2000" b="1" dirty="0"/>
+              <a:t>개 데이터</a:t>
+            </a:r>
+            <a:r>
+              <a:rPr kumimoji="1" lang="en-US" altLang="ko-KR" sz="2000" b="1" dirty="0"/>
+              <a:t>)</a:t>
+            </a:r>
+          </a:p>
+          <a:p>
+            <a:r>
+              <a:rPr kumimoji="1" lang="ko-KR" altLang="en-US" sz="2000" b="1" dirty="0"/>
+              <a:t>판별자에 총 세 개의 데이터가 분류기에 진입한다</a:t>
+            </a:r>
+            <a:r>
+              <a:rPr kumimoji="1" lang="en-US" altLang="ko-KR" sz="2000" b="1" dirty="0"/>
+              <a:t>.</a:t>
+            </a:r>
+          </a:p>
+          <a:p>
+            <a:endParaRPr kumimoji="1" lang="en-US" altLang="ko-KR" sz="2000" b="1" dirty="0"/>
+          </a:p>
+          <a:p>
+            <a:r>
+              <a:rPr kumimoji="1" lang="ko-KR" altLang="en-US" sz="2000" b="1" dirty="0"/>
+              <a:t>판별자의 분류</a:t>
+            </a:r>
+            <a:endParaRPr kumimoji="1" lang="en-US" altLang="ko-KR" sz="2000" b="1" dirty="0"/>
+          </a:p>
+          <a:p>
+            <a:r>
+              <a:rPr kumimoji="1" lang="en-US" altLang="ko-KR" sz="2000" b="1" dirty="0"/>
+              <a:t>real – 1</a:t>
+            </a:r>
+            <a:r>
+              <a:rPr kumimoji="1" lang="ko-KR" altLang="en-US" sz="2000" b="1" dirty="0"/>
+              <a:t>개 </a:t>
+            </a:r>
+            <a:r>
+              <a:rPr kumimoji="1" lang="en-US" altLang="ko-KR" sz="2000" b="1" dirty="0"/>
+              <a:t>/</a:t>
+            </a:r>
+            <a:r>
+              <a:rPr kumimoji="1" lang="ko-KR" altLang="en-US" sz="2000" b="1" dirty="0"/>
+              <a:t> </a:t>
+            </a:r>
+            <a:r>
+              <a:rPr kumimoji="1" lang="en-US" altLang="ko-KR" sz="2000" b="1" dirty="0"/>
+              <a:t>fake – 2</a:t>
+            </a:r>
+            <a:r>
+              <a:rPr kumimoji="1" lang="ko-KR" altLang="en-US" sz="2000" b="1" dirty="0"/>
+              <a:t>개</a:t>
+            </a:r>
+            <a:endParaRPr kumimoji="1" lang="en-US" altLang="ko-KR" sz="2000" b="1" dirty="0"/>
+          </a:p>
+        </p:txBody>
+      </p:sp>
+    </p:spTree>
+    <p:extLst>
+      <p:ext uri="{BB962C8B-B14F-4D97-AF65-F5344CB8AC3E}">
+        <p14:creationId xmlns:p14="http://schemas.microsoft.com/office/powerpoint/2010/main" val="3289704734"/>
+      </p:ext>
+    </p:extLst>
+  </p:cSld>
+  <p:clrMapOvr>
+    <a:masterClrMapping/>
+  </p:clrMapOvr>
+  <mc:AlternateContent xmlns:mc="http://schemas.openxmlformats.org/markup-compatibility/2006" xmlns:p14="http://schemas.microsoft.com/office/powerpoint/2010/main">
+    <mc:Choice Requires="p14">
+      <p:transition/>
+    </mc:Choice>
+    <mc:Fallback xmlns="" xmlns:c="http://schemas.openxmlformats.org/drawingml/2006/chart" xmlns:dgm="http://schemas.openxmlformats.org/drawingml/2006/diagram" xmlns:dsp="http://schemas.microsoft.com/office/drawing/2008/diagram">
+      <p:transition/>
+    </mc:Fallback>
+  </mc:AlternateContent>
+</p:sld>
+</file>
+
+<file path=ppt/slides/slide9.xml><?xml version="1.0" encoding="utf-8"?>
+<p:sld xmlns:a="http://schemas.openxmlformats.org/drawingml/2006/main" xmlns:r="http://schemas.openxmlformats.org/officeDocument/2006/relationships" xmlns:p="http://schemas.openxmlformats.org/presentationml/2006/main">
+  <p:cSld>
+    <p:spTree>
+      <p:nvGrpSpPr>
+        <p:cNvPr id="1" name=""/>
+        <p:cNvGrpSpPr/>
+        <p:nvPr/>
+      </p:nvGrpSpPr>
+      <p:grpSpPr>
+        <a:xfrm>
+          <a:off x="0" y="0"/>
+          <a:ext cx="0" cy="0"/>
+          <a:chOff x="0" y="0"/>
+          <a:chExt cx="0" cy="0"/>
+        </a:xfrm>
+      </p:grpSpPr>
+      <p:sp>
+        <p:nvSpPr>
+          <p:cNvPr id="5" name="TextBox 4"/>
+          <p:cNvSpPr txBox="1"/>
+          <p:nvPr/>
+        </p:nvSpPr>
+        <p:spPr>
+          <a:xfrm>
+            <a:off x="144378" y="216540"/>
+            <a:ext cx="4258986" cy="553998"/>
+          </a:xfrm>
+          <a:prstGeom prst="rect">
+            <a:avLst/>
+          </a:prstGeom>
+          <a:noFill/>
+        </p:spPr>
+        <p:txBody>
+          <a:bodyPr wrap="none">
+            <a:spAutoFit/>
+          </a:bodyPr>
+          <a:lstStyle/>
+          <a:p>
+            <a:pPr lvl="0">
+              <a:defRPr/>
+            </a:pPr>
+            <a:r>
+              <a:rPr lang="ko-KR" altLang="en-US" sz="3000" b="1" spc="-300" dirty="0">
+                <a:solidFill>
+                  <a:schemeClr val="accent6"/>
+                </a:solidFill>
+              </a:rPr>
+              <a:t>제안한 방법 </a:t>
+            </a:r>
+            <a:r>
+              <a:rPr lang="en-US" altLang="ko-KR" sz="3000" b="1" spc="-300" dirty="0">
+                <a:solidFill>
+                  <a:schemeClr val="accent6"/>
+                </a:solidFill>
+              </a:rPr>
+              <a:t>(Average Loss)</a:t>
+            </a:r>
+          </a:p>
+        </p:txBody>
+      </p:sp>
+      <p:cxnSp>
+        <p:nvCxnSpPr>
+          <p:cNvPr id="4" name="직선 연결선 2">
+            <a:extLst>
+              <a:ext uri="{FF2B5EF4-FFF2-40B4-BE49-F238E27FC236}">
+                <a16:creationId xmlns:a16="http://schemas.microsoft.com/office/drawing/2014/main" id="{DCBCB93F-2FF0-C990-0119-15E3F3428357}"/>
+              </a:ext>
+            </a:extLst>
+          </p:cNvPr>
+          <p:cNvCxnSpPr>
+            <a:cxnSpLocks/>
+          </p:cNvCxnSpPr>
+          <p:nvPr/>
+        </p:nvCxnSpPr>
+        <p:spPr>
+          <a:xfrm>
+            <a:off x="0" y="160422"/>
+            <a:ext cx="12204378" cy="0"/>
+          </a:xfrm>
+          <a:prstGeom prst="line">
+            <a:avLst/>
+          </a:prstGeom>
+          <a:ln w="76200">
+            <a:solidFill>
+              <a:schemeClr val="accent6"/>
+            </a:solidFill>
+          </a:ln>
+        </p:spPr>
+        <p:style>
+          <a:lnRef idx="1">
+            <a:schemeClr val="accent1"/>
+          </a:lnRef>
+          <a:fillRef idx="0">
+            <a:schemeClr val="accent1"/>
+          </a:fillRef>
+          <a:effectRef idx="0">
+            <a:schemeClr val="accent1"/>
+          </a:effectRef>
+          <a:fontRef idx="minor">
+            <a:schemeClr val="tx1"/>
+          </a:fontRef>
+        </p:style>
+      </p:cxnSp>
+      <p:pic>
+        <p:nvPicPr>
+          <p:cNvPr id="8" name="그림 7">
+            <a:extLst>
+              <a:ext uri="{FF2B5EF4-FFF2-40B4-BE49-F238E27FC236}">
+                <a16:creationId xmlns:a16="http://schemas.microsoft.com/office/drawing/2014/main" id="{44E99B9F-2129-D952-AD38-57BA87217A86}"/>
+              </a:ext>
+            </a:extLst>
+          </p:cNvPr>
+          <p:cNvPicPr>
+            <a:picLocks noChangeAspect="1"/>
+          </p:cNvPicPr>
+          <p:nvPr/>
+        </p:nvPicPr>
+        <p:blipFill>
+          <a:blip r:embed="rId3">
+            <a:alphaModFix amt="20000"/>
+          </a:blip>
+          <a:stretch>
+            <a:fillRect/>
+          </a:stretch>
+        </p:blipFill>
+        <p:spPr>
+          <a:xfrm>
+            <a:off x="10413678" y="98543"/>
+            <a:ext cx="1790700" cy="1828800"/>
+          </a:xfrm>
+          <a:prstGeom prst="rect">
+            <a:avLst/>
+          </a:prstGeom>
+        </p:spPr>
+      </p:pic>
+      <p:cxnSp>
+        <p:nvCxnSpPr>
+          <p:cNvPr id="13" name="직선 연결선 5">
+            <a:extLst>
+              <a:ext uri="{FF2B5EF4-FFF2-40B4-BE49-F238E27FC236}">
+                <a16:creationId xmlns:a16="http://schemas.microsoft.com/office/drawing/2014/main" id="{E26C28FB-4DB9-5B6C-C014-CA88F7844AD5}"/>
+              </a:ext>
+            </a:extLst>
+          </p:cNvPr>
+          <p:cNvCxnSpPr/>
+          <p:nvPr/>
+        </p:nvCxnSpPr>
+        <p:spPr>
+          <a:xfrm>
+            <a:off x="144378" y="6751973"/>
+            <a:ext cx="12060000" cy="0"/>
+          </a:xfrm>
+          <a:prstGeom prst="line">
+            <a:avLst/>
+          </a:prstGeom>
+          <a:ln w="3175">
+            <a:solidFill>
+              <a:schemeClr val="accent6"/>
+            </a:solidFill>
+          </a:ln>
+        </p:spPr>
+        <p:style>
+          <a:lnRef idx="1">
+            <a:schemeClr val="accent1"/>
+          </a:lnRef>
+          <a:fillRef idx="0">
+            <a:schemeClr val="accent1"/>
+          </a:fillRef>
+          <a:effectRef idx="0">
+            <a:schemeClr val="accent1"/>
+          </a:effectRef>
+          <a:fontRef idx="minor">
+            <a:schemeClr val="tx1"/>
+          </a:fontRef>
+        </p:style>
+      </p:cxnSp>
+      <p:pic>
+        <p:nvPicPr>
+          <p:cNvPr id="6" name="그림 5">
+            <a:extLst>
+              <a:ext uri="{FF2B5EF4-FFF2-40B4-BE49-F238E27FC236}">
+                <a16:creationId xmlns:a16="http://schemas.microsoft.com/office/drawing/2014/main" id="{CF15E4CC-0FB9-437F-C4FC-77636F7F6EA4}"/>
+              </a:ext>
+            </a:extLst>
+          </p:cNvPr>
+          <p:cNvPicPr>
+            <a:picLocks noChangeAspect="1"/>
+          </p:cNvPicPr>
+          <p:nvPr/>
+        </p:nvPicPr>
+        <p:blipFill>
+          <a:blip r:embed="rId4"/>
+          <a:stretch>
+            <a:fillRect/>
+          </a:stretch>
+        </p:blipFill>
+        <p:spPr>
+          <a:xfrm>
+            <a:off x="144378" y="1792755"/>
+            <a:ext cx="7226300" cy="3937000"/>
+          </a:xfrm>
+          <a:prstGeom prst="rect">
+            <a:avLst/>
+          </a:prstGeom>
+        </p:spPr>
+      </p:pic>
+      <p:sp>
+        <p:nvSpPr>
+          <p:cNvPr id="9" name="TextBox 8">
+            <a:extLst>
+              <a:ext uri="{FF2B5EF4-FFF2-40B4-BE49-F238E27FC236}">
+                <a16:creationId xmlns:a16="http://schemas.microsoft.com/office/drawing/2014/main" id="{35946CF3-464D-76BA-5AA1-BB8AD9A2C5E5}"/>
+              </a:ext>
+            </a:extLst>
+          </p:cNvPr>
+          <p:cNvSpPr txBox="1"/>
+          <p:nvPr/>
+        </p:nvSpPr>
+        <p:spPr>
+          <a:xfrm>
+            <a:off x="7730484" y="2197333"/>
+            <a:ext cx="2875595" cy="707886"/>
+          </a:xfrm>
+          <a:prstGeom prst="rect">
+            <a:avLst/>
+          </a:prstGeom>
+          <a:noFill/>
+        </p:spPr>
+        <p:txBody>
+          <a:bodyPr wrap="none" rtlCol="0">
+            <a:spAutoFit/>
+          </a:bodyPr>
+          <a:lstStyle/>
+          <a:p>
+            <a:r>
+              <a:rPr kumimoji="1" lang="ko-KR" altLang="en-US" sz="2000" b="1" dirty="0"/>
+              <a:t>판별자의 분류</a:t>
+            </a:r>
+            <a:endParaRPr kumimoji="1" lang="en-US" altLang="ko-KR" sz="2000" b="1" dirty="0"/>
+          </a:p>
+          <a:p>
+            <a:r>
+              <a:rPr kumimoji="1" lang="en-US" altLang="ko-KR" sz="2000" b="1" dirty="0"/>
+              <a:t>real – 1</a:t>
+            </a:r>
+            <a:r>
+              <a:rPr kumimoji="1" lang="ko-KR" altLang="en-US" sz="2000" b="1" dirty="0"/>
+              <a:t>개 </a:t>
+            </a:r>
+            <a:r>
+              <a:rPr kumimoji="1" lang="en-US" altLang="ko-KR" sz="2000" b="1" dirty="0"/>
+              <a:t>/</a:t>
+            </a:r>
+            <a:r>
+              <a:rPr kumimoji="1" lang="ko-KR" altLang="en-US" sz="2000" b="1" dirty="0"/>
+              <a:t> </a:t>
+            </a:r>
+            <a:r>
+              <a:rPr kumimoji="1" lang="en-US" altLang="ko-KR" sz="2000" b="1" dirty="0"/>
+              <a:t>fake – 2</a:t>
+            </a:r>
+            <a:r>
+              <a:rPr kumimoji="1" lang="ko-KR" altLang="en-US" sz="2000" b="1" dirty="0"/>
+              <a:t>개</a:t>
+            </a:r>
+            <a:endParaRPr kumimoji="1" lang="en-US" altLang="ko-KR" sz="2000" b="1" dirty="0"/>
+          </a:p>
+        </p:txBody>
+      </p:sp>
+      <p:sp>
+        <p:nvSpPr>
+          <p:cNvPr id="11" name="TextBox 10">
+            <a:extLst>
+              <a:ext uri="{FF2B5EF4-FFF2-40B4-BE49-F238E27FC236}">
+                <a16:creationId xmlns:a16="http://schemas.microsoft.com/office/drawing/2014/main" id="{32E11104-4AA0-2B32-8E03-9063D5856DA3}"/>
+              </a:ext>
+            </a:extLst>
+          </p:cNvPr>
+          <p:cNvSpPr txBox="1"/>
+          <p:nvPr/>
+        </p:nvSpPr>
+        <p:spPr>
+          <a:xfrm>
+            <a:off x="7730484" y="3175210"/>
+            <a:ext cx="3578544" cy="2554545"/>
+          </a:xfrm>
+          <a:prstGeom prst="rect">
+            <a:avLst/>
+          </a:prstGeom>
+          <a:noFill/>
+        </p:spPr>
+        <p:txBody>
+          <a:bodyPr wrap="none" rtlCol="0">
+            <a:spAutoFit/>
+          </a:bodyPr>
+          <a:lstStyle/>
+          <a:p>
+            <a:r>
+              <a:rPr kumimoji="1" lang="en-US" altLang="ko-KR" sz="2000" b="1" dirty="0"/>
+              <a:t>Gen1</a:t>
+            </a:r>
+            <a:r>
+              <a:rPr kumimoji="1" lang="ko-KR" altLang="en-US" sz="2000" b="1" dirty="0"/>
+              <a:t>이 </a:t>
+            </a:r>
+            <a:r>
+              <a:rPr kumimoji="1" lang="en-US" altLang="ko-KR" sz="2000" b="1" dirty="0"/>
+              <a:t>real</a:t>
+            </a:r>
+            <a:r>
+              <a:rPr kumimoji="1" lang="ko-KR" altLang="en-US" sz="2000" b="1" dirty="0"/>
+              <a:t>로 판별된 경우 </a:t>
+            </a:r>
+            <a:r>
+              <a:rPr kumimoji="1" lang="en-US" altLang="ko-KR" sz="2000" b="1" dirty="0"/>
+              <a:t>:</a:t>
+            </a:r>
+            <a:r>
+              <a:rPr kumimoji="1" lang="ko-KR" altLang="en-US" sz="2000" b="1" dirty="0"/>
+              <a:t> </a:t>
+            </a:r>
+            <a:endParaRPr kumimoji="1" lang="en-US" altLang="ko-KR" sz="2000" b="1" dirty="0"/>
+          </a:p>
+          <a:p>
+            <a:r>
+              <a:rPr kumimoji="1" lang="en-US" altLang="ko-KR" sz="2000" b="1" dirty="0"/>
+              <a:t>Loss</a:t>
+            </a:r>
+            <a:r>
+              <a:rPr kumimoji="1" lang="ko-KR" altLang="en-US" sz="2000" b="1" dirty="0"/>
+              <a:t> </a:t>
+            </a:r>
+            <a:r>
+              <a:rPr kumimoji="1" lang="en-US" altLang="ko-KR" sz="2000" b="1" dirty="0"/>
+              <a:t>:</a:t>
+            </a:r>
+            <a:r>
+              <a:rPr kumimoji="1" lang="ko-KR" altLang="en-US" sz="2000" b="1" dirty="0"/>
+              <a:t> </a:t>
+            </a:r>
+            <a:r>
+              <a:rPr kumimoji="1" lang="en-US" altLang="ko-KR" sz="2000" b="1" dirty="0"/>
+              <a:t>Gen2, x</a:t>
+            </a:r>
+          </a:p>
+          <a:p>
+            <a:endParaRPr kumimoji="1" lang="en-US" altLang="ko-KR" sz="2000" b="1" dirty="0"/>
+          </a:p>
+          <a:p>
+            <a:r>
+              <a:rPr kumimoji="1" lang="en-US" altLang="ko-KR" sz="2000" b="1" dirty="0"/>
+              <a:t>Gen2</a:t>
+            </a:r>
+            <a:r>
+              <a:rPr kumimoji="1" lang="ko-KR" altLang="en-US" sz="2000" b="1" dirty="0"/>
+              <a:t>가 </a:t>
+            </a:r>
+            <a:r>
+              <a:rPr kumimoji="1" lang="en-US" altLang="ko-KR" sz="2000" b="1" dirty="0"/>
+              <a:t>real</a:t>
+            </a:r>
+            <a:r>
+              <a:rPr kumimoji="1" lang="ko-KR" altLang="en-US" sz="2000" b="1" dirty="0"/>
+              <a:t>로 판별된 경우 </a:t>
+            </a:r>
+            <a:r>
+              <a:rPr kumimoji="1" lang="en-US" altLang="ko-KR" sz="2000" b="1" dirty="0"/>
+              <a:t>:</a:t>
+            </a:r>
+            <a:r>
+              <a:rPr kumimoji="1" lang="ko-KR" altLang="en-US" sz="2000" b="1" dirty="0"/>
+              <a:t> </a:t>
+            </a:r>
+            <a:endParaRPr kumimoji="1" lang="en-US" altLang="ko-KR" sz="2000" b="1" dirty="0"/>
+          </a:p>
+          <a:p>
+            <a:r>
+              <a:rPr kumimoji="1" lang="en-US" altLang="ko-KR" sz="2000" b="1" dirty="0"/>
+              <a:t>Loss : Gen1, x</a:t>
+            </a:r>
+          </a:p>
+          <a:p>
+            <a:endParaRPr kumimoji="1" lang="en-US" altLang="ko-KR" sz="2000" b="1" dirty="0"/>
+          </a:p>
+          <a:p>
+            <a:r>
+              <a:rPr kumimoji="1" lang="en-US" altLang="ko-KR" sz="2000" b="1" dirty="0"/>
+              <a:t>x</a:t>
+            </a:r>
+            <a:r>
+              <a:rPr kumimoji="1" lang="ko-KR" altLang="en-US" sz="2000" b="1" dirty="0"/>
+              <a:t>가 </a:t>
+            </a:r>
+            <a:r>
+              <a:rPr kumimoji="1" lang="en-US" altLang="ko-KR" sz="2000" b="1" dirty="0"/>
+              <a:t>real</a:t>
+            </a:r>
+            <a:r>
+              <a:rPr kumimoji="1" lang="ko-KR" altLang="en-US" sz="2000" b="1" dirty="0"/>
+              <a:t>로 판별된 경우 </a:t>
+            </a:r>
+            <a:r>
+              <a:rPr kumimoji="1" lang="en-US" altLang="ko-KR" sz="2000" b="1" dirty="0"/>
+              <a:t>:</a:t>
+            </a:r>
+            <a:r>
+              <a:rPr kumimoji="1" lang="ko-KR" altLang="en-US" sz="2000" b="1" dirty="0"/>
+              <a:t> </a:t>
+            </a:r>
+            <a:endParaRPr kumimoji="1" lang="en-US" altLang="ko-KR" sz="2000" b="1" dirty="0"/>
+          </a:p>
+          <a:p>
+            <a:r>
+              <a:rPr kumimoji="1" lang="en-US" altLang="ko-KR" sz="2000" b="1" dirty="0"/>
+              <a:t>Loss : Gen1, Gen2</a:t>
+            </a:r>
+            <a:r>
+              <a:rPr kumimoji="1" lang="ko-KR" altLang="en-US" sz="2000" b="1" dirty="0"/>
+              <a:t>의 평균</a:t>
+            </a:r>
+            <a:endParaRPr kumimoji="1" lang="en-US" altLang="ko-KR" sz="2000" b="1" dirty="0"/>
+          </a:p>
+        </p:txBody>
+      </p:sp>
+    </p:spTree>
+    <p:extLst>
+      <p:ext uri="{BB962C8B-B14F-4D97-AF65-F5344CB8AC3E}">
+        <p14:creationId xmlns:p14="http://schemas.microsoft.com/office/powerpoint/2010/main" val="2934034664"/>
+      </p:ext>
+    </p:extLst>
+  </p:cSld>
+  <p:clrMapOvr>
+    <a:masterClrMapping/>
+  </p:clrMapOvr>
+  <mc:AlternateContent xmlns:mc="http://schemas.openxmlformats.org/markup-compatibility/2006" xmlns:p14="http://schemas.microsoft.com/office/powerpoint/2010/main">
+    <mc:Choice Requires="p14">
+      <p:transition/>
+    </mc:Choice>
+    <mc:Fallback xmlns="" xmlns:c="http://schemas.openxmlformats.org/drawingml/2006/chart" xmlns:dgm="http://schemas.openxmlformats.org/drawingml/2006/diagram" xmlns:dsp="http://schemas.microsoft.com/office/drawing/2008/diagram">
       <p:transition/>
     </mc:Fallback>
   </mc:AlternateContent>
@@ -4401,4 +9439,299 @@
     </a:ext>
   </a:extLst>
 </a:theme>
+</file>
+
+<file path=ppt/theme/theme2.xml><?xml version="1.0" encoding="utf-8"?>
+<a:theme xmlns:a="http://schemas.openxmlformats.org/drawingml/2006/main" name="Office 테마">
+  <a:themeElements>
+    <a:clrScheme name="Office">
+      <a:dk1>
+        <a:sysClr val="windowText" lastClr="000000"/>
+      </a:dk1>
+      <a:lt1>
+        <a:sysClr val="window" lastClr="FFFFFF"/>
+      </a:lt1>
+      <a:dk2>
+        <a:srgbClr val="44546A"/>
+      </a:dk2>
+      <a:lt2>
+        <a:srgbClr val="E7E6E6"/>
+      </a:lt2>
+      <a:accent1>
+        <a:srgbClr val="4472C4"/>
+      </a:accent1>
+      <a:accent2>
+        <a:srgbClr val="ED7D31"/>
+      </a:accent2>
+      <a:accent3>
+        <a:srgbClr val="A5A5A5"/>
+      </a:accent3>
+      <a:accent4>
+        <a:srgbClr val="FFC000"/>
+      </a:accent4>
+      <a:accent5>
+        <a:srgbClr val="5B9BD5"/>
+      </a:accent5>
+      <a:accent6>
+        <a:srgbClr val="70AD47"/>
+      </a:accent6>
+      <a:hlink>
+        <a:srgbClr val="0563C1"/>
+      </a:hlink>
+      <a:folHlink>
+        <a:srgbClr val="954F72"/>
+      </a:folHlink>
+    </a:clrScheme>
+    <a:fontScheme name="Office">
+      <a:majorFont>
+        <a:latin typeface="맑은 고딕" panose="020F0302020204030204"/>
+        <a:ea typeface=""/>
+        <a:cs typeface=""/>
+        <a:font script="Jpan" typeface="游ゴシック Light"/>
+        <a:font script="Hang" typeface="맑은 고딕"/>
+        <a:font script="Hans" typeface="等线 Light"/>
+        <a:font script="Hant" typeface="新細明體"/>
+        <a:font script="Arab" typeface="Times New Roman"/>
+        <a:font script="Hebr" typeface="Times New Roman"/>
+        <a:font script="Thai" typeface="Angsana New"/>
+        <a:font script="Ethi" typeface="Nyala"/>
+        <a:font script="Beng" typeface="Vrinda"/>
+        <a:font script="Gujr" typeface="Shruti"/>
+        <a:font script="Khmr" typeface="MoolBoran"/>
+        <a:font script="Knda" typeface="Tunga"/>
+        <a:font script="Guru" typeface="Raavi"/>
+        <a:font script="Cans" typeface="Euphemia"/>
+        <a:font script="Cher" typeface="Plantagenet Cherokee"/>
+        <a:font script="Yiii" typeface="Microsoft Yi Baiti"/>
+        <a:font script="Tibt" typeface="Microsoft Himalaya"/>
+        <a:font script="Thaa" typeface="MV Boli"/>
+        <a:font script="Deva" typeface="Mangal"/>
+        <a:font script="Telu" typeface="Gautami"/>
+        <a:font script="Taml" typeface="Latha"/>
+        <a:font script="Syrc" typeface="Estrangelo Edessa"/>
+        <a:font script="Orya" typeface="Kalinga"/>
+        <a:font script="Mlym" typeface="Kartika"/>
+        <a:font script="Laoo" typeface="DokChampa"/>
+        <a:font script="Sinh" typeface="Iskoola Pota"/>
+        <a:font script="Mong" typeface="Mongolian Baiti"/>
+        <a:font script="Viet" typeface="Times New Roman"/>
+        <a:font script="Uigh" typeface="Microsoft Uighur"/>
+        <a:font script="Geor" typeface="Sylfaen"/>
+        <a:font script="Armn" typeface="Arial"/>
+        <a:font script="Bugi" typeface="Leelawadee UI"/>
+        <a:font script="Bopo" typeface="Microsoft JhengHei"/>
+        <a:font script="Java" typeface="Javanese Text"/>
+        <a:font script="Lisu" typeface="Segoe UI"/>
+        <a:font script="Mymr" typeface="Myanmar Text"/>
+        <a:font script="Nkoo" typeface="Ebrima"/>
+        <a:font script="Olck" typeface="Nirmala UI"/>
+        <a:font script="Osma" typeface="Ebrima"/>
+        <a:font script="Phag" typeface="Phagspa"/>
+        <a:font script="Syrn" typeface="Estrangelo Edessa"/>
+        <a:font script="Syrj" typeface="Estrangelo Edessa"/>
+        <a:font script="Syre" typeface="Estrangelo Edessa"/>
+        <a:font script="Sora" typeface="Nirmala UI"/>
+        <a:font script="Tale" typeface="Microsoft Tai Le"/>
+        <a:font script="Talu" typeface="Microsoft New Tai Lue"/>
+        <a:font script="Tfng" typeface="Ebrima"/>
+      </a:majorFont>
+      <a:minorFont>
+        <a:latin typeface="맑은 고딕" panose="020F0502020204030204"/>
+        <a:ea typeface=""/>
+        <a:cs typeface=""/>
+        <a:font script="Jpan" typeface="游ゴシック"/>
+        <a:font script="Hang" typeface="맑은 고딕"/>
+        <a:font script="Hans" typeface="等线"/>
+        <a:font script="Hant" typeface="新細明體"/>
+        <a:font script="Arab" typeface="Arial"/>
+        <a:font script="Hebr" typeface="Arial"/>
+        <a:font script="Thai" typeface="Cordia New"/>
+        <a:font script="Ethi" typeface="Nyala"/>
+        <a:font script="Beng" typeface="Vrinda"/>
+        <a:font script="Gujr" typeface="Shruti"/>
+        <a:font script="Khmr" typeface="DaunPenh"/>
+        <a:font script="Knda" typeface="Tunga"/>
+        <a:font script="Guru" typeface="Raavi"/>
+        <a:font script="Cans" typeface="Euphemia"/>
+        <a:font script="Cher" typeface="Plantagenet Cherokee"/>
+        <a:font script="Yiii" typeface="Microsoft Yi Baiti"/>
+        <a:font script="Tibt" typeface="Microsoft Himalaya"/>
+        <a:font script="Thaa" typeface="MV Boli"/>
+        <a:font script="Deva" typeface="Mangal"/>
+        <a:font script="Telu" typeface="Gautami"/>
+        <a:font script="Taml" typeface="Latha"/>
+        <a:font script="Syrc" typeface="Estrangelo Edessa"/>
+        <a:font script="Orya" typeface="Kalinga"/>
+        <a:font script="Mlym" typeface="Kartika"/>
+        <a:font script="Laoo" typeface="DokChampa"/>
+        <a:font script="Sinh" typeface="Iskoola Pota"/>
+        <a:font script="Mong" typeface="Mongolian Baiti"/>
+        <a:font script="Viet" typeface="Arial"/>
+        <a:font script="Uigh" typeface="Microsoft Uighur"/>
+        <a:font script="Geor" typeface="Sylfaen"/>
+        <a:font script="Armn" typeface="Arial"/>
+        <a:font script="Bugi" typeface="Leelawadee UI"/>
+        <a:font script="Bopo" typeface="Microsoft JhengHei"/>
+        <a:font script="Java" typeface="Javanese Text"/>
+        <a:font script="Lisu" typeface="Segoe UI"/>
+        <a:font script="Mymr" typeface="Myanmar Text"/>
+        <a:font script="Nkoo" typeface="Ebrima"/>
+        <a:font script="Olck" typeface="Nirmala UI"/>
+        <a:font script="Osma" typeface="Ebrima"/>
+        <a:font script="Phag" typeface="Phagspa"/>
+        <a:font script="Syrn" typeface="Estrangelo Edessa"/>
+        <a:font script="Syrj" typeface="Estrangelo Edessa"/>
+        <a:font script="Syre" typeface="Estrangelo Edessa"/>
+        <a:font script="Sora" typeface="Nirmala UI"/>
+        <a:font script="Tale" typeface="Microsoft Tai Le"/>
+        <a:font script="Talu" typeface="Microsoft New Tai Lue"/>
+        <a:font script="Tfng" typeface="Ebrima"/>
+      </a:minorFont>
+    </a:fontScheme>
+    <a:fmtScheme name="Office">
+      <a:fillStyleLst>
+        <a:solidFill>
+          <a:schemeClr val="phClr"/>
+        </a:solidFill>
+        <a:gradFill rotWithShape="1">
+          <a:gsLst>
+            <a:gs pos="0">
+              <a:schemeClr val="phClr">
+                <a:lumMod val="110000"/>
+                <a:satMod val="105000"/>
+                <a:tint val="67000"/>
+              </a:schemeClr>
+            </a:gs>
+            <a:gs pos="50000">
+              <a:schemeClr val="phClr">
+                <a:lumMod val="105000"/>
+                <a:satMod val="103000"/>
+                <a:tint val="73000"/>
+              </a:schemeClr>
+            </a:gs>
+            <a:gs pos="100000">
+              <a:schemeClr val="phClr">
+                <a:lumMod val="105000"/>
+                <a:satMod val="109000"/>
+                <a:tint val="81000"/>
+              </a:schemeClr>
+            </a:gs>
+          </a:gsLst>
+          <a:lin ang="5400000" scaled="0"/>
+        </a:gradFill>
+        <a:gradFill rotWithShape="1">
+          <a:gsLst>
+            <a:gs pos="0">
+              <a:schemeClr val="phClr">
+                <a:satMod val="103000"/>
+                <a:lumMod val="102000"/>
+                <a:tint val="94000"/>
+              </a:schemeClr>
+            </a:gs>
+            <a:gs pos="50000">
+              <a:schemeClr val="phClr">
+                <a:satMod val="110000"/>
+                <a:lumMod val="100000"/>
+                <a:shade val="100000"/>
+              </a:schemeClr>
+            </a:gs>
+            <a:gs pos="100000">
+              <a:schemeClr val="phClr">
+                <a:lumMod val="99000"/>
+                <a:satMod val="120000"/>
+                <a:shade val="78000"/>
+              </a:schemeClr>
+            </a:gs>
+          </a:gsLst>
+          <a:lin ang="5400000" scaled="0"/>
+        </a:gradFill>
+      </a:fillStyleLst>
+      <a:lnStyleLst>
+        <a:ln w="6350" cap="flat" cmpd="sng" algn="ctr">
+          <a:solidFill>
+            <a:schemeClr val="phClr"/>
+          </a:solidFill>
+          <a:prstDash val="solid"/>
+          <a:miter lim="800000"/>
+        </a:ln>
+        <a:ln w="12700" cap="flat" cmpd="sng" algn="ctr">
+          <a:solidFill>
+            <a:schemeClr val="phClr"/>
+          </a:solidFill>
+          <a:prstDash val="solid"/>
+          <a:miter lim="800000"/>
+        </a:ln>
+        <a:ln w="19050" cap="flat" cmpd="sng" algn="ctr">
+          <a:solidFill>
+            <a:schemeClr val="phClr"/>
+          </a:solidFill>
+          <a:prstDash val="solid"/>
+          <a:miter lim="800000"/>
+        </a:ln>
+      </a:lnStyleLst>
+      <a:effectStyleLst>
+        <a:effectStyle>
+          <a:effectLst/>
+        </a:effectStyle>
+        <a:effectStyle>
+          <a:effectLst/>
+        </a:effectStyle>
+        <a:effectStyle>
+          <a:effectLst>
+            <a:outerShdw blurRad="57150" dist="19050" dir="5400000" algn="ctr" rotWithShape="0">
+              <a:srgbClr val="000000">
+                <a:alpha val="63000"/>
+              </a:srgbClr>
+            </a:outerShdw>
+          </a:effectLst>
+        </a:effectStyle>
+      </a:effectStyleLst>
+      <a:bgFillStyleLst>
+        <a:solidFill>
+          <a:schemeClr val="phClr"/>
+        </a:solidFill>
+        <a:solidFill>
+          <a:schemeClr val="phClr">
+            <a:tint val="95000"/>
+            <a:satMod val="170000"/>
+          </a:schemeClr>
+        </a:solidFill>
+        <a:gradFill rotWithShape="1">
+          <a:gsLst>
+            <a:gs pos="0">
+              <a:schemeClr val="phClr">
+                <a:tint val="93000"/>
+                <a:satMod val="150000"/>
+                <a:shade val="98000"/>
+                <a:lumMod val="102000"/>
+              </a:schemeClr>
+            </a:gs>
+            <a:gs pos="50000">
+              <a:schemeClr val="phClr">
+                <a:tint val="98000"/>
+                <a:satMod val="130000"/>
+                <a:shade val="90000"/>
+                <a:lumMod val="103000"/>
+              </a:schemeClr>
+            </a:gs>
+            <a:gs pos="100000">
+              <a:schemeClr val="phClr">
+                <a:shade val="63000"/>
+                <a:satMod val="120000"/>
+              </a:schemeClr>
+            </a:gs>
+          </a:gsLst>
+          <a:lin ang="5400000" scaled="0"/>
+        </a:gradFill>
+      </a:bgFillStyleLst>
+    </a:fmtScheme>
+  </a:themeElements>
+  <a:objectDefaults/>
+  <a:extraClrSchemeLst/>
+  <a:extLst>
+    <a:ext uri="{05A4C25C-085E-4340-85A3-A5531E510DB2}">
+      <thm15:themeFamily xmlns:thm15="http://schemas.microsoft.com/office/thememl/2012/main" name="Office Theme" id="{62F939B6-93AF-4DB8-9C6B-D6C7DFDC589F}" vid="{4A3C46E8-61CC-4603-A589-7422A47A8E4A}"/>
+    </a:ext>
+  </a:extLst>
+</a:theme>
 </file>